--- a/ALIA_Othello FINAL.pptx
+++ b/ALIA_Othello FINAL.pptx
@@ -38,14 +38,14 @@
       <p:boldItalic r:id="rId24"/>
     </p:embeddedFont>
     <p:embeddedFont>
-      <p:font typeface="Roboto Condensed" panose="020F0502020204030204" pitchFamily="34" charset="0"/>
+      <p:font typeface="Roboto Condensed" panose="02000000000000000000" pitchFamily="2" charset="0"/>
       <p:regular r:id="rId25"/>
       <p:bold r:id="rId26"/>
       <p:italic r:id="rId27"/>
       <p:boldItalic r:id="rId28"/>
     </p:embeddedFont>
     <p:embeddedFont>
-      <p:font typeface="Squada One" panose="02000000000000000000" pitchFamily="2" charset="0"/>
+      <p:font typeface="Squada One" panose="020B0604020202020204" charset="0"/>
       <p:regular r:id="rId29"/>
     </p:embeddedFont>
   </p:embeddedFontLst>
@@ -12806,7 +12806,7 @@
         </p:nvGrpSpPr>
         <p:grpSpPr>
           <a:xfrm rot="10800000">
-            <a:off x="7335774" y="210862"/>
+            <a:off x="7386066" y="47915"/>
             <a:ext cx="1162454" cy="1078691"/>
             <a:chOff x="3852855" y="487200"/>
             <a:chExt cx="1572963" cy="1477576"/>
@@ -13928,10 +13928,10 @@
       </p:sp>
       <p:grpSp>
         <p:nvGrpSpPr>
-          <p:cNvPr id="14" name="Group 13">
+          <p:cNvPr id="2" name="Group 1">
             <a:extLst>
               <a:ext uri="{FF2B5EF4-FFF2-40B4-BE49-F238E27FC236}">
-                <a16:creationId xmlns:a16="http://schemas.microsoft.com/office/drawing/2014/main" id="{0335F31B-838E-4F6B-9653-165F2391F5BD}"/>
+                <a16:creationId xmlns:a16="http://schemas.microsoft.com/office/drawing/2014/main" id="{9145191A-70AD-4FEC-98D6-8E5582F51FCC}"/>
               </a:ext>
             </a:extLst>
           </p:cNvPr>
@@ -13940,10 +13940,10 @@
         </p:nvGrpSpPr>
         <p:grpSpPr>
           <a:xfrm>
-            <a:off x="5801169" y="2360779"/>
+            <a:off x="6196932" y="2360779"/>
             <a:ext cx="660497" cy="721217"/>
-            <a:chOff x="4680155" y="3471775"/>
-            <a:chExt cx="377280" cy="414030"/>
+            <a:chOff x="6436962" y="2414501"/>
+            <a:chExt cx="660497" cy="721217"/>
           </a:xfrm>
         </p:grpSpPr>
         <p:sp>
@@ -13960,8 +13960,8 @@
           </p:nvSpPr>
           <p:spPr>
             <a:xfrm>
-              <a:off x="4680155" y="3471775"/>
-              <a:ext cx="377280" cy="414030"/>
+              <a:off x="6436962" y="2414501"/>
+              <a:ext cx="660497" cy="721217"/>
             </a:xfrm>
             <a:custGeom>
               <a:avLst/>
@@ -14159,8 +14159,8 @@
           </p:nvSpPr>
           <p:spPr>
             <a:xfrm>
-              <a:off x="4745431" y="3562970"/>
-              <a:ext cx="210750" cy="199232"/>
+              <a:off x="6543619" y="2527638"/>
+              <a:ext cx="368956" cy="347051"/>
             </a:xfrm>
             <a:custGeom>
               <a:avLst/>
@@ -14539,8 +14539,8 @@
           </p:nvSpPr>
           <p:spPr>
             <a:xfrm>
-              <a:off x="4813314" y="3639515"/>
-              <a:ext cx="74983" cy="75018"/>
+              <a:off x="6658651" y="2634305"/>
+              <a:ext cx="131271" cy="130677"/>
             </a:xfrm>
             <a:custGeom>
               <a:avLst/>
@@ -17712,7 +17712,7 @@
         </p:nvSpPr>
         <p:spPr>
           <a:xfrm rot="16200000">
-            <a:off x="5237256" y="1862298"/>
+            <a:off x="5617261" y="1941258"/>
             <a:ext cx="1762800" cy="1581350"/>
           </a:xfrm>
           <a:prstGeom prst="flowChartPreparation">
@@ -20464,7 +20464,7 @@
         </p:nvGrpSpPr>
         <p:grpSpPr>
           <a:xfrm>
-            <a:off x="349047" y="1620469"/>
+            <a:off x="349047" y="2020521"/>
             <a:ext cx="8445905" cy="779545"/>
             <a:chOff x="457199" y="1129201"/>
             <a:chExt cx="8445905" cy="857500"/>
@@ -20737,7 +20737,7 @@
                   <a:solidFill>
                     <a:schemeClr val="lt1"/>
                   </a:solidFill>
-                  <a:latin typeface="Roboto Condensed"/>
+                  <a:latin typeface="Squada One" panose="020B0604020202020204" charset="0"/>
                   <a:ea typeface="Roboto Condensed"/>
                   <a:cs typeface="Roboto Condensed"/>
                   <a:sym typeface="Roboto Condensed"/>
@@ -20749,7 +20749,7 @@
                   <a:solidFill>
                     <a:schemeClr val="lt1"/>
                   </a:solidFill>
-                  <a:latin typeface="Roboto Condensed"/>
+                  <a:latin typeface="Squada One" panose="020B0604020202020204" charset="0"/>
                   <a:ea typeface="Roboto Condensed"/>
                   <a:cs typeface="Roboto Condensed"/>
                   <a:sym typeface="Roboto Condensed"/>
@@ -20761,7 +20761,7 @@
                   <a:solidFill>
                     <a:schemeClr val="lt1"/>
                   </a:solidFill>
-                  <a:latin typeface="Roboto Condensed"/>
+                  <a:latin typeface="Squada One" panose="020B0604020202020204" charset="0"/>
                   <a:ea typeface="Roboto Condensed"/>
                   <a:cs typeface="Roboto Condensed"/>
                   <a:sym typeface="Roboto Condensed"/>
@@ -20773,7 +20773,7 @@
                   <a:solidFill>
                     <a:schemeClr val="lt1"/>
                   </a:solidFill>
-                  <a:latin typeface="Roboto Condensed"/>
+                  <a:latin typeface="Squada One" panose="020B0604020202020204" charset="0"/>
                   <a:ea typeface="Roboto Condensed"/>
                   <a:cs typeface="Roboto Condensed"/>
                   <a:sym typeface="Roboto Condensed"/>
@@ -20785,7 +20785,7 @@
                   <a:solidFill>
                     <a:schemeClr val="lt1"/>
                   </a:solidFill>
-                  <a:latin typeface="Roboto Condensed"/>
+                  <a:latin typeface="Squada One" panose="020B0604020202020204" charset="0"/>
                   <a:ea typeface="Roboto Condensed"/>
                   <a:cs typeface="Roboto Condensed"/>
                   <a:sym typeface="Roboto Condensed"/>
@@ -20797,7 +20797,7 @@
                   <a:solidFill>
                     <a:schemeClr val="lt1"/>
                   </a:solidFill>
-                  <a:latin typeface="Roboto Condensed"/>
+                  <a:latin typeface="Squada One" panose="020B0604020202020204" charset="0"/>
                   <a:ea typeface="Roboto Condensed"/>
                   <a:cs typeface="Roboto Condensed"/>
                   <a:sym typeface="Roboto Condensed"/>
@@ -20809,7 +20809,7 @@
                   <a:solidFill>
                     <a:schemeClr val="lt1"/>
                   </a:solidFill>
-                  <a:latin typeface="Roboto Condensed"/>
+                  <a:latin typeface="Squada One" panose="020B0604020202020204" charset="0"/>
                   <a:ea typeface="Roboto Condensed"/>
                   <a:cs typeface="Roboto Condensed"/>
                   <a:sym typeface="Roboto Condensed"/>
@@ -20820,7 +20820,7 @@
                 <a:solidFill>
                   <a:schemeClr val="lt1"/>
                 </a:solidFill>
-                <a:latin typeface="Roboto Condensed"/>
+                <a:latin typeface="Squada One" panose="020B0604020202020204" charset="0"/>
                 <a:ea typeface="Roboto Condensed"/>
                 <a:cs typeface="Roboto Condensed"/>
                 <a:sym typeface="Roboto Condensed"/>
@@ -20979,7 +20979,7 @@
         </p:nvGrpSpPr>
         <p:grpSpPr>
           <a:xfrm>
-            <a:off x="349048" y="2557194"/>
+            <a:off x="349048" y="2957246"/>
             <a:ext cx="8229650" cy="779545"/>
             <a:chOff x="457200" y="2065926"/>
             <a:chExt cx="8229650" cy="857500"/>
@@ -21363,7 +21363,7 @@
         </p:nvSpPr>
         <p:spPr>
           <a:xfrm>
-            <a:off x="5996768" y="2627825"/>
+            <a:off x="5996768" y="3027877"/>
             <a:ext cx="2828055" cy="660273"/>
           </a:xfrm>
           <a:prstGeom prst="rect">
@@ -21394,7 +21394,7 @@
                 <a:solidFill>
                   <a:schemeClr val="lt1"/>
                 </a:solidFill>
-                <a:latin typeface="Roboto Condensed"/>
+                <a:latin typeface="Squada One" panose="020B0604020202020204" charset="0"/>
                 <a:ea typeface="Roboto Condensed"/>
                 <a:cs typeface="Roboto Condensed"/>
                 <a:sym typeface="Roboto Condensed"/>
@@ -21406,7 +21406,7 @@
                 <a:solidFill>
                   <a:schemeClr val="lt1"/>
                 </a:solidFill>
-                <a:latin typeface="Roboto Condensed"/>
+                <a:latin typeface="Squada One" panose="020B0604020202020204" charset="0"/>
                 <a:ea typeface="Roboto Condensed"/>
                 <a:cs typeface="Roboto Condensed"/>
                 <a:sym typeface="Roboto Condensed"/>
@@ -21418,7 +21418,7 @@
                 <a:solidFill>
                   <a:schemeClr val="lt1"/>
                 </a:solidFill>
-                <a:latin typeface="Roboto Condensed"/>
+                <a:latin typeface="Squada One" panose="020B0604020202020204" charset="0"/>
                 <a:ea typeface="Roboto Condensed"/>
                 <a:cs typeface="Roboto Condensed"/>
                 <a:sym typeface="Roboto Condensed"/>
@@ -21430,7 +21430,7 @@
                 <a:solidFill>
                   <a:schemeClr val="lt1"/>
                 </a:solidFill>
-                <a:latin typeface="Roboto Condensed"/>
+                <a:latin typeface="Squada One" panose="020B0604020202020204" charset="0"/>
                 <a:ea typeface="Roboto Condensed"/>
                 <a:cs typeface="Roboto Condensed"/>
                 <a:sym typeface="Roboto Condensed"/>
@@ -21442,7 +21442,7 @@
                 <a:solidFill>
                   <a:schemeClr val="lt1"/>
                 </a:solidFill>
-                <a:latin typeface="Roboto Condensed"/>
+                <a:latin typeface="Squada One" panose="020B0604020202020204" charset="0"/>
                 <a:ea typeface="Roboto Condensed"/>
                 <a:cs typeface="Roboto Condensed"/>
                 <a:sym typeface="Roboto Condensed"/>
@@ -21454,7 +21454,7 @@
                 <a:solidFill>
                   <a:schemeClr val="lt1"/>
                 </a:solidFill>
-                <a:latin typeface="Roboto Condensed"/>
+                <a:latin typeface="Squada One" panose="020B0604020202020204" charset="0"/>
                 <a:ea typeface="Roboto Condensed"/>
                 <a:cs typeface="Roboto Condensed"/>
                 <a:sym typeface="Roboto Condensed"/>
@@ -21466,7 +21466,7 @@
                 <a:solidFill>
                   <a:schemeClr val="lt1"/>
                 </a:solidFill>
-                <a:latin typeface="Roboto Condensed"/>
+                <a:latin typeface="Squada One" panose="020B0604020202020204" charset="0"/>
                 <a:ea typeface="Roboto Condensed"/>
                 <a:cs typeface="Roboto Condensed"/>
                 <a:sym typeface="Roboto Condensed"/>
@@ -21477,7 +21477,7 @@
               <a:solidFill>
                 <a:schemeClr val="lt1"/>
               </a:solidFill>
-              <a:latin typeface="Roboto Condensed"/>
+              <a:latin typeface="Squada One" panose="020B0604020202020204" charset="0"/>
               <a:ea typeface="Roboto Condensed"/>
               <a:cs typeface="Roboto Condensed"/>
               <a:sym typeface="Roboto Condensed"/>
@@ -22895,42 +22895,12 @@
           </a:p>
         </p:txBody>
       </p:sp>
-    </p:spTree>
-    <p:extLst>
-      <p:ext uri="{BB962C8B-B14F-4D97-AF65-F5344CB8AC3E}">
-        <p14:creationId xmlns:p14="http://schemas.microsoft.com/office/powerpoint/2010/main" val="3182191277"/>
-      </p:ext>
-    </p:extLst>
-  </p:cSld>
-  <p:clrMapOvr>
-    <a:masterClrMapping/>
-  </p:clrMapOvr>
-</p:sld>
-</file>
-
-<file path=ppt/slides/slide18.xml><?xml version="1.0" encoding="utf-8"?>
-<p:sld xmlns:a="http://schemas.openxmlformats.org/drawingml/2006/main" xmlns:r="http://schemas.openxmlformats.org/officeDocument/2006/relationships" xmlns:p="http://schemas.openxmlformats.org/presentationml/2006/main">
-  <p:cSld>
-    <p:spTree>
-      <p:nvGrpSpPr>
-        <p:cNvPr id="1" name=""/>
-        <p:cNvGrpSpPr/>
-        <p:nvPr/>
-      </p:nvGrpSpPr>
-      <p:grpSpPr>
-        <a:xfrm>
-          <a:off x="0" y="0"/>
-          <a:ext cx="0" cy="0"/>
-          <a:chOff x="0" y="0"/>
-          <a:chExt cx="0" cy="0"/>
-        </a:xfrm>
-      </p:grpSpPr>
       <p:grpSp>
         <p:nvGrpSpPr>
-          <p:cNvPr id="46" name="Group 45">
+          <p:cNvPr id="11" name="Group 18">
             <a:extLst>
               <a:ext uri="{FF2B5EF4-FFF2-40B4-BE49-F238E27FC236}">
-                <a16:creationId xmlns:a16="http://schemas.microsoft.com/office/drawing/2014/main" id="{D64033D4-D8CB-4165-ADB6-1E3B24343221}"/>
+                <a16:creationId xmlns:a16="http://schemas.microsoft.com/office/drawing/2014/main" id="{7C7D5BE1-85A8-4477-B524-CACCC01676A4}"/>
               </a:ext>
             </a:extLst>
           </p:cNvPr>
@@ -22938,22 +22908,22 @@
           <p:nvPr/>
         </p:nvGrpSpPr>
         <p:grpSpPr>
-          <a:xfrm rot="16200000">
-            <a:off x="7114331" y="2522516"/>
-            <a:ext cx="1572963" cy="1477576"/>
+          <a:xfrm rot="10800000">
+            <a:off x="7335774" y="210862"/>
+            <a:ext cx="1162454" cy="1078691"/>
             <a:chOff x="3852855" y="487200"/>
             <a:chExt cx="1572963" cy="1477576"/>
           </a:xfrm>
           <a:effectLst>
-            <a:reflection blurRad="6350" stA="52000" endA="300" endPos="35000" dir="5400000" sy="-100000" algn="bl" rotWithShape="0"/>
+            <a:reflection blurRad="6350" stA="50000" endA="300" endPos="55000" dir="5400000" sy="-100000" algn="bl" rotWithShape="0"/>
           </a:effectLst>
         </p:grpSpPr>
         <p:sp>
           <p:nvSpPr>
-            <p:cNvPr id="47" name="Google Shape;338;p23">
+            <p:cNvPr id="12" name="Google Shape;338;p23">
               <a:extLst>
                 <a:ext uri="{FF2B5EF4-FFF2-40B4-BE49-F238E27FC236}">
-                  <a16:creationId xmlns:a16="http://schemas.microsoft.com/office/drawing/2014/main" id="{1140A7F1-3493-406C-9AA2-F272A3B000F3}"/>
+                  <a16:creationId xmlns:a16="http://schemas.microsoft.com/office/drawing/2014/main" id="{D4E3950D-A0D2-43C6-B1C7-ADE6BB182E86}"/>
                 </a:ext>
               </a:extLst>
             </p:cNvPr>
@@ -23060,10 +23030,10 @@
         </p:sp>
         <p:sp>
           <p:nvSpPr>
-            <p:cNvPr id="48" name="Google Shape;338;p23">
+            <p:cNvPr id="13" name="Google Shape;338;p23">
               <a:extLst>
                 <a:ext uri="{FF2B5EF4-FFF2-40B4-BE49-F238E27FC236}">
-                  <a16:creationId xmlns:a16="http://schemas.microsoft.com/office/drawing/2014/main" id="{B3C86F66-DE7B-45D2-A2B4-F7F2BED03A01}"/>
+                  <a16:creationId xmlns:a16="http://schemas.microsoft.com/office/drawing/2014/main" id="{84BBA86C-66EF-4EEE-95E1-2CB5D52C8951}"/>
                 </a:ext>
               </a:extLst>
             </p:cNvPr>
@@ -23184,10 +23154,10 @@
         </p:sp>
         <p:sp>
           <p:nvSpPr>
-            <p:cNvPr id="49" name="Google Shape;338;p23">
+            <p:cNvPr id="14" name="Google Shape;338;p23">
               <a:extLst>
                 <a:ext uri="{FF2B5EF4-FFF2-40B4-BE49-F238E27FC236}">
-                  <a16:creationId xmlns:a16="http://schemas.microsoft.com/office/drawing/2014/main" id="{B6A0833C-C6CF-411A-94E4-3461B9A87F6E}"/>
+                  <a16:creationId xmlns:a16="http://schemas.microsoft.com/office/drawing/2014/main" id="{CB401E60-5C84-4692-9B40-B2F40AC28444}"/>
                 </a:ext>
               </a:extLst>
             </p:cNvPr>
@@ -23294,10 +23264,10 @@
         </p:sp>
         <p:sp>
           <p:nvSpPr>
-            <p:cNvPr id="50" name="Google Shape;338;p23">
+            <p:cNvPr id="15" name="Google Shape;338;p23">
               <a:extLst>
                 <a:ext uri="{FF2B5EF4-FFF2-40B4-BE49-F238E27FC236}">
-                  <a16:creationId xmlns:a16="http://schemas.microsoft.com/office/drawing/2014/main" id="{1F19B129-E5B0-4EFB-88A1-F4CAFA7AFEAB}"/>
+                  <a16:creationId xmlns:a16="http://schemas.microsoft.com/office/drawing/2014/main" id="{FF363188-7051-4634-AA05-64DA45C49145}"/>
                 </a:ext>
               </a:extLst>
             </p:cNvPr>
@@ -23404,10 +23374,10 @@
         </p:sp>
         <p:sp>
           <p:nvSpPr>
-            <p:cNvPr id="51" name="Google Shape;338;p23">
+            <p:cNvPr id="16" name="Google Shape;338;p23">
               <a:extLst>
                 <a:ext uri="{FF2B5EF4-FFF2-40B4-BE49-F238E27FC236}">
-                  <a16:creationId xmlns:a16="http://schemas.microsoft.com/office/drawing/2014/main" id="{800870E4-D1A9-41B9-84D0-334B8CF8A659}"/>
+                  <a16:creationId xmlns:a16="http://schemas.microsoft.com/office/drawing/2014/main" id="{C933A27B-2B65-4DA8-9779-ACBEDDE7CB42}"/>
                 </a:ext>
               </a:extLst>
             </p:cNvPr>
@@ -23528,10 +23498,10 @@
         </p:sp>
         <p:sp>
           <p:nvSpPr>
-            <p:cNvPr id="52" name="Google Shape;338;p23">
+            <p:cNvPr id="17" name="Google Shape;338;p23">
               <a:extLst>
                 <a:ext uri="{FF2B5EF4-FFF2-40B4-BE49-F238E27FC236}">
-                  <a16:creationId xmlns:a16="http://schemas.microsoft.com/office/drawing/2014/main" id="{C267A380-EC75-4446-8FAC-D3B803FAAD19}"/>
+                  <a16:creationId xmlns:a16="http://schemas.microsoft.com/office/drawing/2014/main" id="{CF225FDB-FCC6-4BFE-A317-5B5B81D15E7A}"/>
                 </a:ext>
               </a:extLst>
             </p:cNvPr>
@@ -23652,10 +23622,10 @@
         </p:sp>
         <p:sp>
           <p:nvSpPr>
-            <p:cNvPr id="53" name="Google Shape;338;p23">
+            <p:cNvPr id="18" name="Google Shape;338;p23">
               <a:extLst>
                 <a:ext uri="{FF2B5EF4-FFF2-40B4-BE49-F238E27FC236}">
-                  <a16:creationId xmlns:a16="http://schemas.microsoft.com/office/drawing/2014/main" id="{375CD49B-7292-408D-B2A1-825E1BFF9838}"/>
+                  <a16:creationId xmlns:a16="http://schemas.microsoft.com/office/drawing/2014/main" id="{9ABC1186-7892-40ED-B2A2-7FCE18C8838F}"/>
                 </a:ext>
               </a:extLst>
             </p:cNvPr>
@@ -23761,842 +23731,94 @@
           </p:txBody>
         </p:sp>
       </p:grpSp>
-      <p:grpSp>
-        <p:nvGrpSpPr>
-          <p:cNvPr id="45" name="Group 44">
+    </p:spTree>
+    <p:extLst>
+      <p:ext uri="{BB962C8B-B14F-4D97-AF65-F5344CB8AC3E}">
+        <p14:creationId xmlns:p14="http://schemas.microsoft.com/office/powerpoint/2010/main" val="3182191277"/>
+      </p:ext>
+    </p:extLst>
+  </p:cSld>
+  <p:clrMapOvr>
+    <a:masterClrMapping/>
+  </p:clrMapOvr>
+</p:sld>
+</file>
+
+<file path=ppt/slides/slide18.xml><?xml version="1.0" encoding="utf-8"?>
+<p:sld xmlns:a="http://schemas.openxmlformats.org/drawingml/2006/main" xmlns:r="http://schemas.openxmlformats.org/officeDocument/2006/relationships" xmlns:p="http://schemas.openxmlformats.org/presentationml/2006/main">
+  <p:cSld>
+    <p:spTree>
+      <p:nvGrpSpPr>
+        <p:cNvPr id="1" name=""/>
+        <p:cNvGrpSpPr/>
+        <p:nvPr/>
+      </p:nvGrpSpPr>
+      <p:grpSpPr>
+        <a:xfrm>
+          <a:off x="0" y="0"/>
+          <a:ext cx="0" cy="0"/>
+          <a:chOff x="0" y="0"/>
+          <a:chExt cx="0" cy="0"/>
+        </a:xfrm>
+      </p:grpSpPr>
+      <p:sp>
+        <p:nvSpPr>
+          <p:cNvPr id="8" name="Google Shape;477;p26">
             <a:extLst>
               <a:ext uri="{FF2B5EF4-FFF2-40B4-BE49-F238E27FC236}">
-                <a16:creationId xmlns:a16="http://schemas.microsoft.com/office/drawing/2014/main" id="{7DFE1A29-1F3F-41D4-BB4A-D0E461CE3EB7}"/>
+                <a16:creationId xmlns:a16="http://schemas.microsoft.com/office/drawing/2014/main" id="{CC43A0D2-6B87-4810-8CF8-CF6685F22CF0}"/>
               </a:ext>
             </a:extLst>
           </p:cNvPr>
-          <p:cNvGrpSpPr/>
+          <p:cNvSpPr/>
           <p:nvPr/>
-        </p:nvGrpSpPr>
-        <p:grpSpPr>
-          <a:xfrm rot="10800000">
-            <a:off x="363382" y="166631"/>
-            <a:ext cx="1572963" cy="1477576"/>
-            <a:chOff x="3852855" y="487200"/>
-            <a:chExt cx="1572963" cy="1477576"/>
+        </p:nvSpPr>
+        <p:spPr>
+          <a:xfrm>
+            <a:off x="1426857" y="631891"/>
+            <a:ext cx="5711559" cy="532446"/>
           </a:xfrm>
-          <a:effectLst>
-            <a:reflection blurRad="6350" stA="50000" endA="300" endPos="55000" dir="5400000" sy="-100000" algn="bl" rotWithShape="0"/>
-          </a:effectLst>
-        </p:grpSpPr>
-        <p:sp>
-          <p:nvSpPr>
-            <p:cNvPr id="38" name="Google Shape;338;p23">
-              <a:extLst>
-                <a:ext uri="{FF2B5EF4-FFF2-40B4-BE49-F238E27FC236}">
-                  <a16:creationId xmlns:a16="http://schemas.microsoft.com/office/drawing/2014/main" id="{9C1FEFF2-7852-462C-A0B1-99841E2C6AD6}"/>
-                </a:ext>
-              </a:extLst>
-            </p:cNvPr>
-            <p:cNvSpPr/>
-            <p:nvPr/>
-          </p:nvSpPr>
-          <p:spPr>
-            <a:xfrm>
-              <a:off x="4679814" y="808627"/>
-              <a:ext cx="373002" cy="354922"/>
-            </a:xfrm>
-            <a:custGeom>
-              <a:avLst/>
-              <a:gdLst/>
-              <a:ahLst/>
-              <a:cxnLst/>
-              <a:rect l="l" t="t" r="r" b="b"/>
-              <a:pathLst>
-                <a:path w="2111" h="2112" extrusionOk="0">
-                  <a:moveTo>
-                    <a:pt x="1040" y="662"/>
-                  </a:moveTo>
-                  <a:cubicBezTo>
-                    <a:pt x="1260" y="662"/>
-                    <a:pt x="1418" y="820"/>
-                    <a:pt x="1418" y="1009"/>
-                  </a:cubicBezTo>
-                  <a:cubicBezTo>
-                    <a:pt x="1418" y="1198"/>
-                    <a:pt x="1260" y="1355"/>
-                    <a:pt x="1040" y="1355"/>
-                  </a:cubicBezTo>
-                  <a:cubicBezTo>
-                    <a:pt x="851" y="1355"/>
-                    <a:pt x="693" y="1198"/>
-                    <a:pt x="693" y="1009"/>
-                  </a:cubicBezTo>
-                  <a:cubicBezTo>
-                    <a:pt x="693" y="820"/>
-                    <a:pt x="851" y="662"/>
-                    <a:pt x="1040" y="662"/>
-                  </a:cubicBezTo>
-                  <a:close/>
-                  <a:moveTo>
-                    <a:pt x="1040" y="1"/>
-                  </a:moveTo>
-                  <a:cubicBezTo>
-                    <a:pt x="473" y="1"/>
-                    <a:pt x="0" y="473"/>
-                    <a:pt x="0" y="1040"/>
-                  </a:cubicBezTo>
-                  <a:cubicBezTo>
-                    <a:pt x="0" y="1639"/>
-                    <a:pt x="473" y="2111"/>
-                    <a:pt x="1040" y="2111"/>
-                  </a:cubicBezTo>
-                  <a:cubicBezTo>
-                    <a:pt x="1639" y="2111"/>
-                    <a:pt x="2111" y="1639"/>
-                    <a:pt x="2111" y="1040"/>
-                  </a:cubicBezTo>
-                  <a:cubicBezTo>
-                    <a:pt x="2111" y="473"/>
-                    <a:pt x="1639" y="1"/>
-                    <a:pt x="1040" y="1"/>
-                  </a:cubicBezTo>
-                  <a:close/>
-                </a:path>
-              </a:pathLst>
-            </a:custGeom>
-            <a:gradFill>
-              <a:gsLst>
-                <a:gs pos="1000">
-                  <a:srgbClr val="88D3CE"/>
-                </a:gs>
-                <a:gs pos="71000">
-                  <a:srgbClr val="423864"/>
-                </a:gs>
-              </a:gsLst>
-              <a:lin ang="5400700" scaled="0"/>
-            </a:gradFill>
-            <a:ln>
-              <a:noFill/>
-            </a:ln>
-          </p:spPr>
-          <p:txBody>
-            <a:bodyPr spcFirstLastPara="1" wrap="square" lIns="91425" tIns="91425" rIns="91425" bIns="91425" anchor="ctr" anchorCtr="0">
-              <a:noAutofit/>
-            </a:bodyPr>
-            <a:lstStyle/>
-            <a:p>
-              <a:pPr marL="0" lvl="0" indent="0" algn="l" rtl="0">
-                <a:spcBef>
-                  <a:spcPts val="0"/>
-                </a:spcBef>
-                <a:spcAft>
-                  <a:spcPts val="0"/>
-                </a:spcAft>
-                <a:buNone/>
-              </a:pPr>
-              <a:endParaRPr dirty="0"/>
-            </a:p>
-          </p:txBody>
-        </p:sp>
-        <p:sp>
-          <p:nvSpPr>
-            <p:cNvPr id="39" name="Google Shape;338;p23">
-              <a:extLst>
-                <a:ext uri="{FF2B5EF4-FFF2-40B4-BE49-F238E27FC236}">
-                  <a16:creationId xmlns:a16="http://schemas.microsoft.com/office/drawing/2014/main" id="{16547E79-2772-4E56-94DB-7900330066A6}"/>
-                </a:ext>
-              </a:extLst>
-            </p:cNvPr>
-            <p:cNvSpPr/>
-            <p:nvPr/>
-          </p:nvSpPr>
-          <p:spPr>
-            <a:xfrm>
-              <a:off x="4225857" y="797240"/>
-              <a:ext cx="373002" cy="354922"/>
-            </a:xfrm>
-            <a:custGeom>
-              <a:avLst/>
-              <a:gdLst/>
-              <a:ahLst/>
-              <a:cxnLst/>
-              <a:rect l="l" t="t" r="r" b="b"/>
-              <a:pathLst>
-                <a:path w="2111" h="2112" extrusionOk="0">
-                  <a:moveTo>
-                    <a:pt x="1040" y="662"/>
-                  </a:moveTo>
-                  <a:cubicBezTo>
-                    <a:pt x="1260" y="662"/>
-                    <a:pt x="1418" y="820"/>
-                    <a:pt x="1418" y="1009"/>
-                  </a:cubicBezTo>
-                  <a:cubicBezTo>
-                    <a:pt x="1418" y="1198"/>
-                    <a:pt x="1260" y="1355"/>
-                    <a:pt x="1040" y="1355"/>
-                  </a:cubicBezTo>
-                  <a:cubicBezTo>
-                    <a:pt x="851" y="1355"/>
-                    <a:pt x="693" y="1198"/>
-                    <a:pt x="693" y="1009"/>
-                  </a:cubicBezTo>
-                  <a:cubicBezTo>
-                    <a:pt x="693" y="820"/>
-                    <a:pt x="851" y="662"/>
-                    <a:pt x="1040" y="662"/>
-                  </a:cubicBezTo>
-                  <a:close/>
-                  <a:moveTo>
-                    <a:pt x="1040" y="1"/>
-                  </a:moveTo>
-                  <a:cubicBezTo>
-                    <a:pt x="473" y="1"/>
-                    <a:pt x="0" y="473"/>
-                    <a:pt x="0" y="1040"/>
-                  </a:cubicBezTo>
-                  <a:cubicBezTo>
-                    <a:pt x="0" y="1639"/>
-                    <a:pt x="473" y="2111"/>
-                    <a:pt x="1040" y="2111"/>
-                  </a:cubicBezTo>
-                  <a:cubicBezTo>
-                    <a:pt x="1639" y="2111"/>
-                    <a:pt x="2111" y="1639"/>
-                    <a:pt x="2111" y="1040"/>
-                  </a:cubicBezTo>
-                  <a:cubicBezTo>
-                    <a:pt x="2111" y="473"/>
-                    <a:pt x="1639" y="1"/>
-                    <a:pt x="1040" y="1"/>
-                  </a:cubicBezTo>
-                  <a:close/>
-                </a:path>
-              </a:pathLst>
-            </a:custGeom>
-            <a:gradFill flip="none" rotWithShape="1">
-              <a:gsLst>
-                <a:gs pos="0">
-                  <a:schemeClr val="accent5">
-                    <a:lumMod val="40000"/>
-                    <a:lumOff val="60000"/>
-                  </a:schemeClr>
-                </a:gs>
-                <a:gs pos="46000">
-                  <a:schemeClr val="accent5">
-                    <a:lumMod val="95000"/>
-                    <a:lumOff val="5000"/>
-                  </a:schemeClr>
-                </a:gs>
-                <a:gs pos="100000">
-                  <a:schemeClr val="accent5">
-                    <a:lumMod val="60000"/>
-                  </a:schemeClr>
-                </a:gs>
-              </a:gsLst>
-              <a:path path="circle">
-                <a:fillToRect l="50000" t="130000" r="50000" b="-30000"/>
+          <a:custGeom>
+            <a:avLst/>
+            <a:gdLst/>
+            <a:ahLst/>
+            <a:cxnLst/>
+            <a:rect l="l" t="t" r="r" b="b"/>
+            <a:pathLst>
+              <a:path w="111121" h="39541" extrusionOk="0">
+                <a:moveTo>
+                  <a:pt x="643" y="0"/>
+                </a:moveTo>
+                <a:lnTo>
+                  <a:pt x="99334" y="0"/>
+                </a:lnTo>
+                <a:lnTo>
+                  <a:pt x="111121" y="19717"/>
+                </a:lnTo>
+                <a:lnTo>
+                  <a:pt x="99334" y="39434"/>
+                </a:lnTo>
+                <a:lnTo>
+                  <a:pt x="0" y="39434"/>
+                </a:lnTo>
+                <a:lnTo>
+                  <a:pt x="108" y="39541"/>
+                </a:lnTo>
               </a:path>
-              <a:tileRect/>
-            </a:gradFill>
-            <a:ln>
-              <a:noFill/>
-            </a:ln>
-          </p:spPr>
-          <p:txBody>
-            <a:bodyPr spcFirstLastPara="1" wrap="square" lIns="91425" tIns="91425" rIns="91425" bIns="91425" anchor="ctr" anchorCtr="0">
-              <a:noAutofit/>
-            </a:bodyPr>
-            <a:lstStyle/>
-            <a:p>
-              <a:pPr marL="0" lvl="0" indent="0" algn="l" rtl="0">
-                <a:spcBef>
-                  <a:spcPts val="0"/>
-                </a:spcBef>
-                <a:spcAft>
-                  <a:spcPts val="0"/>
-                </a:spcAft>
-                <a:buNone/>
-              </a:pPr>
-              <a:endParaRPr dirty="0"/>
-            </a:p>
-          </p:txBody>
-        </p:sp>
-        <p:sp>
-          <p:nvSpPr>
-            <p:cNvPr id="40" name="Google Shape;338;p23">
-              <a:extLst>
-                <a:ext uri="{FF2B5EF4-FFF2-40B4-BE49-F238E27FC236}">
-                  <a16:creationId xmlns:a16="http://schemas.microsoft.com/office/drawing/2014/main" id="{8330B256-802E-46DF-971D-55B85A0F823E}"/>
-                </a:ext>
-              </a:extLst>
-            </p:cNvPr>
-            <p:cNvSpPr/>
-            <p:nvPr/>
-          </p:nvSpPr>
-          <p:spPr>
-            <a:xfrm>
-              <a:off x="4225857" y="1230217"/>
-              <a:ext cx="373002" cy="354922"/>
-            </a:xfrm>
-            <a:custGeom>
-              <a:avLst/>
-              <a:gdLst/>
-              <a:ahLst/>
-              <a:cxnLst/>
-              <a:rect l="l" t="t" r="r" b="b"/>
-              <a:pathLst>
-                <a:path w="2111" h="2112" extrusionOk="0">
-                  <a:moveTo>
-                    <a:pt x="1040" y="662"/>
-                  </a:moveTo>
-                  <a:cubicBezTo>
-                    <a:pt x="1260" y="662"/>
-                    <a:pt x="1418" y="820"/>
-                    <a:pt x="1418" y="1009"/>
-                  </a:cubicBezTo>
-                  <a:cubicBezTo>
-                    <a:pt x="1418" y="1198"/>
-                    <a:pt x="1260" y="1355"/>
-                    <a:pt x="1040" y="1355"/>
-                  </a:cubicBezTo>
-                  <a:cubicBezTo>
-                    <a:pt x="851" y="1355"/>
-                    <a:pt x="693" y="1198"/>
-                    <a:pt x="693" y="1009"/>
-                  </a:cubicBezTo>
-                  <a:cubicBezTo>
-                    <a:pt x="693" y="820"/>
-                    <a:pt x="851" y="662"/>
-                    <a:pt x="1040" y="662"/>
-                  </a:cubicBezTo>
-                  <a:close/>
-                  <a:moveTo>
-                    <a:pt x="1040" y="1"/>
-                  </a:moveTo>
-                  <a:cubicBezTo>
-                    <a:pt x="473" y="1"/>
-                    <a:pt x="0" y="473"/>
-                    <a:pt x="0" y="1040"/>
-                  </a:cubicBezTo>
-                  <a:cubicBezTo>
-                    <a:pt x="0" y="1639"/>
-                    <a:pt x="473" y="2111"/>
-                    <a:pt x="1040" y="2111"/>
-                  </a:cubicBezTo>
-                  <a:cubicBezTo>
-                    <a:pt x="1639" y="2111"/>
-                    <a:pt x="2111" y="1639"/>
-                    <a:pt x="2111" y="1040"/>
-                  </a:cubicBezTo>
-                  <a:cubicBezTo>
-                    <a:pt x="2111" y="473"/>
-                    <a:pt x="1639" y="1"/>
-                    <a:pt x="1040" y="1"/>
-                  </a:cubicBezTo>
-                  <a:close/>
-                </a:path>
-              </a:pathLst>
-            </a:custGeom>
-            <a:gradFill>
-              <a:gsLst>
-                <a:gs pos="1000">
-                  <a:srgbClr val="88D3CE"/>
-                </a:gs>
-                <a:gs pos="71000">
-                  <a:srgbClr val="423864"/>
-                </a:gs>
-              </a:gsLst>
-              <a:lin ang="5400700" scaled="0"/>
-            </a:gradFill>
-            <a:ln>
-              <a:noFill/>
-            </a:ln>
-          </p:spPr>
-          <p:txBody>
-            <a:bodyPr spcFirstLastPara="1" wrap="square" lIns="91425" tIns="91425" rIns="91425" bIns="91425" anchor="ctr" anchorCtr="0">
-              <a:noAutofit/>
-            </a:bodyPr>
-            <a:lstStyle/>
-            <a:p>
-              <a:pPr marL="0" lvl="0" indent="0" algn="l" rtl="0">
-                <a:spcBef>
-                  <a:spcPts val="0"/>
-                </a:spcBef>
-                <a:spcAft>
-                  <a:spcPts val="0"/>
-                </a:spcAft>
-                <a:buNone/>
-              </a:pPr>
-              <a:endParaRPr dirty="0"/>
-            </a:p>
-          </p:txBody>
-        </p:sp>
-        <p:sp>
-          <p:nvSpPr>
-            <p:cNvPr id="41" name="Google Shape;338;p23">
-              <a:extLst>
-                <a:ext uri="{FF2B5EF4-FFF2-40B4-BE49-F238E27FC236}">
-                  <a16:creationId xmlns:a16="http://schemas.microsoft.com/office/drawing/2014/main" id="{ED2B8F6C-378F-4BA4-B748-1BC9242A372F}"/>
-                </a:ext>
-              </a:extLst>
-            </p:cNvPr>
-            <p:cNvSpPr/>
-            <p:nvPr/>
-          </p:nvSpPr>
-          <p:spPr>
-            <a:xfrm>
-              <a:off x="3852855" y="1609854"/>
-              <a:ext cx="373002" cy="354922"/>
-            </a:xfrm>
-            <a:custGeom>
-              <a:avLst/>
-              <a:gdLst/>
-              <a:ahLst/>
-              <a:cxnLst/>
-              <a:rect l="l" t="t" r="r" b="b"/>
-              <a:pathLst>
-                <a:path w="2111" h="2112" extrusionOk="0">
-                  <a:moveTo>
-                    <a:pt x="1040" y="662"/>
-                  </a:moveTo>
-                  <a:cubicBezTo>
-                    <a:pt x="1260" y="662"/>
-                    <a:pt x="1418" y="820"/>
-                    <a:pt x="1418" y="1009"/>
-                  </a:cubicBezTo>
-                  <a:cubicBezTo>
-                    <a:pt x="1418" y="1198"/>
-                    <a:pt x="1260" y="1355"/>
-                    <a:pt x="1040" y="1355"/>
-                  </a:cubicBezTo>
-                  <a:cubicBezTo>
-                    <a:pt x="851" y="1355"/>
-                    <a:pt x="693" y="1198"/>
-                    <a:pt x="693" y="1009"/>
-                  </a:cubicBezTo>
-                  <a:cubicBezTo>
-                    <a:pt x="693" y="820"/>
-                    <a:pt x="851" y="662"/>
-                    <a:pt x="1040" y="662"/>
-                  </a:cubicBezTo>
-                  <a:close/>
-                  <a:moveTo>
-                    <a:pt x="1040" y="1"/>
-                  </a:moveTo>
-                  <a:cubicBezTo>
-                    <a:pt x="473" y="1"/>
-                    <a:pt x="0" y="473"/>
-                    <a:pt x="0" y="1040"/>
-                  </a:cubicBezTo>
-                  <a:cubicBezTo>
-                    <a:pt x="0" y="1639"/>
-                    <a:pt x="473" y="2111"/>
-                    <a:pt x="1040" y="2111"/>
-                  </a:cubicBezTo>
-                  <a:cubicBezTo>
-                    <a:pt x="1639" y="2111"/>
-                    <a:pt x="2111" y="1639"/>
-                    <a:pt x="2111" y="1040"/>
-                  </a:cubicBezTo>
-                  <a:cubicBezTo>
-                    <a:pt x="2111" y="473"/>
-                    <a:pt x="1639" y="1"/>
-                    <a:pt x="1040" y="1"/>
-                  </a:cubicBezTo>
-                  <a:close/>
-                </a:path>
-              </a:pathLst>
-            </a:custGeom>
-            <a:gradFill>
-              <a:gsLst>
-                <a:gs pos="1000">
-                  <a:srgbClr val="88D3CE"/>
-                </a:gs>
-                <a:gs pos="71000">
-                  <a:srgbClr val="423864"/>
-                </a:gs>
-              </a:gsLst>
-              <a:lin ang="5400700" scaled="0"/>
-            </a:gradFill>
-            <a:ln>
-              <a:noFill/>
-            </a:ln>
-          </p:spPr>
-          <p:txBody>
-            <a:bodyPr spcFirstLastPara="1" wrap="square" lIns="91425" tIns="91425" rIns="91425" bIns="91425" anchor="ctr" anchorCtr="0">
-              <a:noAutofit/>
-            </a:bodyPr>
-            <a:lstStyle/>
-            <a:p>
-              <a:pPr marL="0" lvl="0" indent="0" algn="l" rtl="0">
-                <a:spcBef>
-                  <a:spcPts val="0"/>
-                </a:spcBef>
-                <a:spcAft>
-                  <a:spcPts val="0"/>
-                </a:spcAft>
-                <a:buNone/>
-              </a:pPr>
-              <a:endParaRPr dirty="0"/>
-            </a:p>
-          </p:txBody>
-        </p:sp>
-        <p:sp>
-          <p:nvSpPr>
-            <p:cNvPr id="42" name="Google Shape;338;p23">
-              <a:extLst>
-                <a:ext uri="{FF2B5EF4-FFF2-40B4-BE49-F238E27FC236}">
-                  <a16:creationId xmlns:a16="http://schemas.microsoft.com/office/drawing/2014/main" id="{A2D9898D-9551-4B46-92E1-02D2D00AB730}"/>
-                </a:ext>
-              </a:extLst>
-            </p:cNvPr>
-            <p:cNvSpPr/>
-            <p:nvPr/>
-          </p:nvSpPr>
-          <p:spPr>
-            <a:xfrm>
-              <a:off x="3852855" y="487200"/>
-              <a:ext cx="373002" cy="354922"/>
-            </a:xfrm>
-            <a:custGeom>
-              <a:avLst/>
-              <a:gdLst/>
-              <a:ahLst/>
-              <a:cxnLst/>
-              <a:rect l="l" t="t" r="r" b="b"/>
-              <a:pathLst>
-                <a:path w="2111" h="2112" extrusionOk="0">
-                  <a:moveTo>
-                    <a:pt x="1040" y="662"/>
-                  </a:moveTo>
-                  <a:cubicBezTo>
-                    <a:pt x="1260" y="662"/>
-                    <a:pt x="1418" y="820"/>
-                    <a:pt x="1418" y="1009"/>
-                  </a:cubicBezTo>
-                  <a:cubicBezTo>
-                    <a:pt x="1418" y="1198"/>
-                    <a:pt x="1260" y="1355"/>
-                    <a:pt x="1040" y="1355"/>
-                  </a:cubicBezTo>
-                  <a:cubicBezTo>
-                    <a:pt x="851" y="1355"/>
-                    <a:pt x="693" y="1198"/>
-                    <a:pt x="693" y="1009"/>
-                  </a:cubicBezTo>
-                  <a:cubicBezTo>
-                    <a:pt x="693" y="820"/>
-                    <a:pt x="851" y="662"/>
-                    <a:pt x="1040" y="662"/>
-                  </a:cubicBezTo>
-                  <a:close/>
-                  <a:moveTo>
-                    <a:pt x="1040" y="1"/>
-                  </a:moveTo>
-                  <a:cubicBezTo>
-                    <a:pt x="473" y="1"/>
-                    <a:pt x="0" y="473"/>
-                    <a:pt x="0" y="1040"/>
-                  </a:cubicBezTo>
-                  <a:cubicBezTo>
-                    <a:pt x="0" y="1639"/>
-                    <a:pt x="473" y="2111"/>
-                    <a:pt x="1040" y="2111"/>
-                  </a:cubicBezTo>
-                  <a:cubicBezTo>
-                    <a:pt x="1639" y="2111"/>
-                    <a:pt x="2111" y="1639"/>
-                    <a:pt x="2111" y="1040"/>
-                  </a:cubicBezTo>
-                  <a:cubicBezTo>
-                    <a:pt x="2111" y="473"/>
-                    <a:pt x="1639" y="1"/>
-                    <a:pt x="1040" y="1"/>
-                  </a:cubicBezTo>
-                  <a:close/>
-                </a:path>
-              </a:pathLst>
-            </a:custGeom>
-            <a:gradFill flip="none" rotWithShape="1">
-              <a:gsLst>
-                <a:gs pos="0">
-                  <a:schemeClr val="accent5">
-                    <a:lumMod val="40000"/>
-                    <a:lumOff val="60000"/>
-                  </a:schemeClr>
-                </a:gs>
-                <a:gs pos="46000">
-                  <a:schemeClr val="accent5">
-                    <a:lumMod val="95000"/>
-                    <a:lumOff val="5000"/>
-                  </a:schemeClr>
-                </a:gs>
-                <a:gs pos="100000">
-                  <a:schemeClr val="accent5">
-                    <a:lumMod val="60000"/>
-                  </a:schemeClr>
-                </a:gs>
-              </a:gsLst>
-              <a:path path="circle">
-                <a:fillToRect l="50000" t="130000" r="50000" b="-30000"/>
-              </a:path>
-              <a:tileRect/>
-            </a:gradFill>
-            <a:ln>
-              <a:noFill/>
-            </a:ln>
-          </p:spPr>
-          <p:txBody>
-            <a:bodyPr spcFirstLastPara="1" wrap="square" lIns="91425" tIns="91425" rIns="91425" bIns="91425" anchor="ctr" anchorCtr="0">
-              <a:noAutofit/>
-            </a:bodyPr>
-            <a:lstStyle/>
-            <a:p>
-              <a:pPr marL="0" lvl="0" indent="0" algn="l" rtl="0">
-                <a:spcBef>
-                  <a:spcPts val="0"/>
-                </a:spcBef>
-                <a:spcAft>
-                  <a:spcPts val="0"/>
-                </a:spcAft>
-                <a:buNone/>
-              </a:pPr>
-              <a:endParaRPr dirty="0"/>
-            </a:p>
-          </p:txBody>
-        </p:sp>
-        <p:sp>
-          <p:nvSpPr>
-            <p:cNvPr id="43" name="Google Shape;338;p23">
-              <a:extLst>
-                <a:ext uri="{FF2B5EF4-FFF2-40B4-BE49-F238E27FC236}">
-                  <a16:creationId xmlns:a16="http://schemas.microsoft.com/office/drawing/2014/main" id="{00D29350-7FB9-4263-93D8-115BAFC4FFFF}"/>
-                </a:ext>
-              </a:extLst>
-            </p:cNvPr>
-            <p:cNvSpPr/>
-            <p:nvPr/>
-          </p:nvSpPr>
-          <p:spPr>
-            <a:xfrm>
-              <a:off x="4667817" y="1231580"/>
-              <a:ext cx="373002" cy="354922"/>
-            </a:xfrm>
-            <a:custGeom>
-              <a:avLst/>
-              <a:gdLst/>
-              <a:ahLst/>
-              <a:cxnLst/>
-              <a:rect l="l" t="t" r="r" b="b"/>
-              <a:pathLst>
-                <a:path w="2111" h="2112" extrusionOk="0">
-                  <a:moveTo>
-                    <a:pt x="1040" y="662"/>
-                  </a:moveTo>
-                  <a:cubicBezTo>
-                    <a:pt x="1260" y="662"/>
-                    <a:pt x="1418" y="820"/>
-                    <a:pt x="1418" y="1009"/>
-                  </a:cubicBezTo>
-                  <a:cubicBezTo>
-                    <a:pt x="1418" y="1198"/>
-                    <a:pt x="1260" y="1355"/>
-                    <a:pt x="1040" y="1355"/>
-                  </a:cubicBezTo>
-                  <a:cubicBezTo>
-                    <a:pt x="851" y="1355"/>
-                    <a:pt x="693" y="1198"/>
-                    <a:pt x="693" y="1009"/>
-                  </a:cubicBezTo>
-                  <a:cubicBezTo>
-                    <a:pt x="693" y="820"/>
-                    <a:pt x="851" y="662"/>
-                    <a:pt x="1040" y="662"/>
-                  </a:cubicBezTo>
-                  <a:close/>
-                  <a:moveTo>
-                    <a:pt x="1040" y="1"/>
-                  </a:moveTo>
-                  <a:cubicBezTo>
-                    <a:pt x="473" y="1"/>
-                    <a:pt x="0" y="473"/>
-                    <a:pt x="0" y="1040"/>
-                  </a:cubicBezTo>
-                  <a:cubicBezTo>
-                    <a:pt x="0" y="1639"/>
-                    <a:pt x="473" y="2111"/>
-                    <a:pt x="1040" y="2111"/>
-                  </a:cubicBezTo>
-                  <a:cubicBezTo>
-                    <a:pt x="1639" y="2111"/>
-                    <a:pt x="2111" y="1639"/>
-                    <a:pt x="2111" y="1040"/>
-                  </a:cubicBezTo>
-                  <a:cubicBezTo>
-                    <a:pt x="2111" y="473"/>
-                    <a:pt x="1639" y="1"/>
-                    <a:pt x="1040" y="1"/>
-                  </a:cubicBezTo>
-                  <a:close/>
-                </a:path>
-              </a:pathLst>
-            </a:custGeom>
-            <a:gradFill flip="none" rotWithShape="1">
-              <a:gsLst>
-                <a:gs pos="0">
-                  <a:schemeClr val="accent5">
-                    <a:lumMod val="40000"/>
-                    <a:lumOff val="60000"/>
-                  </a:schemeClr>
-                </a:gs>
-                <a:gs pos="46000">
-                  <a:schemeClr val="accent5">
-                    <a:lumMod val="95000"/>
-                    <a:lumOff val="5000"/>
-                  </a:schemeClr>
-                </a:gs>
-                <a:gs pos="100000">
-                  <a:schemeClr val="accent5">
-                    <a:lumMod val="60000"/>
-                  </a:schemeClr>
-                </a:gs>
-              </a:gsLst>
-              <a:path path="circle">
-                <a:fillToRect l="50000" t="130000" r="50000" b="-30000"/>
-              </a:path>
-              <a:tileRect/>
-            </a:gradFill>
-            <a:ln>
-              <a:noFill/>
-            </a:ln>
-          </p:spPr>
-          <p:txBody>
-            <a:bodyPr spcFirstLastPara="1" wrap="square" lIns="91425" tIns="91425" rIns="91425" bIns="91425" anchor="ctr" anchorCtr="0">
-              <a:noAutofit/>
-            </a:bodyPr>
-            <a:lstStyle/>
-            <a:p>
-              <a:pPr marL="0" lvl="0" indent="0" algn="l" rtl="0">
-                <a:spcBef>
-                  <a:spcPts val="0"/>
-                </a:spcBef>
-                <a:spcAft>
-                  <a:spcPts val="0"/>
-                </a:spcAft>
-                <a:buNone/>
-              </a:pPr>
-              <a:endParaRPr dirty="0"/>
-            </a:p>
-          </p:txBody>
-        </p:sp>
-        <p:sp>
-          <p:nvSpPr>
-            <p:cNvPr id="44" name="Google Shape;338;p23">
-              <a:extLst>
-                <a:ext uri="{FF2B5EF4-FFF2-40B4-BE49-F238E27FC236}">
-                  <a16:creationId xmlns:a16="http://schemas.microsoft.com/office/drawing/2014/main" id="{462C8345-0881-4357-BB35-7006CD79F2C7}"/>
-                </a:ext>
-              </a:extLst>
-            </p:cNvPr>
-            <p:cNvSpPr/>
-            <p:nvPr/>
-          </p:nvSpPr>
-          <p:spPr>
-            <a:xfrm>
-              <a:off x="5052816" y="515831"/>
-              <a:ext cx="373002" cy="354922"/>
-            </a:xfrm>
-            <a:custGeom>
-              <a:avLst/>
-              <a:gdLst/>
-              <a:ahLst/>
-              <a:cxnLst/>
-              <a:rect l="l" t="t" r="r" b="b"/>
-              <a:pathLst>
-                <a:path w="2111" h="2112" extrusionOk="0">
-                  <a:moveTo>
-                    <a:pt x="1040" y="662"/>
-                  </a:moveTo>
-                  <a:cubicBezTo>
-                    <a:pt x="1260" y="662"/>
-                    <a:pt x="1418" y="820"/>
-                    <a:pt x="1418" y="1009"/>
-                  </a:cubicBezTo>
-                  <a:cubicBezTo>
-                    <a:pt x="1418" y="1198"/>
-                    <a:pt x="1260" y="1355"/>
-                    <a:pt x="1040" y="1355"/>
-                  </a:cubicBezTo>
-                  <a:cubicBezTo>
-                    <a:pt x="851" y="1355"/>
-                    <a:pt x="693" y="1198"/>
-                    <a:pt x="693" y="1009"/>
-                  </a:cubicBezTo>
-                  <a:cubicBezTo>
-                    <a:pt x="693" y="820"/>
-                    <a:pt x="851" y="662"/>
-                    <a:pt x="1040" y="662"/>
-                  </a:cubicBezTo>
-                  <a:close/>
-                  <a:moveTo>
-                    <a:pt x="1040" y="1"/>
-                  </a:moveTo>
-                  <a:cubicBezTo>
-                    <a:pt x="473" y="1"/>
-                    <a:pt x="0" y="473"/>
-                    <a:pt x="0" y="1040"/>
-                  </a:cubicBezTo>
-                  <a:cubicBezTo>
-                    <a:pt x="0" y="1639"/>
-                    <a:pt x="473" y="2111"/>
-                    <a:pt x="1040" y="2111"/>
-                  </a:cubicBezTo>
-                  <a:cubicBezTo>
-                    <a:pt x="1639" y="2111"/>
-                    <a:pt x="2111" y="1639"/>
-                    <a:pt x="2111" y="1040"/>
-                  </a:cubicBezTo>
-                  <a:cubicBezTo>
-                    <a:pt x="2111" y="473"/>
-                    <a:pt x="1639" y="1"/>
-                    <a:pt x="1040" y="1"/>
-                  </a:cubicBezTo>
-                  <a:close/>
-                </a:path>
-              </a:pathLst>
-            </a:custGeom>
-            <a:gradFill>
-              <a:gsLst>
-                <a:gs pos="1000">
-                  <a:srgbClr val="88D3CE"/>
-                </a:gs>
-                <a:gs pos="71000">
-                  <a:srgbClr val="423864"/>
-                </a:gs>
-              </a:gsLst>
-              <a:lin ang="5400700" scaled="0"/>
-            </a:gradFill>
-            <a:ln>
-              <a:noFill/>
-            </a:ln>
-          </p:spPr>
-          <p:txBody>
-            <a:bodyPr spcFirstLastPara="1" wrap="square" lIns="91425" tIns="91425" rIns="91425" bIns="91425" anchor="ctr" anchorCtr="0">
-              <a:noAutofit/>
-            </a:bodyPr>
-            <a:lstStyle/>
-            <a:p>
-              <a:pPr marL="0" lvl="0" indent="0" algn="l" rtl="0">
-                <a:spcBef>
-                  <a:spcPts val="0"/>
-                </a:spcBef>
-                <a:spcAft>
-                  <a:spcPts val="0"/>
-                </a:spcAft>
-                <a:buNone/>
-              </a:pPr>
-              <a:endParaRPr dirty="0"/>
-            </a:p>
-          </p:txBody>
-        </p:sp>
-      </p:grpSp>
+            </a:pathLst>
+          </a:custGeom>
+          <a:noFill/>
+          <a:ln w="19050" cap="flat" cmpd="sng">
+            <a:solidFill>
+              <a:schemeClr val="lt1"/>
+            </a:solidFill>
+            <a:prstDash val="solid"/>
+            <a:round/>
+            <a:headEnd type="none" w="med" len="med"/>
+            <a:tailEnd type="none" w="med" len="med"/>
+          </a:ln>
+        </p:spPr>
+      </p:sp>
       <p:sp>
         <p:nvSpPr>
           <p:cNvPr id="2" name="Title 1">
@@ -24615,8 +23837,8 @@
         </p:nvSpPr>
         <p:spPr>
           <a:xfrm>
-            <a:off x="3713330" y="2287603"/>
-            <a:ext cx="2797160" cy="568294"/>
+            <a:off x="1286483" y="610296"/>
+            <a:ext cx="5634420" cy="660016"/>
           </a:xfrm>
         </p:spPr>
         <p:txBody>
@@ -24624,18 +23846,18 @@
           <a:lstStyle/>
           <a:p>
             <a:r>
-              <a:rPr lang="en-GB" sz="4000" dirty="0"/>
-              <a:t>CONCLUSION</a:t>
+              <a:rPr lang="en-GB" sz="2800" dirty="0"/>
+              <a:t>CONCLUSION ET POINTS D’AMELIORATION</a:t>
             </a:r>
           </a:p>
         </p:txBody>
       </p:sp>
       <p:sp>
         <p:nvSpPr>
-          <p:cNvPr id="27" name="Google Shape;338;p23">
+          <p:cNvPr id="5" name="Google Shape;469;p26">
             <a:extLst>
               <a:ext uri="{FF2B5EF4-FFF2-40B4-BE49-F238E27FC236}">
-                <a16:creationId xmlns:a16="http://schemas.microsoft.com/office/drawing/2014/main" id="{9AC3CE3C-FBB2-4FE5-80B6-A2B8A10A8C80}"/>
+                <a16:creationId xmlns:a16="http://schemas.microsoft.com/office/drawing/2014/main" id="{0A4A88AB-663B-4E05-B3DA-5A5D31BEA881}"/>
               </a:ext>
             </a:extLst>
           </p:cNvPr>
@@ -24643,82 +23865,42 @@
           <p:nvPr/>
         </p:nvSpPr>
         <p:spPr>
-          <a:xfrm>
-            <a:off x="7621134" y="656227"/>
-            <a:ext cx="373002" cy="354922"/>
+          <a:xfrm rot="16200000">
+            <a:off x="559638" y="551330"/>
+            <a:ext cx="819178" cy="713555"/>
           </a:xfrm>
-          <a:custGeom>
-            <a:avLst/>
-            <a:gdLst/>
-            <a:ahLst/>
-            <a:cxnLst/>
-            <a:rect l="l" t="t" r="r" b="b"/>
-            <a:pathLst>
-              <a:path w="2111" h="2112" extrusionOk="0">
-                <a:moveTo>
-                  <a:pt x="1040" y="662"/>
-                </a:moveTo>
-                <a:cubicBezTo>
-                  <a:pt x="1260" y="662"/>
-                  <a:pt x="1418" y="820"/>
-                  <a:pt x="1418" y="1009"/>
-                </a:cubicBezTo>
-                <a:cubicBezTo>
-                  <a:pt x="1418" y="1198"/>
-                  <a:pt x="1260" y="1355"/>
-                  <a:pt x="1040" y="1355"/>
-                </a:cubicBezTo>
-                <a:cubicBezTo>
-                  <a:pt x="851" y="1355"/>
-                  <a:pt x="693" y="1198"/>
-                  <a:pt x="693" y="1009"/>
-                </a:cubicBezTo>
-                <a:cubicBezTo>
-                  <a:pt x="693" y="820"/>
-                  <a:pt x="851" y="662"/>
-                  <a:pt x="1040" y="662"/>
-                </a:cubicBezTo>
-                <a:close/>
-                <a:moveTo>
-                  <a:pt x="1040" y="1"/>
-                </a:moveTo>
-                <a:cubicBezTo>
-                  <a:pt x="473" y="1"/>
-                  <a:pt x="0" y="473"/>
-                  <a:pt x="0" y="1040"/>
-                </a:cubicBezTo>
-                <a:cubicBezTo>
-                  <a:pt x="0" y="1639"/>
-                  <a:pt x="473" y="2111"/>
-                  <a:pt x="1040" y="2111"/>
-                </a:cubicBezTo>
-                <a:cubicBezTo>
-                  <a:pt x="1639" y="2111"/>
-                  <a:pt x="2111" y="1639"/>
-                  <a:pt x="2111" y="1040"/>
-                </a:cubicBezTo>
-                <a:cubicBezTo>
-                  <a:pt x="2111" y="473"/>
-                  <a:pt x="1639" y="1"/>
-                  <a:pt x="1040" y="1"/>
-                </a:cubicBezTo>
-                <a:close/>
-              </a:path>
-            </a:pathLst>
-          </a:custGeom>
+          <a:prstGeom prst="hexagon">
+            <a:avLst>
+              <a:gd name="adj" fmla="val 28729"/>
+              <a:gd name="vf" fmla="val 115470"/>
+            </a:avLst>
+          </a:prstGeom>
           <a:gradFill>
             <a:gsLst>
-              <a:gs pos="1000">
-                <a:srgbClr val="88D3CE"/>
+              <a:gs pos="0">
+                <a:srgbClr val="FFFFFF">
+                  <a:alpha val="0"/>
+                </a:srgbClr>
               </a:gs>
-              <a:gs pos="71000">
-                <a:srgbClr val="423864"/>
+              <a:gs pos="100000">
+                <a:srgbClr val="FFFFFF">
+                  <a:alpha val="39215"/>
+                </a:srgbClr>
               </a:gs>
             </a:gsLst>
-            <a:lin ang="5400700" scaled="0"/>
+            <a:path path="circle">
+              <a:fillToRect l="50000" t="50000" r="50000" b="50000"/>
+            </a:path>
+            <a:tileRect/>
           </a:gradFill>
-          <a:ln>
-            <a:noFill/>
+          <a:ln w="19050" cap="flat" cmpd="sng">
+            <a:solidFill>
+              <a:schemeClr val="lt1"/>
+            </a:solidFill>
+            <a:prstDash val="solid"/>
+            <a:round/>
+            <a:headEnd type="none" w="sm" len="sm"/>
+            <a:tailEnd type="none" w="sm" len="sm"/>
           </a:ln>
         </p:spPr>
         <p:txBody>
@@ -24740,712 +23922,6 @@
           </a:p>
         </p:txBody>
       </p:sp>
-      <p:sp>
-        <p:nvSpPr>
-          <p:cNvPr id="28" name="Google Shape;338;p23">
-            <a:extLst>
-              <a:ext uri="{FF2B5EF4-FFF2-40B4-BE49-F238E27FC236}">
-                <a16:creationId xmlns:a16="http://schemas.microsoft.com/office/drawing/2014/main" id="{3980F649-10B4-4C14-8593-3B4E866E627F}"/>
-              </a:ext>
-            </a:extLst>
-          </p:cNvPr>
-          <p:cNvSpPr/>
-          <p:nvPr/>
-        </p:nvSpPr>
-        <p:spPr>
-          <a:xfrm>
-            <a:off x="7167177" y="644840"/>
-            <a:ext cx="373002" cy="354922"/>
-          </a:xfrm>
-          <a:custGeom>
-            <a:avLst/>
-            <a:gdLst/>
-            <a:ahLst/>
-            <a:cxnLst/>
-            <a:rect l="l" t="t" r="r" b="b"/>
-            <a:pathLst>
-              <a:path w="2111" h="2112" extrusionOk="0">
-                <a:moveTo>
-                  <a:pt x="1040" y="662"/>
-                </a:moveTo>
-                <a:cubicBezTo>
-                  <a:pt x="1260" y="662"/>
-                  <a:pt x="1418" y="820"/>
-                  <a:pt x="1418" y="1009"/>
-                </a:cubicBezTo>
-                <a:cubicBezTo>
-                  <a:pt x="1418" y="1198"/>
-                  <a:pt x="1260" y="1355"/>
-                  <a:pt x="1040" y="1355"/>
-                </a:cubicBezTo>
-                <a:cubicBezTo>
-                  <a:pt x="851" y="1355"/>
-                  <a:pt x="693" y="1198"/>
-                  <a:pt x="693" y="1009"/>
-                </a:cubicBezTo>
-                <a:cubicBezTo>
-                  <a:pt x="693" y="820"/>
-                  <a:pt x="851" y="662"/>
-                  <a:pt x="1040" y="662"/>
-                </a:cubicBezTo>
-                <a:close/>
-                <a:moveTo>
-                  <a:pt x="1040" y="1"/>
-                </a:moveTo>
-                <a:cubicBezTo>
-                  <a:pt x="473" y="1"/>
-                  <a:pt x="0" y="473"/>
-                  <a:pt x="0" y="1040"/>
-                </a:cubicBezTo>
-                <a:cubicBezTo>
-                  <a:pt x="0" y="1639"/>
-                  <a:pt x="473" y="2111"/>
-                  <a:pt x="1040" y="2111"/>
-                </a:cubicBezTo>
-                <a:cubicBezTo>
-                  <a:pt x="1639" y="2111"/>
-                  <a:pt x="2111" y="1639"/>
-                  <a:pt x="2111" y="1040"/>
-                </a:cubicBezTo>
-                <a:cubicBezTo>
-                  <a:pt x="2111" y="473"/>
-                  <a:pt x="1639" y="1"/>
-                  <a:pt x="1040" y="1"/>
-                </a:cubicBezTo>
-                <a:close/>
-              </a:path>
-            </a:pathLst>
-          </a:custGeom>
-          <a:gradFill flip="none" rotWithShape="1">
-            <a:gsLst>
-              <a:gs pos="0">
-                <a:schemeClr val="accent5">
-                  <a:lumMod val="40000"/>
-                  <a:lumOff val="60000"/>
-                </a:schemeClr>
-              </a:gs>
-              <a:gs pos="46000">
-                <a:schemeClr val="accent5">
-                  <a:lumMod val="95000"/>
-                  <a:lumOff val="5000"/>
-                </a:schemeClr>
-              </a:gs>
-              <a:gs pos="100000">
-                <a:schemeClr val="accent5">
-                  <a:lumMod val="60000"/>
-                </a:schemeClr>
-              </a:gs>
-            </a:gsLst>
-            <a:path path="circle">
-              <a:fillToRect l="50000" t="130000" r="50000" b="-30000"/>
-            </a:path>
-            <a:tileRect/>
-          </a:gradFill>
-          <a:ln>
-            <a:noFill/>
-          </a:ln>
-        </p:spPr>
-        <p:txBody>
-          <a:bodyPr spcFirstLastPara="1" wrap="square" lIns="91425" tIns="91425" rIns="91425" bIns="91425" anchor="ctr" anchorCtr="0">
-            <a:noAutofit/>
-          </a:bodyPr>
-          <a:lstStyle/>
-          <a:p>
-            <a:pPr marL="0" lvl="0" indent="0" algn="l" rtl="0">
-              <a:spcBef>
-                <a:spcPts val="0"/>
-              </a:spcBef>
-              <a:spcAft>
-                <a:spcPts val="0"/>
-              </a:spcAft>
-              <a:buNone/>
-            </a:pPr>
-            <a:endParaRPr dirty="0"/>
-          </a:p>
-        </p:txBody>
-      </p:sp>
-      <p:sp>
-        <p:nvSpPr>
-          <p:cNvPr id="29" name="Google Shape;338;p23">
-            <a:extLst>
-              <a:ext uri="{FF2B5EF4-FFF2-40B4-BE49-F238E27FC236}">
-                <a16:creationId xmlns:a16="http://schemas.microsoft.com/office/drawing/2014/main" id="{90F6E328-36BF-4B82-A313-13787574814A}"/>
-              </a:ext>
-            </a:extLst>
-          </p:cNvPr>
-          <p:cNvSpPr/>
-          <p:nvPr/>
-        </p:nvSpPr>
-        <p:spPr>
-          <a:xfrm>
-            <a:off x="7167177" y="1077817"/>
-            <a:ext cx="373002" cy="354922"/>
-          </a:xfrm>
-          <a:custGeom>
-            <a:avLst/>
-            <a:gdLst/>
-            <a:ahLst/>
-            <a:cxnLst/>
-            <a:rect l="l" t="t" r="r" b="b"/>
-            <a:pathLst>
-              <a:path w="2111" h="2112" extrusionOk="0">
-                <a:moveTo>
-                  <a:pt x="1040" y="662"/>
-                </a:moveTo>
-                <a:cubicBezTo>
-                  <a:pt x="1260" y="662"/>
-                  <a:pt x="1418" y="820"/>
-                  <a:pt x="1418" y="1009"/>
-                </a:cubicBezTo>
-                <a:cubicBezTo>
-                  <a:pt x="1418" y="1198"/>
-                  <a:pt x="1260" y="1355"/>
-                  <a:pt x="1040" y="1355"/>
-                </a:cubicBezTo>
-                <a:cubicBezTo>
-                  <a:pt x="851" y="1355"/>
-                  <a:pt x="693" y="1198"/>
-                  <a:pt x="693" y="1009"/>
-                </a:cubicBezTo>
-                <a:cubicBezTo>
-                  <a:pt x="693" y="820"/>
-                  <a:pt x="851" y="662"/>
-                  <a:pt x="1040" y="662"/>
-                </a:cubicBezTo>
-                <a:close/>
-                <a:moveTo>
-                  <a:pt x="1040" y="1"/>
-                </a:moveTo>
-                <a:cubicBezTo>
-                  <a:pt x="473" y="1"/>
-                  <a:pt x="0" y="473"/>
-                  <a:pt x="0" y="1040"/>
-                </a:cubicBezTo>
-                <a:cubicBezTo>
-                  <a:pt x="0" y="1639"/>
-                  <a:pt x="473" y="2111"/>
-                  <a:pt x="1040" y="2111"/>
-                </a:cubicBezTo>
-                <a:cubicBezTo>
-                  <a:pt x="1639" y="2111"/>
-                  <a:pt x="2111" y="1639"/>
-                  <a:pt x="2111" y="1040"/>
-                </a:cubicBezTo>
-                <a:cubicBezTo>
-                  <a:pt x="2111" y="473"/>
-                  <a:pt x="1639" y="1"/>
-                  <a:pt x="1040" y="1"/>
-                </a:cubicBezTo>
-                <a:close/>
-              </a:path>
-            </a:pathLst>
-          </a:custGeom>
-          <a:gradFill>
-            <a:gsLst>
-              <a:gs pos="1000">
-                <a:srgbClr val="88D3CE"/>
-              </a:gs>
-              <a:gs pos="71000">
-                <a:srgbClr val="423864"/>
-              </a:gs>
-            </a:gsLst>
-            <a:lin ang="5400700" scaled="0"/>
-          </a:gradFill>
-          <a:ln>
-            <a:noFill/>
-          </a:ln>
-        </p:spPr>
-        <p:txBody>
-          <a:bodyPr spcFirstLastPara="1" wrap="square" lIns="91425" tIns="91425" rIns="91425" bIns="91425" anchor="ctr" anchorCtr="0">
-            <a:noAutofit/>
-          </a:bodyPr>
-          <a:lstStyle/>
-          <a:p>
-            <a:pPr marL="0" lvl="0" indent="0" algn="l" rtl="0">
-              <a:spcBef>
-                <a:spcPts val="0"/>
-              </a:spcBef>
-              <a:spcAft>
-                <a:spcPts val="0"/>
-              </a:spcAft>
-              <a:buNone/>
-            </a:pPr>
-            <a:endParaRPr dirty="0"/>
-          </a:p>
-        </p:txBody>
-      </p:sp>
-      <p:sp>
-        <p:nvSpPr>
-          <p:cNvPr id="34" name="Google Shape;338;p23">
-            <a:extLst>
-              <a:ext uri="{FF2B5EF4-FFF2-40B4-BE49-F238E27FC236}">
-                <a16:creationId xmlns:a16="http://schemas.microsoft.com/office/drawing/2014/main" id="{8E3F2921-9152-4840-9646-FC84491FB97F}"/>
-              </a:ext>
-            </a:extLst>
-          </p:cNvPr>
-          <p:cNvSpPr/>
-          <p:nvPr/>
-        </p:nvSpPr>
-        <p:spPr>
-          <a:xfrm>
-            <a:off x="6794175" y="334800"/>
-            <a:ext cx="373002" cy="354922"/>
-          </a:xfrm>
-          <a:custGeom>
-            <a:avLst/>
-            <a:gdLst/>
-            <a:ahLst/>
-            <a:cxnLst/>
-            <a:rect l="l" t="t" r="r" b="b"/>
-            <a:pathLst>
-              <a:path w="2111" h="2112" extrusionOk="0">
-                <a:moveTo>
-                  <a:pt x="1040" y="662"/>
-                </a:moveTo>
-                <a:cubicBezTo>
-                  <a:pt x="1260" y="662"/>
-                  <a:pt x="1418" y="820"/>
-                  <a:pt x="1418" y="1009"/>
-                </a:cubicBezTo>
-                <a:cubicBezTo>
-                  <a:pt x="1418" y="1198"/>
-                  <a:pt x="1260" y="1355"/>
-                  <a:pt x="1040" y="1355"/>
-                </a:cubicBezTo>
-                <a:cubicBezTo>
-                  <a:pt x="851" y="1355"/>
-                  <a:pt x="693" y="1198"/>
-                  <a:pt x="693" y="1009"/>
-                </a:cubicBezTo>
-                <a:cubicBezTo>
-                  <a:pt x="693" y="820"/>
-                  <a:pt x="851" y="662"/>
-                  <a:pt x="1040" y="662"/>
-                </a:cubicBezTo>
-                <a:close/>
-                <a:moveTo>
-                  <a:pt x="1040" y="1"/>
-                </a:moveTo>
-                <a:cubicBezTo>
-                  <a:pt x="473" y="1"/>
-                  <a:pt x="0" y="473"/>
-                  <a:pt x="0" y="1040"/>
-                </a:cubicBezTo>
-                <a:cubicBezTo>
-                  <a:pt x="0" y="1639"/>
-                  <a:pt x="473" y="2111"/>
-                  <a:pt x="1040" y="2111"/>
-                </a:cubicBezTo>
-                <a:cubicBezTo>
-                  <a:pt x="1639" y="2111"/>
-                  <a:pt x="2111" y="1639"/>
-                  <a:pt x="2111" y="1040"/>
-                </a:cubicBezTo>
-                <a:cubicBezTo>
-                  <a:pt x="2111" y="473"/>
-                  <a:pt x="1639" y="1"/>
-                  <a:pt x="1040" y="1"/>
-                </a:cubicBezTo>
-                <a:close/>
-              </a:path>
-            </a:pathLst>
-          </a:custGeom>
-          <a:gradFill flip="none" rotWithShape="1">
-            <a:gsLst>
-              <a:gs pos="0">
-                <a:schemeClr val="accent5">
-                  <a:lumMod val="40000"/>
-                  <a:lumOff val="60000"/>
-                </a:schemeClr>
-              </a:gs>
-              <a:gs pos="46000">
-                <a:schemeClr val="accent5">
-                  <a:lumMod val="95000"/>
-                  <a:lumOff val="5000"/>
-                </a:schemeClr>
-              </a:gs>
-              <a:gs pos="100000">
-                <a:schemeClr val="accent5">
-                  <a:lumMod val="60000"/>
-                </a:schemeClr>
-              </a:gs>
-            </a:gsLst>
-            <a:path path="circle">
-              <a:fillToRect l="50000" t="130000" r="50000" b="-30000"/>
-            </a:path>
-            <a:tileRect/>
-          </a:gradFill>
-          <a:ln>
-            <a:noFill/>
-          </a:ln>
-        </p:spPr>
-        <p:txBody>
-          <a:bodyPr spcFirstLastPara="1" wrap="square" lIns="91425" tIns="91425" rIns="91425" bIns="91425" anchor="ctr" anchorCtr="0">
-            <a:noAutofit/>
-          </a:bodyPr>
-          <a:lstStyle/>
-          <a:p>
-            <a:pPr marL="0" lvl="0" indent="0" algn="l" rtl="0">
-              <a:spcBef>
-                <a:spcPts val="0"/>
-              </a:spcBef>
-              <a:spcAft>
-                <a:spcPts val="0"/>
-              </a:spcAft>
-              <a:buNone/>
-            </a:pPr>
-            <a:endParaRPr dirty="0"/>
-          </a:p>
-        </p:txBody>
-      </p:sp>
-      <p:sp>
-        <p:nvSpPr>
-          <p:cNvPr id="35" name="Google Shape;338;p23">
-            <a:extLst>
-              <a:ext uri="{FF2B5EF4-FFF2-40B4-BE49-F238E27FC236}">
-                <a16:creationId xmlns:a16="http://schemas.microsoft.com/office/drawing/2014/main" id="{0198FED8-45E2-49C6-A80B-65073AABB47A}"/>
-              </a:ext>
-            </a:extLst>
-          </p:cNvPr>
-          <p:cNvSpPr/>
-          <p:nvPr/>
-        </p:nvSpPr>
-        <p:spPr>
-          <a:xfrm>
-            <a:off x="7609137" y="1079180"/>
-            <a:ext cx="373002" cy="354922"/>
-          </a:xfrm>
-          <a:custGeom>
-            <a:avLst/>
-            <a:gdLst/>
-            <a:ahLst/>
-            <a:cxnLst/>
-            <a:rect l="l" t="t" r="r" b="b"/>
-            <a:pathLst>
-              <a:path w="2111" h="2112" extrusionOk="0">
-                <a:moveTo>
-                  <a:pt x="1040" y="662"/>
-                </a:moveTo>
-                <a:cubicBezTo>
-                  <a:pt x="1260" y="662"/>
-                  <a:pt x="1418" y="820"/>
-                  <a:pt x="1418" y="1009"/>
-                </a:cubicBezTo>
-                <a:cubicBezTo>
-                  <a:pt x="1418" y="1198"/>
-                  <a:pt x="1260" y="1355"/>
-                  <a:pt x="1040" y="1355"/>
-                </a:cubicBezTo>
-                <a:cubicBezTo>
-                  <a:pt x="851" y="1355"/>
-                  <a:pt x="693" y="1198"/>
-                  <a:pt x="693" y="1009"/>
-                </a:cubicBezTo>
-                <a:cubicBezTo>
-                  <a:pt x="693" y="820"/>
-                  <a:pt x="851" y="662"/>
-                  <a:pt x="1040" y="662"/>
-                </a:cubicBezTo>
-                <a:close/>
-                <a:moveTo>
-                  <a:pt x="1040" y="1"/>
-                </a:moveTo>
-                <a:cubicBezTo>
-                  <a:pt x="473" y="1"/>
-                  <a:pt x="0" y="473"/>
-                  <a:pt x="0" y="1040"/>
-                </a:cubicBezTo>
-                <a:cubicBezTo>
-                  <a:pt x="0" y="1639"/>
-                  <a:pt x="473" y="2111"/>
-                  <a:pt x="1040" y="2111"/>
-                </a:cubicBezTo>
-                <a:cubicBezTo>
-                  <a:pt x="1639" y="2111"/>
-                  <a:pt x="2111" y="1639"/>
-                  <a:pt x="2111" y="1040"/>
-                </a:cubicBezTo>
-                <a:cubicBezTo>
-                  <a:pt x="2111" y="473"/>
-                  <a:pt x="1639" y="1"/>
-                  <a:pt x="1040" y="1"/>
-                </a:cubicBezTo>
-                <a:close/>
-              </a:path>
-            </a:pathLst>
-          </a:custGeom>
-          <a:gradFill flip="none" rotWithShape="1">
-            <a:gsLst>
-              <a:gs pos="0">
-                <a:schemeClr val="accent5">
-                  <a:lumMod val="40000"/>
-                  <a:lumOff val="60000"/>
-                </a:schemeClr>
-              </a:gs>
-              <a:gs pos="46000">
-                <a:schemeClr val="accent5">
-                  <a:lumMod val="95000"/>
-                  <a:lumOff val="5000"/>
-                </a:schemeClr>
-              </a:gs>
-              <a:gs pos="100000">
-                <a:schemeClr val="accent5">
-                  <a:lumMod val="60000"/>
-                </a:schemeClr>
-              </a:gs>
-            </a:gsLst>
-            <a:path path="circle">
-              <a:fillToRect l="50000" t="130000" r="50000" b="-30000"/>
-            </a:path>
-            <a:tileRect/>
-          </a:gradFill>
-          <a:ln>
-            <a:noFill/>
-          </a:ln>
-        </p:spPr>
-        <p:txBody>
-          <a:bodyPr spcFirstLastPara="1" wrap="square" lIns="91425" tIns="91425" rIns="91425" bIns="91425" anchor="ctr" anchorCtr="0">
-            <a:noAutofit/>
-          </a:bodyPr>
-          <a:lstStyle/>
-          <a:p>
-            <a:pPr marL="0" lvl="0" indent="0" algn="l" rtl="0">
-              <a:spcBef>
-                <a:spcPts val="0"/>
-              </a:spcBef>
-              <a:spcAft>
-                <a:spcPts val="0"/>
-              </a:spcAft>
-              <a:buNone/>
-            </a:pPr>
-            <a:endParaRPr dirty="0"/>
-          </a:p>
-        </p:txBody>
-      </p:sp>
-      <p:grpSp>
-        <p:nvGrpSpPr>
-          <p:cNvPr id="3" name="Google Shape;467;p26">
-            <a:extLst>
-              <a:ext uri="{FF2B5EF4-FFF2-40B4-BE49-F238E27FC236}">
-                <a16:creationId xmlns:a16="http://schemas.microsoft.com/office/drawing/2014/main" id="{73CFE8A0-AEA0-4A8F-B7E5-6FDDBB6AE821}"/>
-              </a:ext>
-            </a:extLst>
-          </p:cNvPr>
-          <p:cNvGrpSpPr/>
-          <p:nvPr/>
-        </p:nvGrpSpPr>
-        <p:grpSpPr>
-          <a:xfrm>
-            <a:off x="873515" y="1364563"/>
-            <a:ext cx="6888189" cy="2787692"/>
-            <a:chOff x="797724" y="1369026"/>
-            <a:chExt cx="3621926" cy="1307100"/>
-          </a:xfrm>
-        </p:grpSpPr>
-        <p:sp>
-          <p:nvSpPr>
-            <p:cNvPr id="4" name="Google Shape;468;p26">
-              <a:extLst>
-                <a:ext uri="{FF2B5EF4-FFF2-40B4-BE49-F238E27FC236}">
-                  <a16:creationId xmlns:a16="http://schemas.microsoft.com/office/drawing/2014/main" id="{74A0EB2B-A0D3-45F3-92C2-72F065F11A94}"/>
-                </a:ext>
-              </a:extLst>
-            </p:cNvPr>
-            <p:cNvSpPr/>
-            <p:nvPr/>
-          </p:nvSpPr>
-          <p:spPr>
-            <a:xfrm rot="-5400000">
-              <a:off x="710274" y="1456476"/>
-              <a:ext cx="1307100" cy="1132200"/>
-            </a:xfrm>
-            <a:prstGeom prst="hexagon">
-              <a:avLst>
-                <a:gd name="adj" fmla="val 28729"/>
-                <a:gd name="vf" fmla="val 115470"/>
-              </a:avLst>
-            </a:prstGeom>
-            <a:gradFill>
-              <a:gsLst>
-                <a:gs pos="0">
-                  <a:srgbClr val="FFFFFF">
-                    <a:alpha val="0"/>
-                    <a:alpha val="58660"/>
-                  </a:srgbClr>
-                </a:gs>
-                <a:gs pos="100000">
-                  <a:srgbClr val="FFFFFF">
-                    <a:alpha val="39215"/>
-                    <a:alpha val="58660"/>
-                  </a:srgbClr>
-                </a:gs>
-              </a:gsLst>
-              <a:path path="circle">
-                <a:fillToRect l="50000" t="50000" r="50000" b="50000"/>
-              </a:path>
-              <a:tileRect/>
-            </a:gradFill>
-            <a:ln w="19050" cap="flat" cmpd="sng">
-              <a:solidFill>
-                <a:schemeClr val="lt1"/>
-              </a:solidFill>
-              <a:prstDash val="solid"/>
-              <a:round/>
-              <a:headEnd type="none" w="sm" len="sm"/>
-              <a:tailEnd type="none" w="sm" len="sm"/>
-            </a:ln>
-          </p:spPr>
-          <p:txBody>
-            <a:bodyPr spcFirstLastPara="1" wrap="square" lIns="91425" tIns="91425" rIns="91425" bIns="91425" anchor="ctr" anchorCtr="0">
-              <a:noAutofit/>
-            </a:bodyPr>
-            <a:lstStyle/>
-            <a:p>
-              <a:pPr marL="0" marR="0" lvl="0" indent="0" algn="l" rtl="0">
-                <a:lnSpc>
-                  <a:spcPct val="100000"/>
-                </a:lnSpc>
-                <a:spcBef>
-                  <a:spcPts val="0"/>
-                </a:spcBef>
-                <a:spcAft>
-                  <a:spcPts val="0"/>
-                </a:spcAft>
-                <a:buNone/>
-              </a:pPr>
-              <a:endParaRPr/>
-            </a:p>
-          </p:txBody>
-        </p:sp>
-        <p:sp>
-          <p:nvSpPr>
-            <p:cNvPr id="5" name="Google Shape;469;p26">
-              <a:extLst>
-                <a:ext uri="{FF2B5EF4-FFF2-40B4-BE49-F238E27FC236}">
-                  <a16:creationId xmlns:a16="http://schemas.microsoft.com/office/drawing/2014/main" id="{0A4A88AB-663B-4E05-B3DA-5A5D31BEA881}"/>
-                </a:ext>
-              </a:extLst>
-            </p:cNvPr>
-            <p:cNvSpPr/>
-            <p:nvPr/>
-          </p:nvSpPr>
-          <p:spPr>
-            <a:xfrm rot="16200000">
-              <a:off x="887139" y="1607418"/>
-              <a:ext cx="960900" cy="832200"/>
-            </a:xfrm>
-            <a:prstGeom prst="hexagon">
-              <a:avLst>
-                <a:gd name="adj" fmla="val 28729"/>
-                <a:gd name="vf" fmla="val 115470"/>
-              </a:avLst>
-            </a:prstGeom>
-            <a:gradFill>
-              <a:gsLst>
-                <a:gs pos="0">
-                  <a:srgbClr val="FFFFFF">
-                    <a:alpha val="0"/>
-                  </a:srgbClr>
-                </a:gs>
-                <a:gs pos="100000">
-                  <a:srgbClr val="FFFFFF">
-                    <a:alpha val="39215"/>
-                  </a:srgbClr>
-                </a:gs>
-              </a:gsLst>
-              <a:path path="circle">
-                <a:fillToRect l="50000" t="50000" r="50000" b="50000"/>
-              </a:path>
-              <a:tileRect/>
-            </a:gradFill>
-            <a:ln w="19050" cap="flat" cmpd="sng">
-              <a:solidFill>
-                <a:schemeClr val="lt1"/>
-              </a:solidFill>
-              <a:prstDash val="solid"/>
-              <a:round/>
-              <a:headEnd type="none" w="sm" len="sm"/>
-              <a:tailEnd type="none" w="sm" len="sm"/>
-            </a:ln>
-          </p:spPr>
-          <p:txBody>
-            <a:bodyPr spcFirstLastPara="1" wrap="square" lIns="91425" tIns="91425" rIns="91425" bIns="91425" anchor="ctr" anchorCtr="0">
-              <a:noAutofit/>
-            </a:bodyPr>
-            <a:lstStyle/>
-            <a:p>
-              <a:pPr marL="0" lvl="0" indent="0" algn="l" rtl="0">
-                <a:spcBef>
-                  <a:spcPts val="0"/>
-                </a:spcBef>
-                <a:spcAft>
-                  <a:spcPts val="0"/>
-                </a:spcAft>
-                <a:buNone/>
-              </a:pPr>
-              <a:endParaRPr dirty="0"/>
-            </a:p>
-          </p:txBody>
-        </p:sp>
-        <p:sp>
-          <p:nvSpPr>
-            <p:cNvPr id="8" name="Google Shape;477;p26">
-              <a:extLst>
-                <a:ext uri="{FF2B5EF4-FFF2-40B4-BE49-F238E27FC236}">
-                  <a16:creationId xmlns:a16="http://schemas.microsoft.com/office/drawing/2014/main" id="{CC43A0D2-6B87-4810-8CF8-CF6685F22CF0}"/>
-                </a:ext>
-              </a:extLst>
-            </p:cNvPr>
-            <p:cNvSpPr/>
-            <p:nvPr/>
-          </p:nvSpPr>
-          <p:spPr>
-            <a:xfrm>
-              <a:off x="1641625" y="1533663"/>
-              <a:ext cx="2778025" cy="988525"/>
-            </a:xfrm>
-            <a:custGeom>
-              <a:avLst/>
-              <a:gdLst/>
-              <a:ahLst/>
-              <a:cxnLst/>
-              <a:rect l="l" t="t" r="r" b="b"/>
-              <a:pathLst>
-                <a:path w="111121" h="39541" extrusionOk="0">
-                  <a:moveTo>
-                    <a:pt x="643" y="0"/>
-                  </a:moveTo>
-                  <a:lnTo>
-                    <a:pt x="99334" y="0"/>
-                  </a:lnTo>
-                  <a:lnTo>
-                    <a:pt x="111121" y="19717"/>
-                  </a:lnTo>
-                  <a:lnTo>
-                    <a:pt x="99334" y="39434"/>
-                  </a:lnTo>
-                  <a:lnTo>
-                    <a:pt x="0" y="39434"/>
-                  </a:lnTo>
-                  <a:lnTo>
-                    <a:pt x="108" y="39541"/>
-                  </a:lnTo>
-                </a:path>
-              </a:pathLst>
-            </a:custGeom>
-            <a:noFill/>
-            <a:ln w="19050" cap="flat" cmpd="sng">
-              <a:solidFill>
-                <a:schemeClr val="lt1"/>
-              </a:solidFill>
-              <a:prstDash val="solid"/>
-              <a:round/>
-              <a:headEnd type="none" w="med" len="med"/>
-              <a:tailEnd type="none" w="med" len="med"/>
-            </a:ln>
-          </p:spPr>
-        </p:sp>
-      </p:grpSp>
       <p:sp>
         <p:nvSpPr>
           <p:cNvPr id="62" name="Google Shape;637;p29">
@@ -25460,8 +23936,8 @@
         </p:nvSpPr>
         <p:spPr>
           <a:xfrm>
-            <a:off x="1543338" y="2348657"/>
-            <a:ext cx="796002" cy="771468"/>
+            <a:off x="774261" y="743516"/>
+            <a:ext cx="348973" cy="308377"/>
           </a:xfrm>
           <a:custGeom>
             <a:avLst/>
@@ -26142,6 +24618,670 @@
           </a:p>
           <a:p>
             <a:endParaRPr lang="en-FR" dirty="0"/>
+          </a:p>
+        </p:txBody>
+      </p:sp>
+      <p:sp>
+        <p:nvSpPr>
+          <p:cNvPr id="10" name="TextBox 9">
+            <a:extLst>
+              <a:ext uri="{FF2B5EF4-FFF2-40B4-BE49-F238E27FC236}">
+                <a16:creationId xmlns:a16="http://schemas.microsoft.com/office/drawing/2014/main" id="{4A06F823-E73F-427B-A372-DC4E54A96A19}"/>
+              </a:ext>
+            </a:extLst>
+          </p:cNvPr>
+          <p:cNvSpPr txBox="1"/>
+          <p:nvPr/>
+        </p:nvSpPr>
+        <p:spPr>
+          <a:xfrm>
+            <a:off x="480606" y="1072923"/>
+            <a:ext cx="6329995" cy="3040769"/>
+          </a:xfrm>
+          <a:prstGeom prst="rect">
+            <a:avLst/>
+          </a:prstGeom>
+          <a:noFill/>
+        </p:spPr>
+        <p:txBody>
+          <a:bodyPr wrap="square" rtlCol="0">
+            <a:spAutoFit/>
+          </a:bodyPr>
+          <a:lstStyle/>
+          <a:p>
+            <a:pPr>
+              <a:lnSpc>
+                <a:spcPct val="200000"/>
+              </a:lnSpc>
+              <a:buClr>
+                <a:schemeClr val="bg1"/>
+              </a:buClr>
+            </a:pPr>
+            <a:endParaRPr lang="en-GB" dirty="0">
+              <a:solidFill>
+                <a:schemeClr val="bg1"/>
+              </a:solidFill>
+              <a:latin typeface="Squada One" panose="020B0604020202020204" charset="0"/>
+            </a:endParaRPr>
+          </a:p>
+          <a:p>
+            <a:pPr marL="285750" indent="-285750">
+              <a:lnSpc>
+                <a:spcPct val="200000"/>
+              </a:lnSpc>
+              <a:buClr>
+                <a:schemeClr val="bg1"/>
+              </a:buClr>
+              <a:buFont typeface="Arial" panose="020B0604020202020204" pitchFamily="34" charset="0"/>
+              <a:buChar char="•"/>
+            </a:pPr>
+            <a:r>
+              <a:rPr lang="fr-FR" dirty="0">
+                <a:solidFill>
+                  <a:schemeClr val="bg1"/>
+                </a:solidFill>
+                <a:latin typeface="Squada One" panose="020B0604020202020204" charset="0"/>
+              </a:rPr>
+              <a:t>Implémenter une IHM plus poussée</a:t>
+            </a:r>
+            <a:r>
+              <a:rPr lang="en-GB" dirty="0">
+                <a:solidFill>
+                  <a:schemeClr val="bg1"/>
+                </a:solidFill>
+                <a:latin typeface="Squada One" panose="020B0604020202020204" charset="0"/>
+              </a:rPr>
+              <a:t> </a:t>
+            </a:r>
+          </a:p>
+          <a:p>
+            <a:pPr marL="285750" indent="-285750">
+              <a:lnSpc>
+                <a:spcPct val="200000"/>
+              </a:lnSpc>
+              <a:buClr>
+                <a:schemeClr val="bg1"/>
+              </a:buClr>
+              <a:buFont typeface="Arial" panose="020B0604020202020204" pitchFamily="34" charset="0"/>
+              <a:buChar char="•"/>
+            </a:pPr>
+            <a:r>
+              <a:rPr lang="en-GB" dirty="0" err="1">
+                <a:solidFill>
+                  <a:schemeClr val="bg1"/>
+                </a:solidFill>
+                <a:latin typeface="Squada One" panose="020B0604020202020204" charset="0"/>
+              </a:rPr>
+              <a:t>Améliorer</a:t>
+            </a:r>
+            <a:r>
+              <a:rPr lang="en-GB" dirty="0">
+                <a:solidFill>
+                  <a:schemeClr val="bg1"/>
+                </a:solidFill>
+                <a:latin typeface="Squada One" panose="020B0604020202020204" charset="0"/>
+              </a:rPr>
+              <a:t> les </a:t>
+            </a:r>
+            <a:r>
+              <a:rPr lang="en-GB" dirty="0" err="1">
+                <a:solidFill>
+                  <a:schemeClr val="bg1"/>
+                </a:solidFill>
+                <a:latin typeface="Squada One" panose="020B0604020202020204" charset="0"/>
+              </a:rPr>
+              <a:t>algorithmes</a:t>
+            </a:r>
+            <a:r>
+              <a:rPr lang="en-GB" dirty="0">
+                <a:solidFill>
+                  <a:schemeClr val="bg1"/>
+                </a:solidFill>
+                <a:latin typeface="Squada One" panose="020B0604020202020204" charset="0"/>
+              </a:rPr>
+              <a:t> </a:t>
+            </a:r>
+            <a:r>
+              <a:rPr lang="en-GB" dirty="0" err="1">
+                <a:solidFill>
+                  <a:schemeClr val="bg1"/>
+                </a:solidFill>
+                <a:latin typeface="Squada One" panose="020B0604020202020204" charset="0"/>
+              </a:rPr>
+              <a:t>utilisés</a:t>
+            </a:r>
+            <a:r>
+              <a:rPr lang="en-GB" dirty="0">
+                <a:solidFill>
+                  <a:schemeClr val="bg1"/>
+                </a:solidFill>
+                <a:latin typeface="Squada One" panose="020B0604020202020204" charset="0"/>
+              </a:rPr>
+              <a:t> ( par </a:t>
+            </a:r>
+            <a:r>
+              <a:rPr lang="en-GB" dirty="0" err="1">
+                <a:solidFill>
+                  <a:schemeClr val="bg1"/>
+                </a:solidFill>
+                <a:latin typeface="Squada One" panose="020B0604020202020204" charset="0"/>
+              </a:rPr>
+              <a:t>exemple</a:t>
+            </a:r>
+            <a:r>
+              <a:rPr lang="en-GB" dirty="0">
+                <a:solidFill>
+                  <a:schemeClr val="bg1"/>
+                </a:solidFill>
+                <a:latin typeface="Squada One" panose="020B0604020202020204" charset="0"/>
+              </a:rPr>
+              <a:t> : </a:t>
+            </a:r>
+            <a:r>
+              <a:rPr lang="en-GB" dirty="0" err="1">
+                <a:solidFill>
+                  <a:schemeClr val="bg1"/>
+                </a:solidFill>
+                <a:latin typeface="Squada One" panose="020B0604020202020204" charset="0"/>
+              </a:rPr>
+              <a:t>l’heuristique</a:t>
+            </a:r>
+            <a:r>
+              <a:rPr lang="en-GB" dirty="0">
+                <a:solidFill>
+                  <a:schemeClr val="bg1"/>
+                </a:solidFill>
+                <a:latin typeface="Squada One" panose="020B0604020202020204" charset="0"/>
+              </a:rPr>
+              <a:t> Null-Move pour </a:t>
+            </a:r>
+            <a:r>
+              <a:rPr lang="en-GB" dirty="0" err="1">
+                <a:solidFill>
+                  <a:schemeClr val="bg1"/>
+                </a:solidFill>
+                <a:latin typeface="Squada One" panose="020B0604020202020204" charset="0"/>
+              </a:rPr>
+              <a:t>améliorer</a:t>
+            </a:r>
+            <a:r>
+              <a:rPr lang="en-GB" dirty="0">
+                <a:solidFill>
+                  <a:schemeClr val="bg1"/>
+                </a:solidFill>
+                <a:latin typeface="Squada One" panose="020B0604020202020204" charset="0"/>
+              </a:rPr>
+              <a:t> la Vitesse de </a:t>
+            </a:r>
+            <a:r>
+              <a:rPr lang="en-GB" dirty="0" err="1">
+                <a:solidFill>
+                  <a:schemeClr val="bg1"/>
+                </a:solidFill>
+                <a:latin typeface="Squada One" panose="020B0604020202020204" charset="0"/>
+              </a:rPr>
+              <a:t>l’Alpha</a:t>
+            </a:r>
+            <a:r>
+              <a:rPr lang="en-GB" dirty="0">
+                <a:solidFill>
+                  <a:schemeClr val="bg1"/>
+                </a:solidFill>
+                <a:latin typeface="Squada One" panose="020B0604020202020204" charset="0"/>
+              </a:rPr>
+              <a:t>-Beta)</a:t>
+            </a:r>
+          </a:p>
+          <a:p>
+            <a:pPr marL="285750" indent="-285750">
+              <a:lnSpc>
+                <a:spcPct val="200000"/>
+              </a:lnSpc>
+              <a:buClr>
+                <a:schemeClr val="bg1"/>
+              </a:buClr>
+              <a:buFont typeface="Arial" panose="020B0604020202020204" pitchFamily="34" charset="0"/>
+              <a:buChar char="•"/>
+            </a:pPr>
+            <a:r>
+              <a:rPr lang="en-GB" dirty="0">
+                <a:solidFill>
+                  <a:schemeClr val="bg1"/>
+                </a:solidFill>
+                <a:latin typeface="Squada One" panose="020B0604020202020204" charset="0"/>
+              </a:rPr>
+              <a:t>Tester de nouveaux </a:t>
+            </a:r>
+            <a:r>
+              <a:rPr lang="en-GB" dirty="0" err="1">
+                <a:solidFill>
+                  <a:schemeClr val="bg1"/>
+                </a:solidFill>
+                <a:latin typeface="Squada One" panose="020B0604020202020204" charset="0"/>
+              </a:rPr>
+              <a:t>algorithmes</a:t>
+            </a:r>
+            <a:r>
+              <a:rPr lang="en-GB" dirty="0">
+                <a:solidFill>
+                  <a:schemeClr val="bg1"/>
+                </a:solidFill>
+                <a:latin typeface="Squada One" panose="020B0604020202020204" charset="0"/>
+              </a:rPr>
+              <a:t> de recherche </a:t>
+            </a:r>
+            <a:r>
+              <a:rPr lang="fr-FR" dirty="0">
+                <a:solidFill>
+                  <a:schemeClr val="bg1"/>
+                </a:solidFill>
+                <a:latin typeface="Squada One" panose="020B0604020202020204" charset="0"/>
+              </a:rPr>
+              <a:t>basés sur l'exploration d'arbres de recherche (par exemple : </a:t>
+            </a:r>
+            <a:r>
+              <a:rPr lang="fr-FR" dirty="0" err="1">
+                <a:solidFill>
+                  <a:schemeClr val="bg1"/>
+                </a:solidFill>
+                <a:latin typeface="Squada One" panose="020B0604020202020204" charset="0"/>
+              </a:rPr>
+              <a:t>Search</a:t>
+            </a:r>
+            <a:r>
+              <a:rPr lang="fr-FR" dirty="0">
+                <a:solidFill>
+                  <a:schemeClr val="bg1"/>
+                </a:solidFill>
+                <a:latin typeface="Squada One" panose="020B0604020202020204" charset="0"/>
+              </a:rPr>
+              <a:t> Beam)</a:t>
+            </a:r>
+          </a:p>
+          <a:p>
+            <a:pPr marL="285750" indent="-285750">
+              <a:lnSpc>
+                <a:spcPct val="200000"/>
+              </a:lnSpc>
+              <a:buClr>
+                <a:schemeClr val="bg1"/>
+              </a:buClr>
+              <a:buFont typeface="Arial" panose="020B0604020202020204" pitchFamily="34" charset="0"/>
+              <a:buChar char="•"/>
+            </a:pPr>
+            <a:r>
+              <a:rPr lang="fr-FR" dirty="0">
+                <a:solidFill>
+                  <a:schemeClr val="bg1"/>
+                </a:solidFill>
+                <a:latin typeface="Squada One" panose="020B0604020202020204" charset="0"/>
+              </a:rPr>
+              <a:t>Implémenter une IA capable d'apprendre à jouer grâce à l'expérience de jeu accumulée</a:t>
+            </a:r>
+          </a:p>
+        </p:txBody>
+      </p:sp>
+      <p:grpSp>
+        <p:nvGrpSpPr>
+          <p:cNvPr id="58" name="Google Shape;79;p18">
+            <a:extLst>
+              <a:ext uri="{FF2B5EF4-FFF2-40B4-BE49-F238E27FC236}">
+                <a16:creationId xmlns:a16="http://schemas.microsoft.com/office/drawing/2014/main" id="{C84F7D36-E0F9-4C88-B301-A9075E9D813F}"/>
+              </a:ext>
+            </a:extLst>
+          </p:cNvPr>
+          <p:cNvGrpSpPr/>
+          <p:nvPr/>
+        </p:nvGrpSpPr>
+        <p:grpSpPr>
+          <a:xfrm>
+            <a:off x="4957747" y="2368314"/>
+            <a:ext cx="3816068" cy="2966061"/>
+            <a:chOff x="4957747" y="2368314"/>
+            <a:chExt cx="3816068" cy="2966061"/>
+          </a:xfrm>
+        </p:grpSpPr>
+        <p:sp>
+          <p:nvSpPr>
+            <p:cNvPr id="59" name="Google Shape;80;p18">
+              <a:extLst>
+                <a:ext uri="{FF2B5EF4-FFF2-40B4-BE49-F238E27FC236}">
+                  <a16:creationId xmlns:a16="http://schemas.microsoft.com/office/drawing/2014/main" id="{5504A1C1-A08B-40DA-A734-EB67E79BCBCB}"/>
+                </a:ext>
+              </a:extLst>
+            </p:cNvPr>
+            <p:cNvSpPr/>
+            <p:nvPr/>
+          </p:nvSpPr>
+          <p:spPr>
+            <a:xfrm rot="5400000">
+              <a:off x="6974929" y="3535489"/>
+              <a:ext cx="1896420" cy="1701352"/>
+            </a:xfrm>
+            <a:prstGeom prst="flowChartPreparation">
+              <a:avLst/>
+            </a:prstGeom>
+            <a:gradFill>
+              <a:gsLst>
+                <a:gs pos="0">
+                  <a:srgbClr val="FFFFFF">
+                    <a:alpha val="0"/>
+                  </a:srgbClr>
+                </a:gs>
+                <a:gs pos="100000">
+                  <a:srgbClr val="FFFFFF">
+                    <a:alpha val="39215"/>
+                  </a:srgbClr>
+                </a:gs>
+              </a:gsLst>
+              <a:path path="circle">
+                <a:fillToRect l="50000" t="50000" r="50000" b="50000"/>
+              </a:path>
+              <a:tileRect/>
+            </a:gradFill>
+            <a:ln w="19050" cap="flat" cmpd="sng">
+              <a:solidFill>
+                <a:schemeClr val="lt1"/>
+              </a:solidFill>
+              <a:prstDash val="solid"/>
+              <a:round/>
+              <a:headEnd type="none" w="sm" len="sm"/>
+              <a:tailEnd type="none" w="sm" len="sm"/>
+            </a:ln>
+          </p:spPr>
+          <p:txBody>
+            <a:bodyPr spcFirstLastPara="1" wrap="square" lIns="91425" tIns="91425" rIns="91425" bIns="91425" anchor="ctr" anchorCtr="0">
+              <a:noAutofit/>
+            </a:bodyPr>
+            <a:lstStyle/>
+            <a:p>
+              <a:pPr marL="0" lvl="0" indent="0" algn="l" rtl="0">
+                <a:spcBef>
+                  <a:spcPts val="0"/>
+                </a:spcBef>
+                <a:spcAft>
+                  <a:spcPts val="0"/>
+                </a:spcAft>
+                <a:buNone/>
+              </a:pPr>
+              <a:endParaRPr/>
+            </a:p>
+          </p:txBody>
+        </p:sp>
+        <p:sp>
+          <p:nvSpPr>
+            <p:cNvPr id="60" name="Google Shape;81;p18">
+              <a:extLst>
+                <a:ext uri="{FF2B5EF4-FFF2-40B4-BE49-F238E27FC236}">
+                  <a16:creationId xmlns:a16="http://schemas.microsoft.com/office/drawing/2014/main" id="{2B32E166-6029-4ECF-BCB3-0526EACAF5C5}"/>
+                </a:ext>
+              </a:extLst>
+            </p:cNvPr>
+            <p:cNvSpPr/>
+            <p:nvPr/>
+          </p:nvSpPr>
+          <p:spPr>
+            <a:xfrm rot="5400000">
+              <a:off x="5482811" y="3601825"/>
+              <a:ext cx="1494532" cy="1340791"/>
+            </a:xfrm>
+            <a:prstGeom prst="flowChartPreparation">
+              <a:avLst/>
+            </a:prstGeom>
+            <a:gradFill>
+              <a:gsLst>
+                <a:gs pos="0">
+                  <a:srgbClr val="FFFFFF">
+                    <a:alpha val="0"/>
+                  </a:srgbClr>
+                </a:gs>
+                <a:gs pos="100000">
+                  <a:srgbClr val="FFFFFF">
+                    <a:alpha val="39215"/>
+                  </a:srgbClr>
+                </a:gs>
+              </a:gsLst>
+              <a:path path="circle">
+                <a:fillToRect l="50000" t="50000" r="50000" b="50000"/>
+              </a:path>
+              <a:tileRect/>
+            </a:gradFill>
+            <a:ln w="19050" cap="flat" cmpd="sng">
+              <a:solidFill>
+                <a:schemeClr val="lt1"/>
+              </a:solidFill>
+              <a:prstDash val="solid"/>
+              <a:round/>
+              <a:headEnd type="none" w="sm" len="sm"/>
+              <a:tailEnd type="none" w="sm" len="sm"/>
+            </a:ln>
+          </p:spPr>
+          <p:txBody>
+            <a:bodyPr spcFirstLastPara="1" wrap="square" lIns="91425" tIns="91425" rIns="91425" bIns="91425" anchor="ctr" anchorCtr="0">
+              <a:noAutofit/>
+            </a:bodyPr>
+            <a:lstStyle/>
+            <a:p>
+              <a:pPr marL="0" lvl="0" indent="0" algn="l" rtl="0">
+                <a:spcBef>
+                  <a:spcPts val="0"/>
+                </a:spcBef>
+                <a:spcAft>
+                  <a:spcPts val="0"/>
+                </a:spcAft>
+                <a:buNone/>
+              </a:pPr>
+              <a:endParaRPr/>
+            </a:p>
+          </p:txBody>
+        </p:sp>
+        <p:sp>
+          <p:nvSpPr>
+            <p:cNvPr id="61" name="Google Shape;82;p18">
+              <a:extLst>
+                <a:ext uri="{FF2B5EF4-FFF2-40B4-BE49-F238E27FC236}">
+                  <a16:creationId xmlns:a16="http://schemas.microsoft.com/office/drawing/2014/main" id="{7A618FA8-E29F-4D4A-A60B-AB3CD7B25397}"/>
+                </a:ext>
+              </a:extLst>
+            </p:cNvPr>
+            <p:cNvSpPr/>
+            <p:nvPr/>
+          </p:nvSpPr>
+          <p:spPr>
+            <a:xfrm rot="5400000">
+              <a:off x="6670671" y="2445078"/>
+              <a:ext cx="1492584" cy="1339056"/>
+            </a:xfrm>
+            <a:prstGeom prst="flowChartPreparation">
+              <a:avLst/>
+            </a:prstGeom>
+            <a:gradFill>
+              <a:gsLst>
+                <a:gs pos="0">
+                  <a:srgbClr val="FFFFFF">
+                    <a:alpha val="0"/>
+                  </a:srgbClr>
+                </a:gs>
+                <a:gs pos="100000">
+                  <a:srgbClr val="FFFFFF">
+                    <a:alpha val="39215"/>
+                  </a:srgbClr>
+                </a:gs>
+              </a:gsLst>
+              <a:path path="circle">
+                <a:fillToRect l="50000" t="50000" r="50000" b="50000"/>
+              </a:path>
+              <a:tileRect/>
+            </a:gradFill>
+            <a:ln w="19050" cap="flat" cmpd="sng">
+              <a:solidFill>
+                <a:schemeClr val="lt1"/>
+              </a:solidFill>
+              <a:prstDash val="solid"/>
+              <a:round/>
+              <a:headEnd type="none" w="sm" len="sm"/>
+              <a:tailEnd type="none" w="sm" len="sm"/>
+            </a:ln>
+          </p:spPr>
+          <p:txBody>
+            <a:bodyPr spcFirstLastPara="1" wrap="square" lIns="91425" tIns="91425" rIns="91425" bIns="91425" anchor="ctr" anchorCtr="0">
+              <a:noAutofit/>
+            </a:bodyPr>
+            <a:lstStyle/>
+            <a:p>
+              <a:pPr marL="0" lvl="0" indent="0" algn="l" rtl="0">
+                <a:spcBef>
+                  <a:spcPts val="0"/>
+                </a:spcBef>
+                <a:spcAft>
+                  <a:spcPts val="0"/>
+                </a:spcAft>
+                <a:buNone/>
+              </a:pPr>
+              <a:endParaRPr/>
+            </a:p>
+          </p:txBody>
+        </p:sp>
+        <p:sp>
+          <p:nvSpPr>
+            <p:cNvPr id="63" name="Google Shape;83;p18">
+              <a:extLst>
+                <a:ext uri="{FF2B5EF4-FFF2-40B4-BE49-F238E27FC236}">
+                  <a16:creationId xmlns:a16="http://schemas.microsoft.com/office/drawing/2014/main" id="{24E890B6-49C6-421A-B584-8325378D3F1A}"/>
+                </a:ext>
+              </a:extLst>
+            </p:cNvPr>
+            <p:cNvSpPr/>
+            <p:nvPr/>
+          </p:nvSpPr>
+          <p:spPr>
+            <a:xfrm rot="5400000">
+              <a:off x="4907434" y="4091362"/>
+              <a:ext cx="978425" cy="877800"/>
+            </a:xfrm>
+            <a:prstGeom prst="flowChartPreparation">
+              <a:avLst/>
+            </a:prstGeom>
+            <a:gradFill>
+              <a:gsLst>
+                <a:gs pos="0">
+                  <a:srgbClr val="FFFFFF">
+                    <a:alpha val="0"/>
+                  </a:srgbClr>
+                </a:gs>
+                <a:gs pos="100000">
+                  <a:srgbClr val="FFFFFF">
+                    <a:alpha val="39215"/>
+                  </a:srgbClr>
+                </a:gs>
+              </a:gsLst>
+              <a:path path="circle">
+                <a:fillToRect l="50000" t="50000" r="50000" b="50000"/>
+              </a:path>
+              <a:tileRect/>
+            </a:gradFill>
+            <a:ln w="19050" cap="flat" cmpd="sng">
+              <a:solidFill>
+                <a:schemeClr val="lt1"/>
+              </a:solidFill>
+              <a:prstDash val="solid"/>
+              <a:round/>
+              <a:headEnd type="none" w="sm" len="sm"/>
+              <a:tailEnd type="none" w="sm" len="sm"/>
+            </a:ln>
+          </p:spPr>
+          <p:txBody>
+            <a:bodyPr spcFirstLastPara="1" wrap="square" lIns="91425" tIns="91425" rIns="91425" bIns="91425" anchor="ctr" anchorCtr="0">
+              <a:noAutofit/>
+            </a:bodyPr>
+            <a:lstStyle/>
+            <a:p>
+              <a:pPr marL="0" lvl="0" indent="0" algn="l" rtl="0">
+                <a:spcBef>
+                  <a:spcPts val="0"/>
+                </a:spcBef>
+                <a:spcAft>
+                  <a:spcPts val="0"/>
+                </a:spcAft>
+                <a:buNone/>
+              </a:pPr>
+              <a:endParaRPr/>
+            </a:p>
+          </p:txBody>
+        </p:sp>
+      </p:grpSp>
+      <p:sp>
+        <p:nvSpPr>
+          <p:cNvPr id="4" name="Google Shape;468;p26">
+            <a:extLst>
+              <a:ext uri="{FF2B5EF4-FFF2-40B4-BE49-F238E27FC236}">
+                <a16:creationId xmlns:a16="http://schemas.microsoft.com/office/drawing/2014/main" id="{74A0EB2B-A0D3-45F3-92C2-72F065F11A94}"/>
+              </a:ext>
+            </a:extLst>
+          </p:cNvPr>
+          <p:cNvSpPr/>
+          <p:nvPr/>
+        </p:nvSpPr>
+        <p:spPr>
+          <a:xfrm rot="16200000">
+            <a:off x="408840" y="421912"/>
+            <a:ext cx="1114318" cy="970785"/>
+          </a:xfrm>
+          <a:prstGeom prst="hexagon">
+            <a:avLst>
+              <a:gd name="adj" fmla="val 28729"/>
+              <a:gd name="vf" fmla="val 115470"/>
+            </a:avLst>
+          </a:prstGeom>
+          <a:gradFill>
+            <a:gsLst>
+              <a:gs pos="0">
+                <a:srgbClr val="FFFFFF">
+                  <a:alpha val="0"/>
+                  <a:alpha val="58660"/>
+                </a:srgbClr>
+              </a:gs>
+              <a:gs pos="100000">
+                <a:srgbClr val="FFFFFF">
+                  <a:alpha val="39215"/>
+                  <a:alpha val="58660"/>
+                </a:srgbClr>
+              </a:gs>
+            </a:gsLst>
+            <a:path path="circle">
+              <a:fillToRect l="50000" t="50000" r="50000" b="50000"/>
+            </a:path>
+            <a:tileRect/>
+          </a:gradFill>
+          <a:ln w="19050" cap="flat" cmpd="sng">
+            <a:solidFill>
+              <a:schemeClr val="lt1"/>
+            </a:solidFill>
+            <a:prstDash val="solid"/>
+            <a:round/>
+            <a:headEnd type="none" w="sm" len="sm"/>
+            <a:tailEnd type="none" w="sm" len="sm"/>
+          </a:ln>
+        </p:spPr>
+        <p:txBody>
+          <a:bodyPr spcFirstLastPara="1" wrap="square" lIns="91425" tIns="91425" rIns="91425" bIns="91425" anchor="ctr" anchorCtr="0">
+            <a:noAutofit/>
+          </a:bodyPr>
+          <a:lstStyle/>
+          <a:p>
+            <a:pPr marL="0" marR="0" lvl="0" indent="0" algn="l" rtl="0">
+              <a:lnSpc>
+                <a:spcPct val="100000"/>
+              </a:lnSpc>
+              <a:spcBef>
+                <a:spcPts val="0"/>
+              </a:spcBef>
+              <a:spcAft>
+                <a:spcPts val="0"/>
+              </a:spcAft>
+              <a:buNone/>
+            </a:pPr>
+            <a:endParaRPr/>
           </a:p>
         </p:txBody>
       </p:sp>
@@ -29780,11 +28920,14 @@
         </p:nvGrpSpPr>
         <p:grpSpPr>
           <a:xfrm rot="16200000">
-            <a:off x="7017067" y="3324133"/>
-            <a:ext cx="1572963" cy="1477576"/>
+            <a:off x="7490903" y="185286"/>
+            <a:ext cx="1239011" cy="1224226"/>
             <a:chOff x="3852855" y="487200"/>
             <a:chExt cx="1572963" cy="1477576"/>
           </a:xfrm>
+          <a:effectLst>
+            <a:reflection blurRad="6350" stA="52000" endA="300" endPos="35000" dir="5400000" sy="-100000" algn="bl" rotWithShape="0"/>
+          </a:effectLst>
         </p:grpSpPr>
         <p:sp>
           <p:nvSpPr>
@@ -30599,1672 +29742,6 @@
           </p:txBody>
         </p:sp>
       </p:grpSp>
-      <p:grpSp>
-        <p:nvGrpSpPr>
-          <p:cNvPr id="45" name="Group 44">
-            <a:extLst>
-              <a:ext uri="{FF2B5EF4-FFF2-40B4-BE49-F238E27FC236}">
-                <a16:creationId xmlns:a16="http://schemas.microsoft.com/office/drawing/2014/main" id="{7DFE1A29-1F3F-41D4-BB4A-D0E461CE3EB7}"/>
-              </a:ext>
-            </a:extLst>
-          </p:cNvPr>
-          <p:cNvGrpSpPr/>
-          <p:nvPr/>
-        </p:nvGrpSpPr>
-        <p:grpSpPr>
-          <a:xfrm rot="10800000">
-            <a:off x="513493" y="3430165"/>
-            <a:ext cx="1572963" cy="1477576"/>
-            <a:chOff x="3852855" y="487200"/>
-            <a:chExt cx="1572963" cy="1477576"/>
-          </a:xfrm>
-        </p:grpSpPr>
-        <p:sp>
-          <p:nvSpPr>
-            <p:cNvPr id="38" name="Google Shape;338;p23">
-              <a:extLst>
-                <a:ext uri="{FF2B5EF4-FFF2-40B4-BE49-F238E27FC236}">
-                  <a16:creationId xmlns:a16="http://schemas.microsoft.com/office/drawing/2014/main" id="{9C1FEFF2-7852-462C-A0B1-99841E2C6AD6}"/>
-                </a:ext>
-              </a:extLst>
-            </p:cNvPr>
-            <p:cNvSpPr/>
-            <p:nvPr/>
-          </p:nvSpPr>
-          <p:spPr>
-            <a:xfrm>
-              <a:off x="4679814" y="808627"/>
-              <a:ext cx="373002" cy="354922"/>
-            </a:xfrm>
-            <a:custGeom>
-              <a:avLst/>
-              <a:gdLst/>
-              <a:ahLst/>
-              <a:cxnLst/>
-              <a:rect l="l" t="t" r="r" b="b"/>
-              <a:pathLst>
-                <a:path w="2111" h="2112" extrusionOk="0">
-                  <a:moveTo>
-                    <a:pt x="1040" y="662"/>
-                  </a:moveTo>
-                  <a:cubicBezTo>
-                    <a:pt x="1260" y="662"/>
-                    <a:pt x="1418" y="820"/>
-                    <a:pt x="1418" y="1009"/>
-                  </a:cubicBezTo>
-                  <a:cubicBezTo>
-                    <a:pt x="1418" y="1198"/>
-                    <a:pt x="1260" y="1355"/>
-                    <a:pt x="1040" y="1355"/>
-                  </a:cubicBezTo>
-                  <a:cubicBezTo>
-                    <a:pt x="851" y="1355"/>
-                    <a:pt x="693" y="1198"/>
-                    <a:pt x="693" y="1009"/>
-                  </a:cubicBezTo>
-                  <a:cubicBezTo>
-                    <a:pt x="693" y="820"/>
-                    <a:pt x="851" y="662"/>
-                    <a:pt x="1040" y="662"/>
-                  </a:cubicBezTo>
-                  <a:close/>
-                  <a:moveTo>
-                    <a:pt x="1040" y="1"/>
-                  </a:moveTo>
-                  <a:cubicBezTo>
-                    <a:pt x="473" y="1"/>
-                    <a:pt x="0" y="473"/>
-                    <a:pt x="0" y="1040"/>
-                  </a:cubicBezTo>
-                  <a:cubicBezTo>
-                    <a:pt x="0" y="1639"/>
-                    <a:pt x="473" y="2111"/>
-                    <a:pt x="1040" y="2111"/>
-                  </a:cubicBezTo>
-                  <a:cubicBezTo>
-                    <a:pt x="1639" y="2111"/>
-                    <a:pt x="2111" y="1639"/>
-                    <a:pt x="2111" y="1040"/>
-                  </a:cubicBezTo>
-                  <a:cubicBezTo>
-                    <a:pt x="2111" y="473"/>
-                    <a:pt x="1639" y="1"/>
-                    <a:pt x="1040" y="1"/>
-                  </a:cubicBezTo>
-                  <a:close/>
-                </a:path>
-              </a:pathLst>
-            </a:custGeom>
-            <a:gradFill>
-              <a:gsLst>
-                <a:gs pos="1000">
-                  <a:srgbClr val="88D3CE"/>
-                </a:gs>
-                <a:gs pos="71000">
-                  <a:srgbClr val="423864"/>
-                </a:gs>
-              </a:gsLst>
-              <a:lin ang="5400700" scaled="0"/>
-            </a:gradFill>
-            <a:ln>
-              <a:noFill/>
-            </a:ln>
-          </p:spPr>
-          <p:txBody>
-            <a:bodyPr spcFirstLastPara="1" wrap="square" lIns="91425" tIns="91425" rIns="91425" bIns="91425" anchor="ctr" anchorCtr="0">
-              <a:noAutofit/>
-            </a:bodyPr>
-            <a:lstStyle/>
-            <a:p>
-              <a:pPr marL="0" lvl="0" indent="0" algn="l" rtl="0">
-                <a:spcBef>
-                  <a:spcPts val="0"/>
-                </a:spcBef>
-                <a:spcAft>
-                  <a:spcPts val="0"/>
-                </a:spcAft>
-                <a:buNone/>
-              </a:pPr>
-              <a:endParaRPr dirty="0"/>
-            </a:p>
-          </p:txBody>
-        </p:sp>
-        <p:sp>
-          <p:nvSpPr>
-            <p:cNvPr id="39" name="Google Shape;338;p23">
-              <a:extLst>
-                <a:ext uri="{FF2B5EF4-FFF2-40B4-BE49-F238E27FC236}">
-                  <a16:creationId xmlns:a16="http://schemas.microsoft.com/office/drawing/2014/main" id="{16547E79-2772-4E56-94DB-7900330066A6}"/>
-                </a:ext>
-              </a:extLst>
-            </p:cNvPr>
-            <p:cNvSpPr/>
-            <p:nvPr/>
-          </p:nvSpPr>
-          <p:spPr>
-            <a:xfrm>
-              <a:off x="4225857" y="797240"/>
-              <a:ext cx="373002" cy="354922"/>
-            </a:xfrm>
-            <a:custGeom>
-              <a:avLst/>
-              <a:gdLst/>
-              <a:ahLst/>
-              <a:cxnLst/>
-              <a:rect l="l" t="t" r="r" b="b"/>
-              <a:pathLst>
-                <a:path w="2111" h="2112" extrusionOk="0">
-                  <a:moveTo>
-                    <a:pt x="1040" y="662"/>
-                  </a:moveTo>
-                  <a:cubicBezTo>
-                    <a:pt x="1260" y="662"/>
-                    <a:pt x="1418" y="820"/>
-                    <a:pt x="1418" y="1009"/>
-                  </a:cubicBezTo>
-                  <a:cubicBezTo>
-                    <a:pt x="1418" y="1198"/>
-                    <a:pt x="1260" y="1355"/>
-                    <a:pt x="1040" y="1355"/>
-                  </a:cubicBezTo>
-                  <a:cubicBezTo>
-                    <a:pt x="851" y="1355"/>
-                    <a:pt x="693" y="1198"/>
-                    <a:pt x="693" y="1009"/>
-                  </a:cubicBezTo>
-                  <a:cubicBezTo>
-                    <a:pt x="693" y="820"/>
-                    <a:pt x="851" y="662"/>
-                    <a:pt x="1040" y="662"/>
-                  </a:cubicBezTo>
-                  <a:close/>
-                  <a:moveTo>
-                    <a:pt x="1040" y="1"/>
-                  </a:moveTo>
-                  <a:cubicBezTo>
-                    <a:pt x="473" y="1"/>
-                    <a:pt x="0" y="473"/>
-                    <a:pt x="0" y="1040"/>
-                  </a:cubicBezTo>
-                  <a:cubicBezTo>
-                    <a:pt x="0" y="1639"/>
-                    <a:pt x="473" y="2111"/>
-                    <a:pt x="1040" y="2111"/>
-                  </a:cubicBezTo>
-                  <a:cubicBezTo>
-                    <a:pt x="1639" y="2111"/>
-                    <a:pt x="2111" y="1639"/>
-                    <a:pt x="2111" y="1040"/>
-                  </a:cubicBezTo>
-                  <a:cubicBezTo>
-                    <a:pt x="2111" y="473"/>
-                    <a:pt x="1639" y="1"/>
-                    <a:pt x="1040" y="1"/>
-                  </a:cubicBezTo>
-                  <a:close/>
-                </a:path>
-              </a:pathLst>
-            </a:custGeom>
-            <a:gradFill flip="none" rotWithShape="1">
-              <a:gsLst>
-                <a:gs pos="0">
-                  <a:schemeClr val="accent5">
-                    <a:lumMod val="40000"/>
-                    <a:lumOff val="60000"/>
-                  </a:schemeClr>
-                </a:gs>
-                <a:gs pos="46000">
-                  <a:schemeClr val="accent5">
-                    <a:lumMod val="95000"/>
-                    <a:lumOff val="5000"/>
-                  </a:schemeClr>
-                </a:gs>
-                <a:gs pos="100000">
-                  <a:schemeClr val="accent5">
-                    <a:lumMod val="60000"/>
-                  </a:schemeClr>
-                </a:gs>
-              </a:gsLst>
-              <a:path path="circle">
-                <a:fillToRect l="50000" t="130000" r="50000" b="-30000"/>
-              </a:path>
-              <a:tileRect/>
-            </a:gradFill>
-            <a:ln>
-              <a:noFill/>
-            </a:ln>
-          </p:spPr>
-          <p:txBody>
-            <a:bodyPr spcFirstLastPara="1" wrap="square" lIns="91425" tIns="91425" rIns="91425" bIns="91425" anchor="ctr" anchorCtr="0">
-              <a:noAutofit/>
-            </a:bodyPr>
-            <a:lstStyle/>
-            <a:p>
-              <a:pPr marL="0" lvl="0" indent="0" algn="l" rtl="0">
-                <a:spcBef>
-                  <a:spcPts val="0"/>
-                </a:spcBef>
-                <a:spcAft>
-                  <a:spcPts val="0"/>
-                </a:spcAft>
-                <a:buNone/>
-              </a:pPr>
-              <a:endParaRPr dirty="0"/>
-            </a:p>
-          </p:txBody>
-        </p:sp>
-        <p:sp>
-          <p:nvSpPr>
-            <p:cNvPr id="40" name="Google Shape;338;p23">
-              <a:extLst>
-                <a:ext uri="{FF2B5EF4-FFF2-40B4-BE49-F238E27FC236}">
-                  <a16:creationId xmlns:a16="http://schemas.microsoft.com/office/drawing/2014/main" id="{8330B256-802E-46DF-971D-55B85A0F823E}"/>
-                </a:ext>
-              </a:extLst>
-            </p:cNvPr>
-            <p:cNvSpPr/>
-            <p:nvPr/>
-          </p:nvSpPr>
-          <p:spPr>
-            <a:xfrm>
-              <a:off x="4225857" y="1230217"/>
-              <a:ext cx="373002" cy="354922"/>
-            </a:xfrm>
-            <a:custGeom>
-              <a:avLst/>
-              <a:gdLst/>
-              <a:ahLst/>
-              <a:cxnLst/>
-              <a:rect l="l" t="t" r="r" b="b"/>
-              <a:pathLst>
-                <a:path w="2111" h="2112" extrusionOk="0">
-                  <a:moveTo>
-                    <a:pt x="1040" y="662"/>
-                  </a:moveTo>
-                  <a:cubicBezTo>
-                    <a:pt x="1260" y="662"/>
-                    <a:pt x="1418" y="820"/>
-                    <a:pt x="1418" y="1009"/>
-                  </a:cubicBezTo>
-                  <a:cubicBezTo>
-                    <a:pt x="1418" y="1198"/>
-                    <a:pt x="1260" y="1355"/>
-                    <a:pt x="1040" y="1355"/>
-                  </a:cubicBezTo>
-                  <a:cubicBezTo>
-                    <a:pt x="851" y="1355"/>
-                    <a:pt x="693" y="1198"/>
-                    <a:pt x="693" y="1009"/>
-                  </a:cubicBezTo>
-                  <a:cubicBezTo>
-                    <a:pt x="693" y="820"/>
-                    <a:pt x="851" y="662"/>
-                    <a:pt x="1040" y="662"/>
-                  </a:cubicBezTo>
-                  <a:close/>
-                  <a:moveTo>
-                    <a:pt x="1040" y="1"/>
-                  </a:moveTo>
-                  <a:cubicBezTo>
-                    <a:pt x="473" y="1"/>
-                    <a:pt x="0" y="473"/>
-                    <a:pt x="0" y="1040"/>
-                  </a:cubicBezTo>
-                  <a:cubicBezTo>
-                    <a:pt x="0" y="1639"/>
-                    <a:pt x="473" y="2111"/>
-                    <a:pt x="1040" y="2111"/>
-                  </a:cubicBezTo>
-                  <a:cubicBezTo>
-                    <a:pt x="1639" y="2111"/>
-                    <a:pt x="2111" y="1639"/>
-                    <a:pt x="2111" y="1040"/>
-                  </a:cubicBezTo>
-                  <a:cubicBezTo>
-                    <a:pt x="2111" y="473"/>
-                    <a:pt x="1639" y="1"/>
-                    <a:pt x="1040" y="1"/>
-                  </a:cubicBezTo>
-                  <a:close/>
-                </a:path>
-              </a:pathLst>
-            </a:custGeom>
-            <a:gradFill>
-              <a:gsLst>
-                <a:gs pos="1000">
-                  <a:srgbClr val="88D3CE"/>
-                </a:gs>
-                <a:gs pos="71000">
-                  <a:srgbClr val="423864"/>
-                </a:gs>
-              </a:gsLst>
-              <a:lin ang="5400700" scaled="0"/>
-            </a:gradFill>
-            <a:ln>
-              <a:noFill/>
-            </a:ln>
-          </p:spPr>
-          <p:txBody>
-            <a:bodyPr spcFirstLastPara="1" wrap="square" lIns="91425" tIns="91425" rIns="91425" bIns="91425" anchor="ctr" anchorCtr="0">
-              <a:noAutofit/>
-            </a:bodyPr>
-            <a:lstStyle/>
-            <a:p>
-              <a:pPr marL="0" lvl="0" indent="0" algn="l" rtl="0">
-                <a:spcBef>
-                  <a:spcPts val="0"/>
-                </a:spcBef>
-                <a:spcAft>
-                  <a:spcPts val="0"/>
-                </a:spcAft>
-                <a:buNone/>
-              </a:pPr>
-              <a:endParaRPr dirty="0"/>
-            </a:p>
-          </p:txBody>
-        </p:sp>
-        <p:sp>
-          <p:nvSpPr>
-            <p:cNvPr id="41" name="Google Shape;338;p23">
-              <a:extLst>
-                <a:ext uri="{FF2B5EF4-FFF2-40B4-BE49-F238E27FC236}">
-                  <a16:creationId xmlns:a16="http://schemas.microsoft.com/office/drawing/2014/main" id="{ED2B8F6C-378F-4BA4-B748-1BC9242A372F}"/>
-                </a:ext>
-              </a:extLst>
-            </p:cNvPr>
-            <p:cNvSpPr/>
-            <p:nvPr/>
-          </p:nvSpPr>
-          <p:spPr>
-            <a:xfrm>
-              <a:off x="3852855" y="1609854"/>
-              <a:ext cx="373002" cy="354922"/>
-            </a:xfrm>
-            <a:custGeom>
-              <a:avLst/>
-              <a:gdLst/>
-              <a:ahLst/>
-              <a:cxnLst/>
-              <a:rect l="l" t="t" r="r" b="b"/>
-              <a:pathLst>
-                <a:path w="2111" h="2112" extrusionOk="0">
-                  <a:moveTo>
-                    <a:pt x="1040" y="662"/>
-                  </a:moveTo>
-                  <a:cubicBezTo>
-                    <a:pt x="1260" y="662"/>
-                    <a:pt x="1418" y="820"/>
-                    <a:pt x="1418" y="1009"/>
-                  </a:cubicBezTo>
-                  <a:cubicBezTo>
-                    <a:pt x="1418" y="1198"/>
-                    <a:pt x="1260" y="1355"/>
-                    <a:pt x="1040" y="1355"/>
-                  </a:cubicBezTo>
-                  <a:cubicBezTo>
-                    <a:pt x="851" y="1355"/>
-                    <a:pt x="693" y="1198"/>
-                    <a:pt x="693" y="1009"/>
-                  </a:cubicBezTo>
-                  <a:cubicBezTo>
-                    <a:pt x="693" y="820"/>
-                    <a:pt x="851" y="662"/>
-                    <a:pt x="1040" y="662"/>
-                  </a:cubicBezTo>
-                  <a:close/>
-                  <a:moveTo>
-                    <a:pt x="1040" y="1"/>
-                  </a:moveTo>
-                  <a:cubicBezTo>
-                    <a:pt x="473" y="1"/>
-                    <a:pt x="0" y="473"/>
-                    <a:pt x="0" y="1040"/>
-                  </a:cubicBezTo>
-                  <a:cubicBezTo>
-                    <a:pt x="0" y="1639"/>
-                    <a:pt x="473" y="2111"/>
-                    <a:pt x="1040" y="2111"/>
-                  </a:cubicBezTo>
-                  <a:cubicBezTo>
-                    <a:pt x="1639" y="2111"/>
-                    <a:pt x="2111" y="1639"/>
-                    <a:pt x="2111" y="1040"/>
-                  </a:cubicBezTo>
-                  <a:cubicBezTo>
-                    <a:pt x="2111" y="473"/>
-                    <a:pt x="1639" y="1"/>
-                    <a:pt x="1040" y="1"/>
-                  </a:cubicBezTo>
-                  <a:close/>
-                </a:path>
-              </a:pathLst>
-            </a:custGeom>
-            <a:gradFill>
-              <a:gsLst>
-                <a:gs pos="1000">
-                  <a:srgbClr val="88D3CE"/>
-                </a:gs>
-                <a:gs pos="71000">
-                  <a:srgbClr val="423864"/>
-                </a:gs>
-              </a:gsLst>
-              <a:lin ang="5400700" scaled="0"/>
-            </a:gradFill>
-            <a:ln>
-              <a:noFill/>
-            </a:ln>
-          </p:spPr>
-          <p:txBody>
-            <a:bodyPr spcFirstLastPara="1" wrap="square" lIns="91425" tIns="91425" rIns="91425" bIns="91425" anchor="ctr" anchorCtr="0">
-              <a:noAutofit/>
-            </a:bodyPr>
-            <a:lstStyle/>
-            <a:p>
-              <a:pPr marL="0" lvl="0" indent="0" algn="l" rtl="0">
-                <a:spcBef>
-                  <a:spcPts val="0"/>
-                </a:spcBef>
-                <a:spcAft>
-                  <a:spcPts val="0"/>
-                </a:spcAft>
-                <a:buNone/>
-              </a:pPr>
-              <a:endParaRPr dirty="0"/>
-            </a:p>
-          </p:txBody>
-        </p:sp>
-        <p:sp>
-          <p:nvSpPr>
-            <p:cNvPr id="42" name="Google Shape;338;p23">
-              <a:extLst>
-                <a:ext uri="{FF2B5EF4-FFF2-40B4-BE49-F238E27FC236}">
-                  <a16:creationId xmlns:a16="http://schemas.microsoft.com/office/drawing/2014/main" id="{A2D9898D-9551-4B46-92E1-02D2D00AB730}"/>
-                </a:ext>
-              </a:extLst>
-            </p:cNvPr>
-            <p:cNvSpPr/>
-            <p:nvPr/>
-          </p:nvSpPr>
-          <p:spPr>
-            <a:xfrm>
-              <a:off x="3852855" y="487200"/>
-              <a:ext cx="373002" cy="354922"/>
-            </a:xfrm>
-            <a:custGeom>
-              <a:avLst/>
-              <a:gdLst/>
-              <a:ahLst/>
-              <a:cxnLst/>
-              <a:rect l="l" t="t" r="r" b="b"/>
-              <a:pathLst>
-                <a:path w="2111" h="2112" extrusionOk="0">
-                  <a:moveTo>
-                    <a:pt x="1040" y="662"/>
-                  </a:moveTo>
-                  <a:cubicBezTo>
-                    <a:pt x="1260" y="662"/>
-                    <a:pt x="1418" y="820"/>
-                    <a:pt x="1418" y="1009"/>
-                  </a:cubicBezTo>
-                  <a:cubicBezTo>
-                    <a:pt x="1418" y="1198"/>
-                    <a:pt x="1260" y="1355"/>
-                    <a:pt x="1040" y="1355"/>
-                  </a:cubicBezTo>
-                  <a:cubicBezTo>
-                    <a:pt x="851" y="1355"/>
-                    <a:pt x="693" y="1198"/>
-                    <a:pt x="693" y="1009"/>
-                  </a:cubicBezTo>
-                  <a:cubicBezTo>
-                    <a:pt x="693" y="820"/>
-                    <a:pt x="851" y="662"/>
-                    <a:pt x="1040" y="662"/>
-                  </a:cubicBezTo>
-                  <a:close/>
-                  <a:moveTo>
-                    <a:pt x="1040" y="1"/>
-                  </a:moveTo>
-                  <a:cubicBezTo>
-                    <a:pt x="473" y="1"/>
-                    <a:pt x="0" y="473"/>
-                    <a:pt x="0" y="1040"/>
-                  </a:cubicBezTo>
-                  <a:cubicBezTo>
-                    <a:pt x="0" y="1639"/>
-                    <a:pt x="473" y="2111"/>
-                    <a:pt x="1040" y="2111"/>
-                  </a:cubicBezTo>
-                  <a:cubicBezTo>
-                    <a:pt x="1639" y="2111"/>
-                    <a:pt x="2111" y="1639"/>
-                    <a:pt x="2111" y="1040"/>
-                  </a:cubicBezTo>
-                  <a:cubicBezTo>
-                    <a:pt x="2111" y="473"/>
-                    <a:pt x="1639" y="1"/>
-                    <a:pt x="1040" y="1"/>
-                  </a:cubicBezTo>
-                  <a:close/>
-                </a:path>
-              </a:pathLst>
-            </a:custGeom>
-            <a:gradFill flip="none" rotWithShape="1">
-              <a:gsLst>
-                <a:gs pos="0">
-                  <a:schemeClr val="accent5">
-                    <a:lumMod val="40000"/>
-                    <a:lumOff val="60000"/>
-                  </a:schemeClr>
-                </a:gs>
-                <a:gs pos="46000">
-                  <a:schemeClr val="accent5">
-                    <a:lumMod val="95000"/>
-                    <a:lumOff val="5000"/>
-                  </a:schemeClr>
-                </a:gs>
-                <a:gs pos="100000">
-                  <a:schemeClr val="accent5">
-                    <a:lumMod val="60000"/>
-                  </a:schemeClr>
-                </a:gs>
-              </a:gsLst>
-              <a:path path="circle">
-                <a:fillToRect l="50000" t="130000" r="50000" b="-30000"/>
-              </a:path>
-              <a:tileRect/>
-            </a:gradFill>
-            <a:ln>
-              <a:noFill/>
-            </a:ln>
-          </p:spPr>
-          <p:txBody>
-            <a:bodyPr spcFirstLastPara="1" wrap="square" lIns="91425" tIns="91425" rIns="91425" bIns="91425" anchor="ctr" anchorCtr="0">
-              <a:noAutofit/>
-            </a:bodyPr>
-            <a:lstStyle/>
-            <a:p>
-              <a:pPr marL="0" lvl="0" indent="0" algn="l" rtl="0">
-                <a:spcBef>
-                  <a:spcPts val="0"/>
-                </a:spcBef>
-                <a:spcAft>
-                  <a:spcPts val="0"/>
-                </a:spcAft>
-                <a:buNone/>
-              </a:pPr>
-              <a:endParaRPr dirty="0"/>
-            </a:p>
-          </p:txBody>
-        </p:sp>
-        <p:sp>
-          <p:nvSpPr>
-            <p:cNvPr id="43" name="Google Shape;338;p23">
-              <a:extLst>
-                <a:ext uri="{FF2B5EF4-FFF2-40B4-BE49-F238E27FC236}">
-                  <a16:creationId xmlns:a16="http://schemas.microsoft.com/office/drawing/2014/main" id="{00D29350-7FB9-4263-93D8-115BAFC4FFFF}"/>
-                </a:ext>
-              </a:extLst>
-            </p:cNvPr>
-            <p:cNvSpPr/>
-            <p:nvPr/>
-          </p:nvSpPr>
-          <p:spPr>
-            <a:xfrm>
-              <a:off x="4667817" y="1231580"/>
-              <a:ext cx="373002" cy="354922"/>
-            </a:xfrm>
-            <a:custGeom>
-              <a:avLst/>
-              <a:gdLst/>
-              <a:ahLst/>
-              <a:cxnLst/>
-              <a:rect l="l" t="t" r="r" b="b"/>
-              <a:pathLst>
-                <a:path w="2111" h="2112" extrusionOk="0">
-                  <a:moveTo>
-                    <a:pt x="1040" y="662"/>
-                  </a:moveTo>
-                  <a:cubicBezTo>
-                    <a:pt x="1260" y="662"/>
-                    <a:pt x="1418" y="820"/>
-                    <a:pt x="1418" y="1009"/>
-                  </a:cubicBezTo>
-                  <a:cubicBezTo>
-                    <a:pt x="1418" y="1198"/>
-                    <a:pt x="1260" y="1355"/>
-                    <a:pt x="1040" y="1355"/>
-                  </a:cubicBezTo>
-                  <a:cubicBezTo>
-                    <a:pt x="851" y="1355"/>
-                    <a:pt x="693" y="1198"/>
-                    <a:pt x="693" y="1009"/>
-                  </a:cubicBezTo>
-                  <a:cubicBezTo>
-                    <a:pt x="693" y="820"/>
-                    <a:pt x="851" y="662"/>
-                    <a:pt x="1040" y="662"/>
-                  </a:cubicBezTo>
-                  <a:close/>
-                  <a:moveTo>
-                    <a:pt x="1040" y="1"/>
-                  </a:moveTo>
-                  <a:cubicBezTo>
-                    <a:pt x="473" y="1"/>
-                    <a:pt x="0" y="473"/>
-                    <a:pt x="0" y="1040"/>
-                  </a:cubicBezTo>
-                  <a:cubicBezTo>
-                    <a:pt x="0" y="1639"/>
-                    <a:pt x="473" y="2111"/>
-                    <a:pt x="1040" y="2111"/>
-                  </a:cubicBezTo>
-                  <a:cubicBezTo>
-                    <a:pt x="1639" y="2111"/>
-                    <a:pt x="2111" y="1639"/>
-                    <a:pt x="2111" y="1040"/>
-                  </a:cubicBezTo>
-                  <a:cubicBezTo>
-                    <a:pt x="2111" y="473"/>
-                    <a:pt x="1639" y="1"/>
-                    <a:pt x="1040" y="1"/>
-                  </a:cubicBezTo>
-                  <a:close/>
-                </a:path>
-              </a:pathLst>
-            </a:custGeom>
-            <a:gradFill flip="none" rotWithShape="1">
-              <a:gsLst>
-                <a:gs pos="0">
-                  <a:schemeClr val="accent5">
-                    <a:lumMod val="40000"/>
-                    <a:lumOff val="60000"/>
-                  </a:schemeClr>
-                </a:gs>
-                <a:gs pos="46000">
-                  <a:schemeClr val="accent5">
-                    <a:lumMod val="95000"/>
-                    <a:lumOff val="5000"/>
-                  </a:schemeClr>
-                </a:gs>
-                <a:gs pos="100000">
-                  <a:schemeClr val="accent5">
-                    <a:lumMod val="60000"/>
-                  </a:schemeClr>
-                </a:gs>
-              </a:gsLst>
-              <a:path path="circle">
-                <a:fillToRect l="50000" t="130000" r="50000" b="-30000"/>
-              </a:path>
-              <a:tileRect/>
-            </a:gradFill>
-            <a:ln>
-              <a:noFill/>
-            </a:ln>
-          </p:spPr>
-          <p:txBody>
-            <a:bodyPr spcFirstLastPara="1" wrap="square" lIns="91425" tIns="91425" rIns="91425" bIns="91425" anchor="ctr" anchorCtr="0">
-              <a:noAutofit/>
-            </a:bodyPr>
-            <a:lstStyle/>
-            <a:p>
-              <a:pPr marL="0" lvl="0" indent="0" algn="l" rtl="0">
-                <a:spcBef>
-                  <a:spcPts val="0"/>
-                </a:spcBef>
-                <a:spcAft>
-                  <a:spcPts val="0"/>
-                </a:spcAft>
-                <a:buNone/>
-              </a:pPr>
-              <a:endParaRPr dirty="0"/>
-            </a:p>
-          </p:txBody>
-        </p:sp>
-        <p:sp>
-          <p:nvSpPr>
-            <p:cNvPr id="44" name="Google Shape;338;p23">
-              <a:extLst>
-                <a:ext uri="{FF2B5EF4-FFF2-40B4-BE49-F238E27FC236}">
-                  <a16:creationId xmlns:a16="http://schemas.microsoft.com/office/drawing/2014/main" id="{462C8345-0881-4357-BB35-7006CD79F2C7}"/>
-                </a:ext>
-              </a:extLst>
-            </p:cNvPr>
-            <p:cNvSpPr/>
-            <p:nvPr/>
-          </p:nvSpPr>
-          <p:spPr>
-            <a:xfrm>
-              <a:off x="5052816" y="515831"/>
-              <a:ext cx="373002" cy="354922"/>
-            </a:xfrm>
-            <a:custGeom>
-              <a:avLst/>
-              <a:gdLst/>
-              <a:ahLst/>
-              <a:cxnLst/>
-              <a:rect l="l" t="t" r="r" b="b"/>
-              <a:pathLst>
-                <a:path w="2111" h="2112" extrusionOk="0">
-                  <a:moveTo>
-                    <a:pt x="1040" y="662"/>
-                  </a:moveTo>
-                  <a:cubicBezTo>
-                    <a:pt x="1260" y="662"/>
-                    <a:pt x="1418" y="820"/>
-                    <a:pt x="1418" y="1009"/>
-                  </a:cubicBezTo>
-                  <a:cubicBezTo>
-                    <a:pt x="1418" y="1198"/>
-                    <a:pt x="1260" y="1355"/>
-                    <a:pt x="1040" y="1355"/>
-                  </a:cubicBezTo>
-                  <a:cubicBezTo>
-                    <a:pt x="851" y="1355"/>
-                    <a:pt x="693" y="1198"/>
-                    <a:pt x="693" y="1009"/>
-                  </a:cubicBezTo>
-                  <a:cubicBezTo>
-                    <a:pt x="693" y="820"/>
-                    <a:pt x="851" y="662"/>
-                    <a:pt x="1040" y="662"/>
-                  </a:cubicBezTo>
-                  <a:close/>
-                  <a:moveTo>
-                    <a:pt x="1040" y="1"/>
-                  </a:moveTo>
-                  <a:cubicBezTo>
-                    <a:pt x="473" y="1"/>
-                    <a:pt x="0" y="473"/>
-                    <a:pt x="0" y="1040"/>
-                  </a:cubicBezTo>
-                  <a:cubicBezTo>
-                    <a:pt x="0" y="1639"/>
-                    <a:pt x="473" y="2111"/>
-                    <a:pt x="1040" y="2111"/>
-                  </a:cubicBezTo>
-                  <a:cubicBezTo>
-                    <a:pt x="1639" y="2111"/>
-                    <a:pt x="2111" y="1639"/>
-                    <a:pt x="2111" y="1040"/>
-                  </a:cubicBezTo>
-                  <a:cubicBezTo>
-                    <a:pt x="2111" y="473"/>
-                    <a:pt x="1639" y="1"/>
-                    <a:pt x="1040" y="1"/>
-                  </a:cubicBezTo>
-                  <a:close/>
-                </a:path>
-              </a:pathLst>
-            </a:custGeom>
-            <a:gradFill>
-              <a:gsLst>
-                <a:gs pos="1000">
-                  <a:srgbClr val="88D3CE"/>
-                </a:gs>
-                <a:gs pos="71000">
-                  <a:srgbClr val="423864"/>
-                </a:gs>
-              </a:gsLst>
-              <a:lin ang="5400700" scaled="0"/>
-            </a:gradFill>
-            <a:ln>
-              <a:noFill/>
-            </a:ln>
-          </p:spPr>
-          <p:txBody>
-            <a:bodyPr spcFirstLastPara="1" wrap="square" lIns="91425" tIns="91425" rIns="91425" bIns="91425" anchor="ctr" anchorCtr="0">
-              <a:noAutofit/>
-            </a:bodyPr>
-            <a:lstStyle/>
-            <a:p>
-              <a:pPr marL="0" lvl="0" indent="0" algn="l" rtl="0">
-                <a:spcBef>
-                  <a:spcPts val="0"/>
-                </a:spcBef>
-                <a:spcAft>
-                  <a:spcPts val="0"/>
-                </a:spcAft>
-                <a:buNone/>
-              </a:pPr>
-              <a:endParaRPr dirty="0"/>
-            </a:p>
-          </p:txBody>
-        </p:sp>
-      </p:grpSp>
-      <p:grpSp>
-        <p:nvGrpSpPr>
-          <p:cNvPr id="54" name="Group 53">
-            <a:extLst>
-              <a:ext uri="{FF2B5EF4-FFF2-40B4-BE49-F238E27FC236}">
-                <a16:creationId xmlns:a16="http://schemas.microsoft.com/office/drawing/2014/main" id="{590F489B-E7EB-4AAF-A2EA-632599F0F16C}"/>
-              </a:ext>
-            </a:extLst>
-          </p:cNvPr>
-          <p:cNvGrpSpPr/>
-          <p:nvPr/>
-        </p:nvGrpSpPr>
-        <p:grpSpPr>
-          <a:xfrm rot="4602707">
-            <a:off x="362004" y="426817"/>
-            <a:ext cx="1572963" cy="1477576"/>
-            <a:chOff x="3852855" y="487200"/>
-            <a:chExt cx="1572963" cy="1477576"/>
-          </a:xfrm>
-        </p:grpSpPr>
-        <p:sp>
-          <p:nvSpPr>
-            <p:cNvPr id="55" name="Google Shape;338;p23">
-              <a:extLst>
-                <a:ext uri="{FF2B5EF4-FFF2-40B4-BE49-F238E27FC236}">
-                  <a16:creationId xmlns:a16="http://schemas.microsoft.com/office/drawing/2014/main" id="{31295E21-45CF-42E6-B68A-39FC94003E75}"/>
-                </a:ext>
-              </a:extLst>
-            </p:cNvPr>
-            <p:cNvSpPr/>
-            <p:nvPr/>
-          </p:nvSpPr>
-          <p:spPr>
-            <a:xfrm>
-              <a:off x="4679814" y="808627"/>
-              <a:ext cx="373002" cy="354922"/>
-            </a:xfrm>
-            <a:custGeom>
-              <a:avLst/>
-              <a:gdLst/>
-              <a:ahLst/>
-              <a:cxnLst/>
-              <a:rect l="l" t="t" r="r" b="b"/>
-              <a:pathLst>
-                <a:path w="2111" h="2112" extrusionOk="0">
-                  <a:moveTo>
-                    <a:pt x="1040" y="662"/>
-                  </a:moveTo>
-                  <a:cubicBezTo>
-                    <a:pt x="1260" y="662"/>
-                    <a:pt x="1418" y="820"/>
-                    <a:pt x="1418" y="1009"/>
-                  </a:cubicBezTo>
-                  <a:cubicBezTo>
-                    <a:pt x="1418" y="1198"/>
-                    <a:pt x="1260" y="1355"/>
-                    <a:pt x="1040" y="1355"/>
-                  </a:cubicBezTo>
-                  <a:cubicBezTo>
-                    <a:pt x="851" y="1355"/>
-                    <a:pt x="693" y="1198"/>
-                    <a:pt x="693" y="1009"/>
-                  </a:cubicBezTo>
-                  <a:cubicBezTo>
-                    <a:pt x="693" y="820"/>
-                    <a:pt x="851" y="662"/>
-                    <a:pt x="1040" y="662"/>
-                  </a:cubicBezTo>
-                  <a:close/>
-                  <a:moveTo>
-                    <a:pt x="1040" y="1"/>
-                  </a:moveTo>
-                  <a:cubicBezTo>
-                    <a:pt x="473" y="1"/>
-                    <a:pt x="0" y="473"/>
-                    <a:pt x="0" y="1040"/>
-                  </a:cubicBezTo>
-                  <a:cubicBezTo>
-                    <a:pt x="0" y="1639"/>
-                    <a:pt x="473" y="2111"/>
-                    <a:pt x="1040" y="2111"/>
-                  </a:cubicBezTo>
-                  <a:cubicBezTo>
-                    <a:pt x="1639" y="2111"/>
-                    <a:pt x="2111" y="1639"/>
-                    <a:pt x="2111" y="1040"/>
-                  </a:cubicBezTo>
-                  <a:cubicBezTo>
-                    <a:pt x="2111" y="473"/>
-                    <a:pt x="1639" y="1"/>
-                    <a:pt x="1040" y="1"/>
-                  </a:cubicBezTo>
-                  <a:close/>
-                </a:path>
-              </a:pathLst>
-            </a:custGeom>
-            <a:gradFill>
-              <a:gsLst>
-                <a:gs pos="1000">
-                  <a:srgbClr val="88D3CE"/>
-                </a:gs>
-                <a:gs pos="71000">
-                  <a:srgbClr val="423864"/>
-                </a:gs>
-              </a:gsLst>
-              <a:lin ang="5400700" scaled="0"/>
-            </a:gradFill>
-            <a:ln>
-              <a:noFill/>
-            </a:ln>
-          </p:spPr>
-          <p:txBody>
-            <a:bodyPr spcFirstLastPara="1" wrap="square" lIns="91425" tIns="91425" rIns="91425" bIns="91425" anchor="ctr" anchorCtr="0">
-              <a:noAutofit/>
-            </a:bodyPr>
-            <a:lstStyle/>
-            <a:p>
-              <a:pPr marL="0" lvl="0" indent="0" algn="l" rtl="0">
-                <a:spcBef>
-                  <a:spcPts val="0"/>
-                </a:spcBef>
-                <a:spcAft>
-                  <a:spcPts val="0"/>
-                </a:spcAft>
-                <a:buNone/>
-              </a:pPr>
-              <a:endParaRPr dirty="0"/>
-            </a:p>
-          </p:txBody>
-        </p:sp>
-        <p:sp>
-          <p:nvSpPr>
-            <p:cNvPr id="56" name="Google Shape;338;p23">
-              <a:extLst>
-                <a:ext uri="{FF2B5EF4-FFF2-40B4-BE49-F238E27FC236}">
-                  <a16:creationId xmlns:a16="http://schemas.microsoft.com/office/drawing/2014/main" id="{B155E418-952B-4633-BB0D-C440A44AE07A}"/>
-                </a:ext>
-              </a:extLst>
-            </p:cNvPr>
-            <p:cNvSpPr/>
-            <p:nvPr/>
-          </p:nvSpPr>
-          <p:spPr>
-            <a:xfrm>
-              <a:off x="4225857" y="797240"/>
-              <a:ext cx="373002" cy="354922"/>
-            </a:xfrm>
-            <a:custGeom>
-              <a:avLst/>
-              <a:gdLst/>
-              <a:ahLst/>
-              <a:cxnLst/>
-              <a:rect l="l" t="t" r="r" b="b"/>
-              <a:pathLst>
-                <a:path w="2111" h="2112" extrusionOk="0">
-                  <a:moveTo>
-                    <a:pt x="1040" y="662"/>
-                  </a:moveTo>
-                  <a:cubicBezTo>
-                    <a:pt x="1260" y="662"/>
-                    <a:pt x="1418" y="820"/>
-                    <a:pt x="1418" y="1009"/>
-                  </a:cubicBezTo>
-                  <a:cubicBezTo>
-                    <a:pt x="1418" y="1198"/>
-                    <a:pt x="1260" y="1355"/>
-                    <a:pt x="1040" y="1355"/>
-                  </a:cubicBezTo>
-                  <a:cubicBezTo>
-                    <a:pt x="851" y="1355"/>
-                    <a:pt x="693" y="1198"/>
-                    <a:pt x="693" y="1009"/>
-                  </a:cubicBezTo>
-                  <a:cubicBezTo>
-                    <a:pt x="693" y="820"/>
-                    <a:pt x="851" y="662"/>
-                    <a:pt x="1040" y="662"/>
-                  </a:cubicBezTo>
-                  <a:close/>
-                  <a:moveTo>
-                    <a:pt x="1040" y="1"/>
-                  </a:moveTo>
-                  <a:cubicBezTo>
-                    <a:pt x="473" y="1"/>
-                    <a:pt x="0" y="473"/>
-                    <a:pt x="0" y="1040"/>
-                  </a:cubicBezTo>
-                  <a:cubicBezTo>
-                    <a:pt x="0" y="1639"/>
-                    <a:pt x="473" y="2111"/>
-                    <a:pt x="1040" y="2111"/>
-                  </a:cubicBezTo>
-                  <a:cubicBezTo>
-                    <a:pt x="1639" y="2111"/>
-                    <a:pt x="2111" y="1639"/>
-                    <a:pt x="2111" y="1040"/>
-                  </a:cubicBezTo>
-                  <a:cubicBezTo>
-                    <a:pt x="2111" y="473"/>
-                    <a:pt x="1639" y="1"/>
-                    <a:pt x="1040" y="1"/>
-                  </a:cubicBezTo>
-                  <a:close/>
-                </a:path>
-              </a:pathLst>
-            </a:custGeom>
-            <a:gradFill flip="none" rotWithShape="1">
-              <a:gsLst>
-                <a:gs pos="0">
-                  <a:schemeClr val="accent5">
-                    <a:lumMod val="40000"/>
-                    <a:lumOff val="60000"/>
-                  </a:schemeClr>
-                </a:gs>
-                <a:gs pos="46000">
-                  <a:schemeClr val="accent5">
-                    <a:lumMod val="95000"/>
-                    <a:lumOff val="5000"/>
-                  </a:schemeClr>
-                </a:gs>
-                <a:gs pos="100000">
-                  <a:schemeClr val="accent5">
-                    <a:lumMod val="60000"/>
-                  </a:schemeClr>
-                </a:gs>
-              </a:gsLst>
-              <a:path path="circle">
-                <a:fillToRect l="50000" t="130000" r="50000" b="-30000"/>
-              </a:path>
-              <a:tileRect/>
-            </a:gradFill>
-            <a:ln>
-              <a:noFill/>
-            </a:ln>
-          </p:spPr>
-          <p:txBody>
-            <a:bodyPr spcFirstLastPara="1" wrap="square" lIns="91425" tIns="91425" rIns="91425" bIns="91425" anchor="ctr" anchorCtr="0">
-              <a:noAutofit/>
-            </a:bodyPr>
-            <a:lstStyle/>
-            <a:p>
-              <a:pPr marL="0" lvl="0" indent="0" algn="l" rtl="0">
-                <a:spcBef>
-                  <a:spcPts val="0"/>
-                </a:spcBef>
-                <a:spcAft>
-                  <a:spcPts val="0"/>
-                </a:spcAft>
-                <a:buNone/>
-              </a:pPr>
-              <a:endParaRPr dirty="0"/>
-            </a:p>
-          </p:txBody>
-        </p:sp>
-        <p:sp>
-          <p:nvSpPr>
-            <p:cNvPr id="57" name="Google Shape;338;p23">
-              <a:extLst>
-                <a:ext uri="{FF2B5EF4-FFF2-40B4-BE49-F238E27FC236}">
-                  <a16:creationId xmlns:a16="http://schemas.microsoft.com/office/drawing/2014/main" id="{AD0396C6-6A4B-4D5B-B471-FAAFD6E70283}"/>
-                </a:ext>
-              </a:extLst>
-            </p:cNvPr>
-            <p:cNvSpPr/>
-            <p:nvPr/>
-          </p:nvSpPr>
-          <p:spPr>
-            <a:xfrm>
-              <a:off x="4225857" y="1230217"/>
-              <a:ext cx="373002" cy="354922"/>
-            </a:xfrm>
-            <a:custGeom>
-              <a:avLst/>
-              <a:gdLst/>
-              <a:ahLst/>
-              <a:cxnLst/>
-              <a:rect l="l" t="t" r="r" b="b"/>
-              <a:pathLst>
-                <a:path w="2111" h="2112" extrusionOk="0">
-                  <a:moveTo>
-                    <a:pt x="1040" y="662"/>
-                  </a:moveTo>
-                  <a:cubicBezTo>
-                    <a:pt x="1260" y="662"/>
-                    <a:pt x="1418" y="820"/>
-                    <a:pt x="1418" y="1009"/>
-                  </a:cubicBezTo>
-                  <a:cubicBezTo>
-                    <a:pt x="1418" y="1198"/>
-                    <a:pt x="1260" y="1355"/>
-                    <a:pt x="1040" y="1355"/>
-                  </a:cubicBezTo>
-                  <a:cubicBezTo>
-                    <a:pt x="851" y="1355"/>
-                    <a:pt x="693" y="1198"/>
-                    <a:pt x="693" y="1009"/>
-                  </a:cubicBezTo>
-                  <a:cubicBezTo>
-                    <a:pt x="693" y="820"/>
-                    <a:pt x="851" y="662"/>
-                    <a:pt x="1040" y="662"/>
-                  </a:cubicBezTo>
-                  <a:close/>
-                  <a:moveTo>
-                    <a:pt x="1040" y="1"/>
-                  </a:moveTo>
-                  <a:cubicBezTo>
-                    <a:pt x="473" y="1"/>
-                    <a:pt x="0" y="473"/>
-                    <a:pt x="0" y="1040"/>
-                  </a:cubicBezTo>
-                  <a:cubicBezTo>
-                    <a:pt x="0" y="1639"/>
-                    <a:pt x="473" y="2111"/>
-                    <a:pt x="1040" y="2111"/>
-                  </a:cubicBezTo>
-                  <a:cubicBezTo>
-                    <a:pt x="1639" y="2111"/>
-                    <a:pt x="2111" y="1639"/>
-                    <a:pt x="2111" y="1040"/>
-                  </a:cubicBezTo>
-                  <a:cubicBezTo>
-                    <a:pt x="2111" y="473"/>
-                    <a:pt x="1639" y="1"/>
-                    <a:pt x="1040" y="1"/>
-                  </a:cubicBezTo>
-                  <a:close/>
-                </a:path>
-              </a:pathLst>
-            </a:custGeom>
-            <a:gradFill>
-              <a:gsLst>
-                <a:gs pos="1000">
-                  <a:srgbClr val="88D3CE"/>
-                </a:gs>
-                <a:gs pos="71000">
-                  <a:srgbClr val="423864"/>
-                </a:gs>
-              </a:gsLst>
-              <a:lin ang="5400700" scaled="0"/>
-            </a:gradFill>
-            <a:ln>
-              <a:noFill/>
-            </a:ln>
-          </p:spPr>
-          <p:txBody>
-            <a:bodyPr spcFirstLastPara="1" wrap="square" lIns="91425" tIns="91425" rIns="91425" bIns="91425" anchor="ctr" anchorCtr="0">
-              <a:noAutofit/>
-            </a:bodyPr>
-            <a:lstStyle/>
-            <a:p>
-              <a:pPr marL="0" lvl="0" indent="0" algn="l" rtl="0">
-                <a:spcBef>
-                  <a:spcPts val="0"/>
-                </a:spcBef>
-                <a:spcAft>
-                  <a:spcPts val="0"/>
-                </a:spcAft>
-                <a:buNone/>
-              </a:pPr>
-              <a:endParaRPr dirty="0"/>
-            </a:p>
-          </p:txBody>
-        </p:sp>
-        <p:sp>
-          <p:nvSpPr>
-            <p:cNvPr id="58" name="Google Shape;338;p23">
-              <a:extLst>
-                <a:ext uri="{FF2B5EF4-FFF2-40B4-BE49-F238E27FC236}">
-                  <a16:creationId xmlns:a16="http://schemas.microsoft.com/office/drawing/2014/main" id="{59DD028D-0390-426A-91CA-3849E751E5E9}"/>
-                </a:ext>
-              </a:extLst>
-            </p:cNvPr>
-            <p:cNvSpPr/>
-            <p:nvPr/>
-          </p:nvSpPr>
-          <p:spPr>
-            <a:xfrm>
-              <a:off x="3852855" y="1609854"/>
-              <a:ext cx="373002" cy="354922"/>
-            </a:xfrm>
-            <a:custGeom>
-              <a:avLst/>
-              <a:gdLst/>
-              <a:ahLst/>
-              <a:cxnLst/>
-              <a:rect l="l" t="t" r="r" b="b"/>
-              <a:pathLst>
-                <a:path w="2111" h="2112" extrusionOk="0">
-                  <a:moveTo>
-                    <a:pt x="1040" y="662"/>
-                  </a:moveTo>
-                  <a:cubicBezTo>
-                    <a:pt x="1260" y="662"/>
-                    <a:pt x="1418" y="820"/>
-                    <a:pt x="1418" y="1009"/>
-                  </a:cubicBezTo>
-                  <a:cubicBezTo>
-                    <a:pt x="1418" y="1198"/>
-                    <a:pt x="1260" y="1355"/>
-                    <a:pt x="1040" y="1355"/>
-                  </a:cubicBezTo>
-                  <a:cubicBezTo>
-                    <a:pt x="851" y="1355"/>
-                    <a:pt x="693" y="1198"/>
-                    <a:pt x="693" y="1009"/>
-                  </a:cubicBezTo>
-                  <a:cubicBezTo>
-                    <a:pt x="693" y="820"/>
-                    <a:pt x="851" y="662"/>
-                    <a:pt x="1040" y="662"/>
-                  </a:cubicBezTo>
-                  <a:close/>
-                  <a:moveTo>
-                    <a:pt x="1040" y="1"/>
-                  </a:moveTo>
-                  <a:cubicBezTo>
-                    <a:pt x="473" y="1"/>
-                    <a:pt x="0" y="473"/>
-                    <a:pt x="0" y="1040"/>
-                  </a:cubicBezTo>
-                  <a:cubicBezTo>
-                    <a:pt x="0" y="1639"/>
-                    <a:pt x="473" y="2111"/>
-                    <a:pt x="1040" y="2111"/>
-                  </a:cubicBezTo>
-                  <a:cubicBezTo>
-                    <a:pt x="1639" y="2111"/>
-                    <a:pt x="2111" y="1639"/>
-                    <a:pt x="2111" y="1040"/>
-                  </a:cubicBezTo>
-                  <a:cubicBezTo>
-                    <a:pt x="2111" y="473"/>
-                    <a:pt x="1639" y="1"/>
-                    <a:pt x="1040" y="1"/>
-                  </a:cubicBezTo>
-                  <a:close/>
-                </a:path>
-              </a:pathLst>
-            </a:custGeom>
-            <a:gradFill>
-              <a:gsLst>
-                <a:gs pos="1000">
-                  <a:srgbClr val="88D3CE"/>
-                </a:gs>
-                <a:gs pos="71000">
-                  <a:srgbClr val="423864"/>
-                </a:gs>
-              </a:gsLst>
-              <a:lin ang="5400700" scaled="0"/>
-            </a:gradFill>
-            <a:ln>
-              <a:noFill/>
-            </a:ln>
-          </p:spPr>
-          <p:txBody>
-            <a:bodyPr spcFirstLastPara="1" wrap="square" lIns="91425" tIns="91425" rIns="91425" bIns="91425" anchor="ctr" anchorCtr="0">
-              <a:noAutofit/>
-            </a:bodyPr>
-            <a:lstStyle/>
-            <a:p>
-              <a:pPr marL="0" lvl="0" indent="0" algn="l" rtl="0">
-                <a:spcBef>
-                  <a:spcPts val="0"/>
-                </a:spcBef>
-                <a:spcAft>
-                  <a:spcPts val="0"/>
-                </a:spcAft>
-                <a:buNone/>
-              </a:pPr>
-              <a:endParaRPr dirty="0"/>
-            </a:p>
-          </p:txBody>
-        </p:sp>
-        <p:sp>
-          <p:nvSpPr>
-            <p:cNvPr id="59" name="Google Shape;338;p23">
-              <a:extLst>
-                <a:ext uri="{FF2B5EF4-FFF2-40B4-BE49-F238E27FC236}">
-                  <a16:creationId xmlns:a16="http://schemas.microsoft.com/office/drawing/2014/main" id="{44878473-0274-4362-86B1-81E0AEBF4115}"/>
-                </a:ext>
-              </a:extLst>
-            </p:cNvPr>
-            <p:cNvSpPr/>
-            <p:nvPr/>
-          </p:nvSpPr>
-          <p:spPr>
-            <a:xfrm>
-              <a:off x="3852855" y="487200"/>
-              <a:ext cx="373002" cy="354922"/>
-            </a:xfrm>
-            <a:custGeom>
-              <a:avLst/>
-              <a:gdLst/>
-              <a:ahLst/>
-              <a:cxnLst/>
-              <a:rect l="l" t="t" r="r" b="b"/>
-              <a:pathLst>
-                <a:path w="2111" h="2112" extrusionOk="0">
-                  <a:moveTo>
-                    <a:pt x="1040" y="662"/>
-                  </a:moveTo>
-                  <a:cubicBezTo>
-                    <a:pt x="1260" y="662"/>
-                    <a:pt x="1418" y="820"/>
-                    <a:pt x="1418" y="1009"/>
-                  </a:cubicBezTo>
-                  <a:cubicBezTo>
-                    <a:pt x="1418" y="1198"/>
-                    <a:pt x="1260" y="1355"/>
-                    <a:pt x="1040" y="1355"/>
-                  </a:cubicBezTo>
-                  <a:cubicBezTo>
-                    <a:pt x="851" y="1355"/>
-                    <a:pt x="693" y="1198"/>
-                    <a:pt x="693" y="1009"/>
-                  </a:cubicBezTo>
-                  <a:cubicBezTo>
-                    <a:pt x="693" y="820"/>
-                    <a:pt x="851" y="662"/>
-                    <a:pt x="1040" y="662"/>
-                  </a:cubicBezTo>
-                  <a:close/>
-                  <a:moveTo>
-                    <a:pt x="1040" y="1"/>
-                  </a:moveTo>
-                  <a:cubicBezTo>
-                    <a:pt x="473" y="1"/>
-                    <a:pt x="0" y="473"/>
-                    <a:pt x="0" y="1040"/>
-                  </a:cubicBezTo>
-                  <a:cubicBezTo>
-                    <a:pt x="0" y="1639"/>
-                    <a:pt x="473" y="2111"/>
-                    <a:pt x="1040" y="2111"/>
-                  </a:cubicBezTo>
-                  <a:cubicBezTo>
-                    <a:pt x="1639" y="2111"/>
-                    <a:pt x="2111" y="1639"/>
-                    <a:pt x="2111" y="1040"/>
-                  </a:cubicBezTo>
-                  <a:cubicBezTo>
-                    <a:pt x="2111" y="473"/>
-                    <a:pt x="1639" y="1"/>
-                    <a:pt x="1040" y="1"/>
-                  </a:cubicBezTo>
-                  <a:close/>
-                </a:path>
-              </a:pathLst>
-            </a:custGeom>
-            <a:gradFill flip="none" rotWithShape="1">
-              <a:gsLst>
-                <a:gs pos="0">
-                  <a:schemeClr val="accent5">
-                    <a:lumMod val="40000"/>
-                    <a:lumOff val="60000"/>
-                  </a:schemeClr>
-                </a:gs>
-                <a:gs pos="46000">
-                  <a:schemeClr val="accent5">
-                    <a:lumMod val="95000"/>
-                    <a:lumOff val="5000"/>
-                  </a:schemeClr>
-                </a:gs>
-                <a:gs pos="100000">
-                  <a:schemeClr val="accent5">
-                    <a:lumMod val="60000"/>
-                  </a:schemeClr>
-                </a:gs>
-              </a:gsLst>
-              <a:path path="circle">
-                <a:fillToRect l="50000" t="130000" r="50000" b="-30000"/>
-              </a:path>
-              <a:tileRect/>
-            </a:gradFill>
-            <a:ln>
-              <a:noFill/>
-            </a:ln>
-          </p:spPr>
-          <p:txBody>
-            <a:bodyPr spcFirstLastPara="1" wrap="square" lIns="91425" tIns="91425" rIns="91425" bIns="91425" anchor="ctr" anchorCtr="0">
-              <a:noAutofit/>
-            </a:bodyPr>
-            <a:lstStyle/>
-            <a:p>
-              <a:pPr marL="0" lvl="0" indent="0" algn="l" rtl="0">
-                <a:spcBef>
-                  <a:spcPts val="0"/>
-                </a:spcBef>
-                <a:spcAft>
-                  <a:spcPts val="0"/>
-                </a:spcAft>
-                <a:buNone/>
-              </a:pPr>
-              <a:endParaRPr dirty="0"/>
-            </a:p>
-          </p:txBody>
-        </p:sp>
-        <p:sp>
-          <p:nvSpPr>
-            <p:cNvPr id="60" name="Google Shape;338;p23">
-              <a:extLst>
-                <a:ext uri="{FF2B5EF4-FFF2-40B4-BE49-F238E27FC236}">
-                  <a16:creationId xmlns:a16="http://schemas.microsoft.com/office/drawing/2014/main" id="{453530B9-7B3C-4A8B-9849-AE021714482C}"/>
-                </a:ext>
-              </a:extLst>
-            </p:cNvPr>
-            <p:cNvSpPr/>
-            <p:nvPr/>
-          </p:nvSpPr>
-          <p:spPr>
-            <a:xfrm>
-              <a:off x="4667817" y="1231580"/>
-              <a:ext cx="373002" cy="354922"/>
-            </a:xfrm>
-            <a:custGeom>
-              <a:avLst/>
-              <a:gdLst/>
-              <a:ahLst/>
-              <a:cxnLst/>
-              <a:rect l="l" t="t" r="r" b="b"/>
-              <a:pathLst>
-                <a:path w="2111" h="2112" extrusionOk="0">
-                  <a:moveTo>
-                    <a:pt x="1040" y="662"/>
-                  </a:moveTo>
-                  <a:cubicBezTo>
-                    <a:pt x="1260" y="662"/>
-                    <a:pt x="1418" y="820"/>
-                    <a:pt x="1418" y="1009"/>
-                  </a:cubicBezTo>
-                  <a:cubicBezTo>
-                    <a:pt x="1418" y="1198"/>
-                    <a:pt x="1260" y="1355"/>
-                    <a:pt x="1040" y="1355"/>
-                  </a:cubicBezTo>
-                  <a:cubicBezTo>
-                    <a:pt x="851" y="1355"/>
-                    <a:pt x="693" y="1198"/>
-                    <a:pt x="693" y="1009"/>
-                  </a:cubicBezTo>
-                  <a:cubicBezTo>
-                    <a:pt x="693" y="820"/>
-                    <a:pt x="851" y="662"/>
-                    <a:pt x="1040" y="662"/>
-                  </a:cubicBezTo>
-                  <a:close/>
-                  <a:moveTo>
-                    <a:pt x="1040" y="1"/>
-                  </a:moveTo>
-                  <a:cubicBezTo>
-                    <a:pt x="473" y="1"/>
-                    <a:pt x="0" y="473"/>
-                    <a:pt x="0" y="1040"/>
-                  </a:cubicBezTo>
-                  <a:cubicBezTo>
-                    <a:pt x="0" y="1639"/>
-                    <a:pt x="473" y="2111"/>
-                    <a:pt x="1040" y="2111"/>
-                  </a:cubicBezTo>
-                  <a:cubicBezTo>
-                    <a:pt x="1639" y="2111"/>
-                    <a:pt x="2111" y="1639"/>
-                    <a:pt x="2111" y="1040"/>
-                  </a:cubicBezTo>
-                  <a:cubicBezTo>
-                    <a:pt x="2111" y="473"/>
-                    <a:pt x="1639" y="1"/>
-                    <a:pt x="1040" y="1"/>
-                  </a:cubicBezTo>
-                  <a:close/>
-                </a:path>
-              </a:pathLst>
-            </a:custGeom>
-            <a:gradFill flip="none" rotWithShape="1">
-              <a:gsLst>
-                <a:gs pos="0">
-                  <a:schemeClr val="accent5">
-                    <a:lumMod val="40000"/>
-                    <a:lumOff val="60000"/>
-                  </a:schemeClr>
-                </a:gs>
-                <a:gs pos="46000">
-                  <a:schemeClr val="accent5">
-                    <a:lumMod val="95000"/>
-                    <a:lumOff val="5000"/>
-                  </a:schemeClr>
-                </a:gs>
-                <a:gs pos="100000">
-                  <a:schemeClr val="accent5">
-                    <a:lumMod val="60000"/>
-                  </a:schemeClr>
-                </a:gs>
-              </a:gsLst>
-              <a:path path="circle">
-                <a:fillToRect l="50000" t="130000" r="50000" b="-30000"/>
-              </a:path>
-              <a:tileRect/>
-            </a:gradFill>
-            <a:ln>
-              <a:noFill/>
-            </a:ln>
-          </p:spPr>
-          <p:txBody>
-            <a:bodyPr spcFirstLastPara="1" wrap="square" lIns="91425" tIns="91425" rIns="91425" bIns="91425" anchor="ctr" anchorCtr="0">
-              <a:noAutofit/>
-            </a:bodyPr>
-            <a:lstStyle/>
-            <a:p>
-              <a:pPr marL="0" lvl="0" indent="0" algn="l" rtl="0">
-                <a:spcBef>
-                  <a:spcPts val="0"/>
-                </a:spcBef>
-                <a:spcAft>
-                  <a:spcPts val="0"/>
-                </a:spcAft>
-                <a:buNone/>
-              </a:pPr>
-              <a:endParaRPr dirty="0"/>
-            </a:p>
-          </p:txBody>
-        </p:sp>
-        <p:sp>
-          <p:nvSpPr>
-            <p:cNvPr id="61" name="Google Shape;338;p23">
-              <a:extLst>
-                <a:ext uri="{FF2B5EF4-FFF2-40B4-BE49-F238E27FC236}">
-                  <a16:creationId xmlns:a16="http://schemas.microsoft.com/office/drawing/2014/main" id="{1B64E4F3-E021-4589-91B3-4245BE282DFE}"/>
-                </a:ext>
-              </a:extLst>
-            </p:cNvPr>
-            <p:cNvSpPr/>
-            <p:nvPr/>
-          </p:nvSpPr>
-          <p:spPr>
-            <a:xfrm>
-              <a:off x="5052816" y="515831"/>
-              <a:ext cx="373002" cy="354922"/>
-            </a:xfrm>
-            <a:custGeom>
-              <a:avLst/>
-              <a:gdLst/>
-              <a:ahLst/>
-              <a:cxnLst/>
-              <a:rect l="l" t="t" r="r" b="b"/>
-              <a:pathLst>
-                <a:path w="2111" h="2112" extrusionOk="0">
-                  <a:moveTo>
-                    <a:pt x="1040" y="662"/>
-                  </a:moveTo>
-                  <a:cubicBezTo>
-                    <a:pt x="1260" y="662"/>
-                    <a:pt x="1418" y="820"/>
-                    <a:pt x="1418" y="1009"/>
-                  </a:cubicBezTo>
-                  <a:cubicBezTo>
-                    <a:pt x="1418" y="1198"/>
-                    <a:pt x="1260" y="1355"/>
-                    <a:pt x="1040" y="1355"/>
-                  </a:cubicBezTo>
-                  <a:cubicBezTo>
-                    <a:pt x="851" y="1355"/>
-                    <a:pt x="693" y="1198"/>
-                    <a:pt x="693" y="1009"/>
-                  </a:cubicBezTo>
-                  <a:cubicBezTo>
-                    <a:pt x="693" y="820"/>
-                    <a:pt x="851" y="662"/>
-                    <a:pt x="1040" y="662"/>
-                  </a:cubicBezTo>
-                  <a:close/>
-                  <a:moveTo>
-                    <a:pt x="1040" y="1"/>
-                  </a:moveTo>
-                  <a:cubicBezTo>
-                    <a:pt x="473" y="1"/>
-                    <a:pt x="0" y="473"/>
-                    <a:pt x="0" y="1040"/>
-                  </a:cubicBezTo>
-                  <a:cubicBezTo>
-                    <a:pt x="0" y="1639"/>
-                    <a:pt x="473" y="2111"/>
-                    <a:pt x="1040" y="2111"/>
-                  </a:cubicBezTo>
-                  <a:cubicBezTo>
-                    <a:pt x="1639" y="2111"/>
-                    <a:pt x="2111" y="1639"/>
-                    <a:pt x="2111" y="1040"/>
-                  </a:cubicBezTo>
-                  <a:cubicBezTo>
-                    <a:pt x="2111" y="473"/>
-                    <a:pt x="1639" y="1"/>
-                    <a:pt x="1040" y="1"/>
-                  </a:cubicBezTo>
-                  <a:close/>
-                </a:path>
-              </a:pathLst>
-            </a:custGeom>
-            <a:gradFill>
-              <a:gsLst>
-                <a:gs pos="1000">
-                  <a:srgbClr val="88D3CE"/>
-                </a:gs>
-                <a:gs pos="71000">
-                  <a:srgbClr val="423864"/>
-                </a:gs>
-              </a:gsLst>
-              <a:lin ang="5400700" scaled="0"/>
-            </a:gradFill>
-            <a:ln>
-              <a:noFill/>
-            </a:ln>
-          </p:spPr>
-          <p:txBody>
-            <a:bodyPr spcFirstLastPara="1" wrap="square" lIns="91425" tIns="91425" rIns="91425" bIns="91425" anchor="ctr" anchorCtr="0">
-              <a:noAutofit/>
-            </a:bodyPr>
-            <a:lstStyle/>
-            <a:p>
-              <a:pPr marL="0" lvl="0" indent="0" algn="l" rtl="0">
-                <a:spcBef>
-                  <a:spcPts val="0"/>
-                </a:spcBef>
-                <a:spcAft>
-                  <a:spcPts val="0"/>
-                </a:spcAft>
-                <a:buNone/>
-              </a:pPr>
-              <a:endParaRPr dirty="0"/>
-            </a:p>
-          </p:txBody>
-        </p:sp>
-      </p:grpSp>
       <p:sp>
         <p:nvSpPr>
           <p:cNvPr id="2" name="Title 1">
@@ -32295,818 +29772,6 @@
               <a:rPr lang="fr-FR" sz="4000" dirty="0"/>
               <a:t>MODÉLISATION DU JEU</a:t>
             </a:r>
-          </a:p>
-        </p:txBody>
-      </p:sp>
-      <p:sp>
-        <p:nvSpPr>
-          <p:cNvPr id="27" name="Google Shape;338;p23">
-            <a:extLst>
-              <a:ext uri="{FF2B5EF4-FFF2-40B4-BE49-F238E27FC236}">
-                <a16:creationId xmlns:a16="http://schemas.microsoft.com/office/drawing/2014/main" id="{9AC3CE3C-FBB2-4FE5-80B6-A2B8A10A8C80}"/>
-              </a:ext>
-            </a:extLst>
-          </p:cNvPr>
-          <p:cNvSpPr/>
-          <p:nvPr/>
-        </p:nvSpPr>
-        <p:spPr>
-          <a:xfrm>
-            <a:off x="7621134" y="656227"/>
-            <a:ext cx="373002" cy="354922"/>
-          </a:xfrm>
-          <a:custGeom>
-            <a:avLst/>
-            <a:gdLst/>
-            <a:ahLst/>
-            <a:cxnLst/>
-            <a:rect l="l" t="t" r="r" b="b"/>
-            <a:pathLst>
-              <a:path w="2111" h="2112" extrusionOk="0">
-                <a:moveTo>
-                  <a:pt x="1040" y="662"/>
-                </a:moveTo>
-                <a:cubicBezTo>
-                  <a:pt x="1260" y="662"/>
-                  <a:pt x="1418" y="820"/>
-                  <a:pt x="1418" y="1009"/>
-                </a:cubicBezTo>
-                <a:cubicBezTo>
-                  <a:pt x="1418" y="1198"/>
-                  <a:pt x="1260" y="1355"/>
-                  <a:pt x="1040" y="1355"/>
-                </a:cubicBezTo>
-                <a:cubicBezTo>
-                  <a:pt x="851" y="1355"/>
-                  <a:pt x="693" y="1198"/>
-                  <a:pt x="693" y="1009"/>
-                </a:cubicBezTo>
-                <a:cubicBezTo>
-                  <a:pt x="693" y="820"/>
-                  <a:pt x="851" y="662"/>
-                  <a:pt x="1040" y="662"/>
-                </a:cubicBezTo>
-                <a:close/>
-                <a:moveTo>
-                  <a:pt x="1040" y="1"/>
-                </a:moveTo>
-                <a:cubicBezTo>
-                  <a:pt x="473" y="1"/>
-                  <a:pt x="0" y="473"/>
-                  <a:pt x="0" y="1040"/>
-                </a:cubicBezTo>
-                <a:cubicBezTo>
-                  <a:pt x="0" y="1639"/>
-                  <a:pt x="473" y="2111"/>
-                  <a:pt x="1040" y="2111"/>
-                </a:cubicBezTo>
-                <a:cubicBezTo>
-                  <a:pt x="1639" y="2111"/>
-                  <a:pt x="2111" y="1639"/>
-                  <a:pt x="2111" y="1040"/>
-                </a:cubicBezTo>
-                <a:cubicBezTo>
-                  <a:pt x="2111" y="473"/>
-                  <a:pt x="1639" y="1"/>
-                  <a:pt x="1040" y="1"/>
-                </a:cubicBezTo>
-                <a:close/>
-              </a:path>
-            </a:pathLst>
-          </a:custGeom>
-          <a:gradFill>
-            <a:gsLst>
-              <a:gs pos="1000">
-                <a:srgbClr val="88D3CE"/>
-              </a:gs>
-              <a:gs pos="71000">
-                <a:srgbClr val="423864"/>
-              </a:gs>
-            </a:gsLst>
-            <a:lin ang="5400700" scaled="0"/>
-          </a:gradFill>
-          <a:ln>
-            <a:noFill/>
-          </a:ln>
-        </p:spPr>
-        <p:txBody>
-          <a:bodyPr spcFirstLastPara="1" wrap="square" lIns="91425" tIns="91425" rIns="91425" bIns="91425" anchor="ctr" anchorCtr="0">
-            <a:noAutofit/>
-          </a:bodyPr>
-          <a:lstStyle/>
-          <a:p>
-            <a:pPr marL="0" lvl="0" indent="0" algn="l" rtl="0">
-              <a:spcBef>
-                <a:spcPts val="0"/>
-              </a:spcBef>
-              <a:spcAft>
-                <a:spcPts val="0"/>
-              </a:spcAft>
-              <a:buNone/>
-            </a:pPr>
-            <a:endParaRPr dirty="0"/>
-          </a:p>
-        </p:txBody>
-      </p:sp>
-      <p:sp>
-        <p:nvSpPr>
-          <p:cNvPr id="28" name="Google Shape;338;p23">
-            <a:extLst>
-              <a:ext uri="{FF2B5EF4-FFF2-40B4-BE49-F238E27FC236}">
-                <a16:creationId xmlns:a16="http://schemas.microsoft.com/office/drawing/2014/main" id="{3980F649-10B4-4C14-8593-3B4E866E627F}"/>
-              </a:ext>
-            </a:extLst>
-          </p:cNvPr>
-          <p:cNvSpPr/>
-          <p:nvPr/>
-        </p:nvSpPr>
-        <p:spPr>
-          <a:xfrm>
-            <a:off x="7167177" y="644840"/>
-            <a:ext cx="373002" cy="354922"/>
-          </a:xfrm>
-          <a:custGeom>
-            <a:avLst/>
-            <a:gdLst/>
-            <a:ahLst/>
-            <a:cxnLst/>
-            <a:rect l="l" t="t" r="r" b="b"/>
-            <a:pathLst>
-              <a:path w="2111" h="2112" extrusionOk="0">
-                <a:moveTo>
-                  <a:pt x="1040" y="662"/>
-                </a:moveTo>
-                <a:cubicBezTo>
-                  <a:pt x="1260" y="662"/>
-                  <a:pt x="1418" y="820"/>
-                  <a:pt x="1418" y="1009"/>
-                </a:cubicBezTo>
-                <a:cubicBezTo>
-                  <a:pt x="1418" y="1198"/>
-                  <a:pt x="1260" y="1355"/>
-                  <a:pt x="1040" y="1355"/>
-                </a:cubicBezTo>
-                <a:cubicBezTo>
-                  <a:pt x="851" y="1355"/>
-                  <a:pt x="693" y="1198"/>
-                  <a:pt x="693" y="1009"/>
-                </a:cubicBezTo>
-                <a:cubicBezTo>
-                  <a:pt x="693" y="820"/>
-                  <a:pt x="851" y="662"/>
-                  <a:pt x="1040" y="662"/>
-                </a:cubicBezTo>
-                <a:close/>
-                <a:moveTo>
-                  <a:pt x="1040" y="1"/>
-                </a:moveTo>
-                <a:cubicBezTo>
-                  <a:pt x="473" y="1"/>
-                  <a:pt x="0" y="473"/>
-                  <a:pt x="0" y="1040"/>
-                </a:cubicBezTo>
-                <a:cubicBezTo>
-                  <a:pt x="0" y="1639"/>
-                  <a:pt x="473" y="2111"/>
-                  <a:pt x="1040" y="2111"/>
-                </a:cubicBezTo>
-                <a:cubicBezTo>
-                  <a:pt x="1639" y="2111"/>
-                  <a:pt x="2111" y="1639"/>
-                  <a:pt x="2111" y="1040"/>
-                </a:cubicBezTo>
-                <a:cubicBezTo>
-                  <a:pt x="2111" y="473"/>
-                  <a:pt x="1639" y="1"/>
-                  <a:pt x="1040" y="1"/>
-                </a:cubicBezTo>
-                <a:close/>
-              </a:path>
-            </a:pathLst>
-          </a:custGeom>
-          <a:gradFill flip="none" rotWithShape="1">
-            <a:gsLst>
-              <a:gs pos="0">
-                <a:schemeClr val="accent5">
-                  <a:lumMod val="40000"/>
-                  <a:lumOff val="60000"/>
-                </a:schemeClr>
-              </a:gs>
-              <a:gs pos="46000">
-                <a:schemeClr val="accent5">
-                  <a:lumMod val="95000"/>
-                  <a:lumOff val="5000"/>
-                </a:schemeClr>
-              </a:gs>
-              <a:gs pos="100000">
-                <a:schemeClr val="accent5">
-                  <a:lumMod val="60000"/>
-                </a:schemeClr>
-              </a:gs>
-            </a:gsLst>
-            <a:path path="circle">
-              <a:fillToRect l="50000" t="130000" r="50000" b="-30000"/>
-            </a:path>
-            <a:tileRect/>
-          </a:gradFill>
-          <a:ln>
-            <a:noFill/>
-          </a:ln>
-        </p:spPr>
-        <p:txBody>
-          <a:bodyPr spcFirstLastPara="1" wrap="square" lIns="91425" tIns="91425" rIns="91425" bIns="91425" anchor="ctr" anchorCtr="0">
-            <a:noAutofit/>
-          </a:bodyPr>
-          <a:lstStyle/>
-          <a:p>
-            <a:pPr marL="0" lvl="0" indent="0" algn="l" rtl="0">
-              <a:spcBef>
-                <a:spcPts val="0"/>
-              </a:spcBef>
-              <a:spcAft>
-                <a:spcPts val="0"/>
-              </a:spcAft>
-              <a:buNone/>
-            </a:pPr>
-            <a:endParaRPr dirty="0"/>
-          </a:p>
-        </p:txBody>
-      </p:sp>
-      <p:sp>
-        <p:nvSpPr>
-          <p:cNvPr id="29" name="Google Shape;338;p23">
-            <a:extLst>
-              <a:ext uri="{FF2B5EF4-FFF2-40B4-BE49-F238E27FC236}">
-                <a16:creationId xmlns:a16="http://schemas.microsoft.com/office/drawing/2014/main" id="{90F6E328-36BF-4B82-A313-13787574814A}"/>
-              </a:ext>
-            </a:extLst>
-          </p:cNvPr>
-          <p:cNvSpPr/>
-          <p:nvPr/>
-        </p:nvSpPr>
-        <p:spPr>
-          <a:xfrm>
-            <a:off x="7167177" y="1077817"/>
-            <a:ext cx="373002" cy="354922"/>
-          </a:xfrm>
-          <a:custGeom>
-            <a:avLst/>
-            <a:gdLst/>
-            <a:ahLst/>
-            <a:cxnLst/>
-            <a:rect l="l" t="t" r="r" b="b"/>
-            <a:pathLst>
-              <a:path w="2111" h="2112" extrusionOk="0">
-                <a:moveTo>
-                  <a:pt x="1040" y="662"/>
-                </a:moveTo>
-                <a:cubicBezTo>
-                  <a:pt x="1260" y="662"/>
-                  <a:pt x="1418" y="820"/>
-                  <a:pt x="1418" y="1009"/>
-                </a:cubicBezTo>
-                <a:cubicBezTo>
-                  <a:pt x="1418" y="1198"/>
-                  <a:pt x="1260" y="1355"/>
-                  <a:pt x="1040" y="1355"/>
-                </a:cubicBezTo>
-                <a:cubicBezTo>
-                  <a:pt x="851" y="1355"/>
-                  <a:pt x="693" y="1198"/>
-                  <a:pt x="693" y="1009"/>
-                </a:cubicBezTo>
-                <a:cubicBezTo>
-                  <a:pt x="693" y="820"/>
-                  <a:pt x="851" y="662"/>
-                  <a:pt x="1040" y="662"/>
-                </a:cubicBezTo>
-                <a:close/>
-                <a:moveTo>
-                  <a:pt x="1040" y="1"/>
-                </a:moveTo>
-                <a:cubicBezTo>
-                  <a:pt x="473" y="1"/>
-                  <a:pt x="0" y="473"/>
-                  <a:pt x="0" y="1040"/>
-                </a:cubicBezTo>
-                <a:cubicBezTo>
-                  <a:pt x="0" y="1639"/>
-                  <a:pt x="473" y="2111"/>
-                  <a:pt x="1040" y="2111"/>
-                </a:cubicBezTo>
-                <a:cubicBezTo>
-                  <a:pt x="1639" y="2111"/>
-                  <a:pt x="2111" y="1639"/>
-                  <a:pt x="2111" y="1040"/>
-                </a:cubicBezTo>
-                <a:cubicBezTo>
-                  <a:pt x="2111" y="473"/>
-                  <a:pt x="1639" y="1"/>
-                  <a:pt x="1040" y="1"/>
-                </a:cubicBezTo>
-                <a:close/>
-              </a:path>
-            </a:pathLst>
-          </a:custGeom>
-          <a:gradFill>
-            <a:gsLst>
-              <a:gs pos="1000">
-                <a:srgbClr val="88D3CE"/>
-              </a:gs>
-              <a:gs pos="71000">
-                <a:srgbClr val="423864"/>
-              </a:gs>
-            </a:gsLst>
-            <a:lin ang="5400700" scaled="0"/>
-          </a:gradFill>
-          <a:ln>
-            <a:noFill/>
-          </a:ln>
-        </p:spPr>
-        <p:txBody>
-          <a:bodyPr spcFirstLastPara="1" wrap="square" lIns="91425" tIns="91425" rIns="91425" bIns="91425" anchor="ctr" anchorCtr="0">
-            <a:noAutofit/>
-          </a:bodyPr>
-          <a:lstStyle/>
-          <a:p>
-            <a:pPr marL="0" lvl="0" indent="0" algn="l" rtl="0">
-              <a:spcBef>
-                <a:spcPts val="0"/>
-              </a:spcBef>
-              <a:spcAft>
-                <a:spcPts val="0"/>
-              </a:spcAft>
-              <a:buNone/>
-            </a:pPr>
-            <a:endParaRPr dirty="0"/>
-          </a:p>
-        </p:txBody>
-      </p:sp>
-      <p:sp>
-        <p:nvSpPr>
-          <p:cNvPr id="30" name="Google Shape;338;p23">
-            <a:extLst>
-              <a:ext uri="{FF2B5EF4-FFF2-40B4-BE49-F238E27FC236}">
-                <a16:creationId xmlns:a16="http://schemas.microsoft.com/office/drawing/2014/main" id="{423FADE0-DE91-451F-A6AE-10C8AB7B7E10}"/>
-              </a:ext>
-            </a:extLst>
-          </p:cNvPr>
-          <p:cNvSpPr/>
-          <p:nvPr/>
-        </p:nvSpPr>
-        <p:spPr>
-          <a:xfrm>
-            <a:off x="6794175" y="1457454"/>
-            <a:ext cx="373002" cy="354922"/>
-          </a:xfrm>
-          <a:custGeom>
-            <a:avLst/>
-            <a:gdLst/>
-            <a:ahLst/>
-            <a:cxnLst/>
-            <a:rect l="l" t="t" r="r" b="b"/>
-            <a:pathLst>
-              <a:path w="2111" h="2112" extrusionOk="0">
-                <a:moveTo>
-                  <a:pt x="1040" y="662"/>
-                </a:moveTo>
-                <a:cubicBezTo>
-                  <a:pt x="1260" y="662"/>
-                  <a:pt x="1418" y="820"/>
-                  <a:pt x="1418" y="1009"/>
-                </a:cubicBezTo>
-                <a:cubicBezTo>
-                  <a:pt x="1418" y="1198"/>
-                  <a:pt x="1260" y="1355"/>
-                  <a:pt x="1040" y="1355"/>
-                </a:cubicBezTo>
-                <a:cubicBezTo>
-                  <a:pt x="851" y="1355"/>
-                  <a:pt x="693" y="1198"/>
-                  <a:pt x="693" y="1009"/>
-                </a:cubicBezTo>
-                <a:cubicBezTo>
-                  <a:pt x="693" y="820"/>
-                  <a:pt x="851" y="662"/>
-                  <a:pt x="1040" y="662"/>
-                </a:cubicBezTo>
-                <a:close/>
-                <a:moveTo>
-                  <a:pt x="1040" y="1"/>
-                </a:moveTo>
-                <a:cubicBezTo>
-                  <a:pt x="473" y="1"/>
-                  <a:pt x="0" y="473"/>
-                  <a:pt x="0" y="1040"/>
-                </a:cubicBezTo>
-                <a:cubicBezTo>
-                  <a:pt x="0" y="1639"/>
-                  <a:pt x="473" y="2111"/>
-                  <a:pt x="1040" y="2111"/>
-                </a:cubicBezTo>
-                <a:cubicBezTo>
-                  <a:pt x="1639" y="2111"/>
-                  <a:pt x="2111" y="1639"/>
-                  <a:pt x="2111" y="1040"/>
-                </a:cubicBezTo>
-                <a:cubicBezTo>
-                  <a:pt x="2111" y="473"/>
-                  <a:pt x="1639" y="1"/>
-                  <a:pt x="1040" y="1"/>
-                </a:cubicBezTo>
-                <a:close/>
-              </a:path>
-            </a:pathLst>
-          </a:custGeom>
-          <a:gradFill>
-            <a:gsLst>
-              <a:gs pos="1000">
-                <a:srgbClr val="88D3CE"/>
-              </a:gs>
-              <a:gs pos="71000">
-                <a:srgbClr val="423864"/>
-              </a:gs>
-            </a:gsLst>
-            <a:lin ang="5400700" scaled="0"/>
-          </a:gradFill>
-          <a:ln>
-            <a:noFill/>
-          </a:ln>
-        </p:spPr>
-        <p:txBody>
-          <a:bodyPr spcFirstLastPara="1" wrap="square" lIns="91425" tIns="91425" rIns="91425" bIns="91425" anchor="ctr" anchorCtr="0">
-            <a:noAutofit/>
-          </a:bodyPr>
-          <a:lstStyle/>
-          <a:p>
-            <a:pPr marL="0" lvl="0" indent="0" algn="l" rtl="0">
-              <a:spcBef>
-                <a:spcPts val="0"/>
-              </a:spcBef>
-              <a:spcAft>
-                <a:spcPts val="0"/>
-              </a:spcAft>
-              <a:buNone/>
-            </a:pPr>
-            <a:endParaRPr dirty="0"/>
-          </a:p>
-        </p:txBody>
-      </p:sp>
-      <p:sp>
-        <p:nvSpPr>
-          <p:cNvPr id="34" name="Google Shape;338;p23">
-            <a:extLst>
-              <a:ext uri="{FF2B5EF4-FFF2-40B4-BE49-F238E27FC236}">
-                <a16:creationId xmlns:a16="http://schemas.microsoft.com/office/drawing/2014/main" id="{8E3F2921-9152-4840-9646-FC84491FB97F}"/>
-              </a:ext>
-            </a:extLst>
-          </p:cNvPr>
-          <p:cNvSpPr/>
-          <p:nvPr/>
-        </p:nvSpPr>
-        <p:spPr>
-          <a:xfrm>
-            <a:off x="6794175" y="334800"/>
-            <a:ext cx="373002" cy="354922"/>
-          </a:xfrm>
-          <a:custGeom>
-            <a:avLst/>
-            <a:gdLst/>
-            <a:ahLst/>
-            <a:cxnLst/>
-            <a:rect l="l" t="t" r="r" b="b"/>
-            <a:pathLst>
-              <a:path w="2111" h="2112" extrusionOk="0">
-                <a:moveTo>
-                  <a:pt x="1040" y="662"/>
-                </a:moveTo>
-                <a:cubicBezTo>
-                  <a:pt x="1260" y="662"/>
-                  <a:pt x="1418" y="820"/>
-                  <a:pt x="1418" y="1009"/>
-                </a:cubicBezTo>
-                <a:cubicBezTo>
-                  <a:pt x="1418" y="1198"/>
-                  <a:pt x="1260" y="1355"/>
-                  <a:pt x="1040" y="1355"/>
-                </a:cubicBezTo>
-                <a:cubicBezTo>
-                  <a:pt x="851" y="1355"/>
-                  <a:pt x="693" y="1198"/>
-                  <a:pt x="693" y="1009"/>
-                </a:cubicBezTo>
-                <a:cubicBezTo>
-                  <a:pt x="693" y="820"/>
-                  <a:pt x="851" y="662"/>
-                  <a:pt x="1040" y="662"/>
-                </a:cubicBezTo>
-                <a:close/>
-                <a:moveTo>
-                  <a:pt x="1040" y="1"/>
-                </a:moveTo>
-                <a:cubicBezTo>
-                  <a:pt x="473" y="1"/>
-                  <a:pt x="0" y="473"/>
-                  <a:pt x="0" y="1040"/>
-                </a:cubicBezTo>
-                <a:cubicBezTo>
-                  <a:pt x="0" y="1639"/>
-                  <a:pt x="473" y="2111"/>
-                  <a:pt x="1040" y="2111"/>
-                </a:cubicBezTo>
-                <a:cubicBezTo>
-                  <a:pt x="1639" y="2111"/>
-                  <a:pt x="2111" y="1639"/>
-                  <a:pt x="2111" y="1040"/>
-                </a:cubicBezTo>
-                <a:cubicBezTo>
-                  <a:pt x="2111" y="473"/>
-                  <a:pt x="1639" y="1"/>
-                  <a:pt x="1040" y="1"/>
-                </a:cubicBezTo>
-                <a:close/>
-              </a:path>
-            </a:pathLst>
-          </a:custGeom>
-          <a:gradFill flip="none" rotWithShape="1">
-            <a:gsLst>
-              <a:gs pos="0">
-                <a:schemeClr val="accent5">
-                  <a:lumMod val="40000"/>
-                  <a:lumOff val="60000"/>
-                </a:schemeClr>
-              </a:gs>
-              <a:gs pos="46000">
-                <a:schemeClr val="accent5">
-                  <a:lumMod val="95000"/>
-                  <a:lumOff val="5000"/>
-                </a:schemeClr>
-              </a:gs>
-              <a:gs pos="100000">
-                <a:schemeClr val="accent5">
-                  <a:lumMod val="60000"/>
-                </a:schemeClr>
-              </a:gs>
-            </a:gsLst>
-            <a:path path="circle">
-              <a:fillToRect l="50000" t="130000" r="50000" b="-30000"/>
-            </a:path>
-            <a:tileRect/>
-          </a:gradFill>
-          <a:ln>
-            <a:noFill/>
-          </a:ln>
-        </p:spPr>
-        <p:txBody>
-          <a:bodyPr spcFirstLastPara="1" wrap="square" lIns="91425" tIns="91425" rIns="91425" bIns="91425" anchor="ctr" anchorCtr="0">
-            <a:noAutofit/>
-          </a:bodyPr>
-          <a:lstStyle/>
-          <a:p>
-            <a:pPr marL="0" lvl="0" indent="0" algn="l" rtl="0">
-              <a:spcBef>
-                <a:spcPts val="0"/>
-              </a:spcBef>
-              <a:spcAft>
-                <a:spcPts val="0"/>
-              </a:spcAft>
-              <a:buNone/>
-            </a:pPr>
-            <a:endParaRPr dirty="0"/>
-          </a:p>
-        </p:txBody>
-      </p:sp>
-      <p:sp>
-        <p:nvSpPr>
-          <p:cNvPr id="35" name="Google Shape;338;p23">
-            <a:extLst>
-              <a:ext uri="{FF2B5EF4-FFF2-40B4-BE49-F238E27FC236}">
-                <a16:creationId xmlns:a16="http://schemas.microsoft.com/office/drawing/2014/main" id="{0198FED8-45E2-49C6-A80B-65073AABB47A}"/>
-              </a:ext>
-            </a:extLst>
-          </p:cNvPr>
-          <p:cNvSpPr/>
-          <p:nvPr/>
-        </p:nvSpPr>
-        <p:spPr>
-          <a:xfrm>
-            <a:off x="7609137" y="1079180"/>
-            <a:ext cx="373002" cy="354922"/>
-          </a:xfrm>
-          <a:custGeom>
-            <a:avLst/>
-            <a:gdLst/>
-            <a:ahLst/>
-            <a:cxnLst/>
-            <a:rect l="l" t="t" r="r" b="b"/>
-            <a:pathLst>
-              <a:path w="2111" h="2112" extrusionOk="0">
-                <a:moveTo>
-                  <a:pt x="1040" y="662"/>
-                </a:moveTo>
-                <a:cubicBezTo>
-                  <a:pt x="1260" y="662"/>
-                  <a:pt x="1418" y="820"/>
-                  <a:pt x="1418" y="1009"/>
-                </a:cubicBezTo>
-                <a:cubicBezTo>
-                  <a:pt x="1418" y="1198"/>
-                  <a:pt x="1260" y="1355"/>
-                  <a:pt x="1040" y="1355"/>
-                </a:cubicBezTo>
-                <a:cubicBezTo>
-                  <a:pt x="851" y="1355"/>
-                  <a:pt x="693" y="1198"/>
-                  <a:pt x="693" y="1009"/>
-                </a:cubicBezTo>
-                <a:cubicBezTo>
-                  <a:pt x="693" y="820"/>
-                  <a:pt x="851" y="662"/>
-                  <a:pt x="1040" y="662"/>
-                </a:cubicBezTo>
-                <a:close/>
-                <a:moveTo>
-                  <a:pt x="1040" y="1"/>
-                </a:moveTo>
-                <a:cubicBezTo>
-                  <a:pt x="473" y="1"/>
-                  <a:pt x="0" y="473"/>
-                  <a:pt x="0" y="1040"/>
-                </a:cubicBezTo>
-                <a:cubicBezTo>
-                  <a:pt x="0" y="1639"/>
-                  <a:pt x="473" y="2111"/>
-                  <a:pt x="1040" y="2111"/>
-                </a:cubicBezTo>
-                <a:cubicBezTo>
-                  <a:pt x="1639" y="2111"/>
-                  <a:pt x="2111" y="1639"/>
-                  <a:pt x="2111" y="1040"/>
-                </a:cubicBezTo>
-                <a:cubicBezTo>
-                  <a:pt x="2111" y="473"/>
-                  <a:pt x="1639" y="1"/>
-                  <a:pt x="1040" y="1"/>
-                </a:cubicBezTo>
-                <a:close/>
-              </a:path>
-            </a:pathLst>
-          </a:custGeom>
-          <a:gradFill flip="none" rotWithShape="1">
-            <a:gsLst>
-              <a:gs pos="0">
-                <a:schemeClr val="accent5">
-                  <a:lumMod val="40000"/>
-                  <a:lumOff val="60000"/>
-                </a:schemeClr>
-              </a:gs>
-              <a:gs pos="46000">
-                <a:schemeClr val="accent5">
-                  <a:lumMod val="95000"/>
-                  <a:lumOff val="5000"/>
-                </a:schemeClr>
-              </a:gs>
-              <a:gs pos="100000">
-                <a:schemeClr val="accent5">
-                  <a:lumMod val="60000"/>
-                </a:schemeClr>
-              </a:gs>
-            </a:gsLst>
-            <a:path path="circle">
-              <a:fillToRect l="50000" t="130000" r="50000" b="-30000"/>
-            </a:path>
-            <a:tileRect/>
-          </a:gradFill>
-          <a:ln>
-            <a:noFill/>
-          </a:ln>
-        </p:spPr>
-        <p:txBody>
-          <a:bodyPr spcFirstLastPara="1" wrap="square" lIns="91425" tIns="91425" rIns="91425" bIns="91425" anchor="ctr" anchorCtr="0">
-            <a:noAutofit/>
-          </a:bodyPr>
-          <a:lstStyle/>
-          <a:p>
-            <a:pPr marL="0" lvl="0" indent="0" algn="l" rtl="0">
-              <a:spcBef>
-                <a:spcPts val="0"/>
-              </a:spcBef>
-              <a:spcAft>
-                <a:spcPts val="0"/>
-              </a:spcAft>
-              <a:buNone/>
-            </a:pPr>
-            <a:endParaRPr dirty="0"/>
-          </a:p>
-        </p:txBody>
-      </p:sp>
-      <p:sp>
-        <p:nvSpPr>
-          <p:cNvPr id="36" name="Google Shape;338;p23">
-            <a:extLst>
-              <a:ext uri="{FF2B5EF4-FFF2-40B4-BE49-F238E27FC236}">
-                <a16:creationId xmlns:a16="http://schemas.microsoft.com/office/drawing/2014/main" id="{CFE808AF-EAD0-4F2B-BDA4-4A8F52428353}"/>
-              </a:ext>
-            </a:extLst>
-          </p:cNvPr>
-          <p:cNvSpPr/>
-          <p:nvPr/>
-        </p:nvSpPr>
-        <p:spPr>
-          <a:xfrm>
-            <a:off x="7994136" y="363431"/>
-            <a:ext cx="373002" cy="354922"/>
-          </a:xfrm>
-          <a:custGeom>
-            <a:avLst/>
-            <a:gdLst/>
-            <a:ahLst/>
-            <a:cxnLst/>
-            <a:rect l="l" t="t" r="r" b="b"/>
-            <a:pathLst>
-              <a:path w="2111" h="2112" extrusionOk="0">
-                <a:moveTo>
-                  <a:pt x="1040" y="662"/>
-                </a:moveTo>
-                <a:cubicBezTo>
-                  <a:pt x="1260" y="662"/>
-                  <a:pt x="1418" y="820"/>
-                  <a:pt x="1418" y="1009"/>
-                </a:cubicBezTo>
-                <a:cubicBezTo>
-                  <a:pt x="1418" y="1198"/>
-                  <a:pt x="1260" y="1355"/>
-                  <a:pt x="1040" y="1355"/>
-                </a:cubicBezTo>
-                <a:cubicBezTo>
-                  <a:pt x="851" y="1355"/>
-                  <a:pt x="693" y="1198"/>
-                  <a:pt x="693" y="1009"/>
-                </a:cubicBezTo>
-                <a:cubicBezTo>
-                  <a:pt x="693" y="820"/>
-                  <a:pt x="851" y="662"/>
-                  <a:pt x="1040" y="662"/>
-                </a:cubicBezTo>
-                <a:close/>
-                <a:moveTo>
-                  <a:pt x="1040" y="1"/>
-                </a:moveTo>
-                <a:cubicBezTo>
-                  <a:pt x="473" y="1"/>
-                  <a:pt x="0" y="473"/>
-                  <a:pt x="0" y="1040"/>
-                </a:cubicBezTo>
-                <a:cubicBezTo>
-                  <a:pt x="0" y="1639"/>
-                  <a:pt x="473" y="2111"/>
-                  <a:pt x="1040" y="2111"/>
-                </a:cubicBezTo>
-                <a:cubicBezTo>
-                  <a:pt x="1639" y="2111"/>
-                  <a:pt x="2111" y="1639"/>
-                  <a:pt x="2111" y="1040"/>
-                </a:cubicBezTo>
-                <a:cubicBezTo>
-                  <a:pt x="2111" y="473"/>
-                  <a:pt x="1639" y="1"/>
-                  <a:pt x="1040" y="1"/>
-                </a:cubicBezTo>
-                <a:close/>
-              </a:path>
-            </a:pathLst>
-          </a:custGeom>
-          <a:gradFill>
-            <a:gsLst>
-              <a:gs pos="1000">
-                <a:srgbClr val="88D3CE"/>
-              </a:gs>
-              <a:gs pos="71000">
-                <a:srgbClr val="423864"/>
-              </a:gs>
-            </a:gsLst>
-            <a:lin ang="5400700" scaled="0"/>
-          </a:gradFill>
-          <a:ln>
-            <a:noFill/>
-          </a:ln>
-        </p:spPr>
-        <p:txBody>
-          <a:bodyPr spcFirstLastPara="1" wrap="square" lIns="91425" tIns="91425" rIns="91425" bIns="91425" anchor="ctr" anchorCtr="0">
-            <a:noAutofit/>
-          </a:bodyPr>
-          <a:lstStyle/>
-          <a:p>
-            <a:pPr marL="0" lvl="0" indent="0" algn="l" rtl="0">
-              <a:spcBef>
-                <a:spcPts val="0"/>
-              </a:spcBef>
-              <a:spcAft>
-                <a:spcPts val="0"/>
-              </a:spcAft>
-              <a:buNone/>
-            </a:pPr>
-            <a:endParaRPr dirty="0"/>
           </a:p>
         </p:txBody>
       </p:sp>

--- a/ALIA_Othello FINAL.pptx
+++ b/ALIA_Othello FINAL.pptx
@@ -5,7 +5,7 @@
     <p:sldMasterId id="2147483661" r:id="rId1"/>
   </p:sldMasterIdLst>
   <p:notesMasterIdLst>
-    <p:notesMasterId r:id="rId20"/>
+    <p:notesMasterId r:id="rId21"/>
   </p:notesMasterIdLst>
   <p:sldIdLst>
     <p:sldId id="256" r:id="rId2"/>
@@ -23,30 +23,31 @@
     <p:sldId id="316" r:id="rId14"/>
     <p:sldId id="295" r:id="rId15"/>
     <p:sldId id="310" r:id="rId16"/>
-    <p:sldId id="314" r:id="rId17"/>
-    <p:sldId id="311" r:id="rId18"/>
-    <p:sldId id="296" r:id="rId19"/>
+    <p:sldId id="317" r:id="rId17"/>
+    <p:sldId id="314" r:id="rId18"/>
+    <p:sldId id="311" r:id="rId19"/>
+    <p:sldId id="296" r:id="rId20"/>
   </p:sldIdLst>
   <p:sldSz cx="9144000" cy="5143500" type="screen16x9"/>
   <p:notesSz cx="6858000" cy="9144000"/>
   <p:embeddedFontLst>
     <p:embeddedFont>
       <p:font typeface="Roboto" panose="02000000000000000000" pitchFamily="2" charset="0"/>
-      <p:regular r:id="rId21"/>
-      <p:bold r:id="rId22"/>
-      <p:italic r:id="rId23"/>
-      <p:boldItalic r:id="rId24"/>
+      <p:regular r:id="rId22"/>
+      <p:bold r:id="rId23"/>
+      <p:italic r:id="rId24"/>
+      <p:boldItalic r:id="rId25"/>
     </p:embeddedFont>
     <p:embeddedFont>
       <p:font typeface="Roboto Condensed" panose="02000000000000000000" pitchFamily="2" charset="0"/>
-      <p:regular r:id="rId25"/>
-      <p:bold r:id="rId26"/>
-      <p:italic r:id="rId27"/>
-      <p:boldItalic r:id="rId28"/>
+      <p:regular r:id="rId26"/>
+      <p:bold r:id="rId27"/>
+      <p:italic r:id="rId28"/>
+      <p:boldItalic r:id="rId29"/>
     </p:embeddedFont>
     <p:embeddedFont>
       <p:font typeface="Squada One" panose="020B0604020202020204" charset="0"/>
-      <p:regular r:id="rId29"/>
+      <p:regular r:id="rId30"/>
     </p:embeddedFont>
   </p:embeddedFontLst>
   <p:defaultTextStyle>
@@ -1651,7 +1652,7 @@
             </a:pPr>
             <a:fld id="{00000000-1234-1234-1234-123412341234}" type="slidenum">
               <a:rPr lang="en-GB"/>
-              <a:t>‹#›</a:t>
+              <a:t>‹N°›</a:t>
             </a:fld>
             <a:endParaRPr/>
           </a:p>
@@ -2043,7 +2044,7 @@
             </a:pPr>
             <a:fld id="{00000000-1234-1234-1234-123412341234}" type="slidenum">
               <a:rPr lang="en-GB"/>
-              <a:t>‹#›</a:t>
+              <a:t>‹N°›</a:t>
             </a:fld>
             <a:endParaRPr/>
           </a:p>
@@ -2147,7 +2148,7 @@
             </a:pPr>
             <a:fld id="{00000000-1234-1234-1234-123412341234}" type="slidenum">
               <a:rPr lang="en-GB"/>
-              <a:t>‹#›</a:t>
+              <a:t>‹N°›</a:t>
             </a:fld>
             <a:endParaRPr/>
           </a:p>
@@ -2380,7 +2381,7 @@
             </a:pPr>
             <a:fld id="{00000000-1234-1234-1234-123412341234}" type="slidenum">
               <a:rPr lang="en-GB"/>
-              <a:t>‹#›</a:t>
+              <a:t>‹N°›</a:t>
             </a:fld>
             <a:endParaRPr/>
           </a:p>
@@ -2742,7 +2743,7 @@
             </a:pPr>
             <a:fld id="{00000000-1234-1234-1234-123412341234}" type="slidenum">
               <a:rPr lang="en-GB"/>
-              <a:t>‹#›</a:t>
+              <a:t>‹N°›</a:t>
             </a:fld>
             <a:endParaRPr/>
           </a:p>
@@ -3233,7 +3234,7 @@
             </a:pPr>
             <a:fld id="{00000000-1234-1234-1234-123412341234}" type="slidenum">
               <a:rPr lang="en-GB"/>
-              <a:t>‹#›</a:t>
+              <a:t>‹N°›</a:t>
             </a:fld>
             <a:endParaRPr/>
           </a:p>
@@ -3466,7 +3467,7 @@
             </a:pPr>
             <a:fld id="{00000000-1234-1234-1234-123412341234}" type="slidenum">
               <a:rPr lang="en-GB"/>
-              <a:t>‹#›</a:t>
+              <a:t>‹N°›</a:t>
             </a:fld>
             <a:endParaRPr/>
           </a:p>
@@ -3828,7 +3829,7 @@
             </a:pPr>
             <a:fld id="{00000000-1234-1234-1234-123412341234}" type="slidenum">
               <a:rPr lang="en-GB"/>
-              <a:t>‹#›</a:t>
+              <a:t>‹N°›</a:t>
             </a:fld>
             <a:endParaRPr/>
           </a:p>
@@ -4061,7 +4062,7 @@
             </a:pPr>
             <a:fld id="{00000000-1234-1234-1234-123412341234}" type="slidenum">
               <a:rPr lang="en-GB"/>
-              <a:t>‹#›</a:t>
+              <a:t>‹N°›</a:t>
             </a:fld>
             <a:endParaRPr/>
           </a:p>
@@ -4619,7 +4620,7 @@
             </a:pPr>
             <a:fld id="{00000000-1234-1234-1234-123412341234}" type="slidenum">
               <a:rPr lang="en-GB"/>
-              <a:t>‹#›</a:t>
+              <a:t>‹N°›</a:t>
             </a:fld>
             <a:endParaRPr/>
           </a:p>
@@ -4767,7 +4768,7 @@
             </a:pPr>
             <a:fld id="{00000000-1234-1234-1234-123412341234}" type="slidenum">
               <a:rPr lang="en-GB"/>
-              <a:t>‹#›</a:t>
+              <a:t>‹N°›</a:t>
             </a:fld>
             <a:endParaRPr/>
           </a:p>
@@ -5424,7 +5425,7 @@
             </a:pPr>
             <a:fld id="{00000000-1234-1234-1234-123412341234}" type="slidenum">
               <a:rPr lang="en-GB"/>
-              <a:t>‹#›</a:t>
+              <a:t>‹N°›</a:t>
             </a:fld>
             <a:endParaRPr/>
           </a:p>
@@ -19316,6 +19317,1321 @@
           <a:chExt cx="0" cy="0"/>
         </a:xfrm>
       </p:grpSpPr>
+      <p:sp>
+        <p:nvSpPr>
+          <p:cNvPr id="3" name="Google Shape;808;p33">
+            <a:extLst>
+              <a:ext uri="{FF2B5EF4-FFF2-40B4-BE49-F238E27FC236}">
+                <a16:creationId xmlns:a16="http://schemas.microsoft.com/office/drawing/2014/main" id="{A3481AAC-814A-4B89-8B66-B88E4960F246}"/>
+              </a:ext>
+            </a:extLst>
+          </p:cNvPr>
+          <p:cNvSpPr/>
+          <p:nvPr/>
+        </p:nvSpPr>
+        <p:spPr>
+          <a:xfrm rot="-5400000">
+            <a:off x="291694" y="269698"/>
+            <a:ext cx="1091700" cy="945600"/>
+          </a:xfrm>
+          <a:prstGeom prst="hexagon">
+            <a:avLst>
+              <a:gd name="adj" fmla="val 28729"/>
+              <a:gd name="vf" fmla="val 115470"/>
+            </a:avLst>
+          </a:prstGeom>
+          <a:gradFill>
+            <a:gsLst>
+              <a:gs pos="0">
+                <a:srgbClr val="FFFFFF">
+                  <a:alpha val="0"/>
+                  <a:alpha val="58430"/>
+                </a:srgbClr>
+              </a:gs>
+              <a:gs pos="100000">
+                <a:srgbClr val="FFFFFF">
+                  <a:alpha val="39215"/>
+                  <a:alpha val="58430"/>
+                </a:srgbClr>
+              </a:gs>
+            </a:gsLst>
+            <a:path path="circle">
+              <a:fillToRect l="50000" t="50000" r="50000" b="50000"/>
+            </a:path>
+            <a:tileRect/>
+          </a:gradFill>
+          <a:ln w="19050" cap="flat" cmpd="sng">
+            <a:solidFill>
+              <a:schemeClr val="lt1"/>
+            </a:solidFill>
+            <a:prstDash val="solid"/>
+            <a:round/>
+            <a:headEnd type="none" w="sm" len="sm"/>
+            <a:tailEnd type="none" w="sm" len="sm"/>
+          </a:ln>
+        </p:spPr>
+        <p:txBody>
+          <a:bodyPr spcFirstLastPara="1" wrap="square" lIns="91425" tIns="91425" rIns="91425" bIns="91425" anchor="ctr" anchorCtr="0">
+            <a:noAutofit/>
+          </a:bodyPr>
+          <a:lstStyle>
+            <a:defPPr marR="0" lvl="0" algn="l" rtl="0">
+              <a:lnSpc>
+                <a:spcPct val="100000"/>
+              </a:lnSpc>
+              <a:spcBef>
+                <a:spcPts val="0"/>
+              </a:spcBef>
+              <a:spcAft>
+                <a:spcPts val="0"/>
+              </a:spcAft>
+            </a:defPPr>
+            <a:lvl1pPr marR="0" lvl="0" algn="l" rtl="0">
+              <a:lnSpc>
+                <a:spcPct val="100000"/>
+              </a:lnSpc>
+              <a:spcBef>
+                <a:spcPts val="0"/>
+              </a:spcBef>
+              <a:spcAft>
+                <a:spcPts val="0"/>
+              </a:spcAft>
+              <a:buClr>
+                <a:srgbClr val="000000"/>
+              </a:buClr>
+              <a:buFont typeface="Arial"/>
+              <a:defRPr sz="1400" b="0" i="0" u="none" strike="noStrike" cap="none">
+                <a:solidFill>
+                  <a:srgbClr val="000000"/>
+                </a:solidFill>
+                <a:latin typeface="Arial"/>
+                <a:ea typeface="Arial"/>
+                <a:cs typeface="Arial"/>
+                <a:sym typeface="Arial"/>
+              </a:defRPr>
+            </a:lvl1pPr>
+            <a:lvl2pPr marR="0" lvl="1" algn="l" rtl="0">
+              <a:lnSpc>
+                <a:spcPct val="100000"/>
+              </a:lnSpc>
+              <a:spcBef>
+                <a:spcPts val="0"/>
+              </a:spcBef>
+              <a:spcAft>
+                <a:spcPts val="0"/>
+              </a:spcAft>
+              <a:buClr>
+                <a:srgbClr val="000000"/>
+              </a:buClr>
+              <a:buFont typeface="Arial"/>
+              <a:defRPr sz="1400" b="0" i="0" u="none" strike="noStrike" cap="none">
+                <a:solidFill>
+                  <a:srgbClr val="000000"/>
+                </a:solidFill>
+                <a:latin typeface="Arial"/>
+                <a:ea typeface="Arial"/>
+                <a:cs typeface="Arial"/>
+                <a:sym typeface="Arial"/>
+              </a:defRPr>
+            </a:lvl2pPr>
+            <a:lvl3pPr marR="0" lvl="2" algn="l" rtl="0">
+              <a:lnSpc>
+                <a:spcPct val="100000"/>
+              </a:lnSpc>
+              <a:spcBef>
+                <a:spcPts val="0"/>
+              </a:spcBef>
+              <a:spcAft>
+                <a:spcPts val="0"/>
+              </a:spcAft>
+              <a:buClr>
+                <a:srgbClr val="000000"/>
+              </a:buClr>
+              <a:buFont typeface="Arial"/>
+              <a:defRPr sz="1400" b="0" i="0" u="none" strike="noStrike" cap="none">
+                <a:solidFill>
+                  <a:srgbClr val="000000"/>
+                </a:solidFill>
+                <a:latin typeface="Arial"/>
+                <a:ea typeface="Arial"/>
+                <a:cs typeface="Arial"/>
+                <a:sym typeface="Arial"/>
+              </a:defRPr>
+            </a:lvl3pPr>
+            <a:lvl4pPr marR="0" lvl="3" algn="l" rtl="0">
+              <a:lnSpc>
+                <a:spcPct val="100000"/>
+              </a:lnSpc>
+              <a:spcBef>
+                <a:spcPts val="0"/>
+              </a:spcBef>
+              <a:spcAft>
+                <a:spcPts val="0"/>
+              </a:spcAft>
+              <a:buClr>
+                <a:srgbClr val="000000"/>
+              </a:buClr>
+              <a:buFont typeface="Arial"/>
+              <a:defRPr sz="1400" b="0" i="0" u="none" strike="noStrike" cap="none">
+                <a:solidFill>
+                  <a:srgbClr val="000000"/>
+                </a:solidFill>
+                <a:latin typeface="Arial"/>
+                <a:ea typeface="Arial"/>
+                <a:cs typeface="Arial"/>
+                <a:sym typeface="Arial"/>
+              </a:defRPr>
+            </a:lvl4pPr>
+            <a:lvl5pPr marR="0" lvl="4" algn="l" rtl="0">
+              <a:lnSpc>
+                <a:spcPct val="100000"/>
+              </a:lnSpc>
+              <a:spcBef>
+                <a:spcPts val="0"/>
+              </a:spcBef>
+              <a:spcAft>
+                <a:spcPts val="0"/>
+              </a:spcAft>
+              <a:buClr>
+                <a:srgbClr val="000000"/>
+              </a:buClr>
+              <a:buFont typeface="Arial"/>
+              <a:defRPr sz="1400" b="0" i="0" u="none" strike="noStrike" cap="none">
+                <a:solidFill>
+                  <a:srgbClr val="000000"/>
+                </a:solidFill>
+                <a:latin typeface="Arial"/>
+                <a:ea typeface="Arial"/>
+                <a:cs typeface="Arial"/>
+                <a:sym typeface="Arial"/>
+              </a:defRPr>
+            </a:lvl5pPr>
+            <a:lvl6pPr marR="0" lvl="5" algn="l" rtl="0">
+              <a:lnSpc>
+                <a:spcPct val="100000"/>
+              </a:lnSpc>
+              <a:spcBef>
+                <a:spcPts val="0"/>
+              </a:spcBef>
+              <a:spcAft>
+                <a:spcPts val="0"/>
+              </a:spcAft>
+              <a:buClr>
+                <a:srgbClr val="000000"/>
+              </a:buClr>
+              <a:buFont typeface="Arial"/>
+              <a:defRPr sz="1400" b="0" i="0" u="none" strike="noStrike" cap="none">
+                <a:solidFill>
+                  <a:srgbClr val="000000"/>
+                </a:solidFill>
+                <a:latin typeface="Arial"/>
+                <a:ea typeface="Arial"/>
+                <a:cs typeface="Arial"/>
+                <a:sym typeface="Arial"/>
+              </a:defRPr>
+            </a:lvl6pPr>
+            <a:lvl7pPr marR="0" lvl="6" algn="l" rtl="0">
+              <a:lnSpc>
+                <a:spcPct val="100000"/>
+              </a:lnSpc>
+              <a:spcBef>
+                <a:spcPts val="0"/>
+              </a:spcBef>
+              <a:spcAft>
+                <a:spcPts val="0"/>
+              </a:spcAft>
+              <a:buClr>
+                <a:srgbClr val="000000"/>
+              </a:buClr>
+              <a:buFont typeface="Arial"/>
+              <a:defRPr sz="1400" b="0" i="0" u="none" strike="noStrike" cap="none">
+                <a:solidFill>
+                  <a:srgbClr val="000000"/>
+                </a:solidFill>
+                <a:latin typeface="Arial"/>
+                <a:ea typeface="Arial"/>
+                <a:cs typeface="Arial"/>
+                <a:sym typeface="Arial"/>
+              </a:defRPr>
+            </a:lvl7pPr>
+            <a:lvl8pPr marR="0" lvl="7" algn="l" rtl="0">
+              <a:lnSpc>
+                <a:spcPct val="100000"/>
+              </a:lnSpc>
+              <a:spcBef>
+                <a:spcPts val="0"/>
+              </a:spcBef>
+              <a:spcAft>
+                <a:spcPts val="0"/>
+              </a:spcAft>
+              <a:buClr>
+                <a:srgbClr val="000000"/>
+              </a:buClr>
+              <a:buFont typeface="Arial"/>
+              <a:defRPr sz="1400" b="0" i="0" u="none" strike="noStrike" cap="none">
+                <a:solidFill>
+                  <a:srgbClr val="000000"/>
+                </a:solidFill>
+                <a:latin typeface="Arial"/>
+                <a:ea typeface="Arial"/>
+                <a:cs typeface="Arial"/>
+                <a:sym typeface="Arial"/>
+              </a:defRPr>
+            </a:lvl8pPr>
+            <a:lvl9pPr marR="0" lvl="8" algn="l" rtl="0">
+              <a:lnSpc>
+                <a:spcPct val="100000"/>
+              </a:lnSpc>
+              <a:spcBef>
+                <a:spcPts val="0"/>
+              </a:spcBef>
+              <a:spcAft>
+                <a:spcPts val="0"/>
+              </a:spcAft>
+              <a:buClr>
+                <a:srgbClr val="000000"/>
+              </a:buClr>
+              <a:buFont typeface="Arial"/>
+              <a:defRPr sz="1400" b="0" i="0" u="none" strike="noStrike" cap="none">
+                <a:solidFill>
+                  <a:srgbClr val="000000"/>
+                </a:solidFill>
+                <a:latin typeface="Arial"/>
+                <a:ea typeface="Arial"/>
+                <a:cs typeface="Arial"/>
+                <a:sym typeface="Arial"/>
+              </a:defRPr>
+            </a:lvl9pPr>
+          </a:lstStyle>
+          <a:p>
+            <a:pPr marL="0" marR="0" lvl="0" indent="0" algn="l" rtl="0">
+              <a:lnSpc>
+                <a:spcPct val="100000"/>
+              </a:lnSpc>
+              <a:spcBef>
+                <a:spcPts val="0"/>
+              </a:spcBef>
+              <a:spcAft>
+                <a:spcPts val="0"/>
+              </a:spcAft>
+              <a:buNone/>
+            </a:pPr>
+            <a:endParaRPr/>
+          </a:p>
+        </p:txBody>
+      </p:sp>
+      <p:sp>
+        <p:nvSpPr>
+          <p:cNvPr id="4" name="Google Shape;809;p33">
+            <a:extLst>
+              <a:ext uri="{FF2B5EF4-FFF2-40B4-BE49-F238E27FC236}">
+                <a16:creationId xmlns:a16="http://schemas.microsoft.com/office/drawing/2014/main" id="{E06DD028-D630-4D4A-B083-56673C30B9FD}"/>
+              </a:ext>
+            </a:extLst>
+          </p:cNvPr>
+          <p:cNvSpPr/>
+          <p:nvPr/>
+        </p:nvSpPr>
+        <p:spPr>
+          <a:xfrm rot="10800000" flipH="1">
+            <a:off x="1310344" y="466291"/>
+            <a:ext cx="1723584" cy="552401"/>
+          </a:xfrm>
+          <a:custGeom>
+            <a:avLst/>
+            <a:gdLst/>
+            <a:ahLst/>
+            <a:cxnLst/>
+            <a:rect l="l" t="t" r="r" b="b"/>
+            <a:pathLst>
+              <a:path w="74053" h="26456" extrusionOk="0">
+                <a:moveTo>
+                  <a:pt x="0" y="0"/>
+                </a:moveTo>
+                <a:lnTo>
+                  <a:pt x="66153" y="0"/>
+                </a:lnTo>
+                <a:lnTo>
+                  <a:pt x="74053" y="13216"/>
+                </a:lnTo>
+                <a:lnTo>
+                  <a:pt x="66153" y="26433"/>
+                </a:lnTo>
+                <a:lnTo>
+                  <a:pt x="231" y="26456"/>
+                </a:lnTo>
+                <a:lnTo>
+                  <a:pt x="255" y="26456"/>
+                </a:lnTo>
+              </a:path>
+            </a:pathLst>
+          </a:custGeom>
+          <a:noFill/>
+          <a:ln w="19050" cap="flat" cmpd="sng">
+            <a:solidFill>
+              <a:schemeClr val="lt1"/>
+            </a:solidFill>
+            <a:prstDash val="solid"/>
+            <a:round/>
+            <a:headEnd type="none" w="med" len="med"/>
+            <a:tailEnd type="none" w="med" len="med"/>
+          </a:ln>
+        </p:spPr>
+        <p:txBody>
+          <a:bodyPr/>
+          <a:lstStyle/>
+          <a:p>
+            <a:endParaRPr lang="en-GB"/>
+          </a:p>
+        </p:txBody>
+      </p:sp>
+      <p:sp>
+        <p:nvSpPr>
+          <p:cNvPr id="5" name="Google Shape;810;p33">
+            <a:extLst>
+              <a:ext uri="{FF2B5EF4-FFF2-40B4-BE49-F238E27FC236}">
+                <a16:creationId xmlns:a16="http://schemas.microsoft.com/office/drawing/2014/main" id="{E2CB2DD4-EC4E-415D-8A2A-565FAA738D07}"/>
+              </a:ext>
+            </a:extLst>
+          </p:cNvPr>
+          <p:cNvSpPr txBox="1"/>
+          <p:nvPr/>
+        </p:nvSpPr>
+        <p:spPr>
+          <a:xfrm>
+            <a:off x="1364884" y="568192"/>
+            <a:ext cx="1669044" cy="348600"/>
+          </a:xfrm>
+          <a:prstGeom prst="rect">
+            <a:avLst/>
+          </a:prstGeom>
+          <a:noFill/>
+          <a:ln>
+            <a:noFill/>
+          </a:ln>
+        </p:spPr>
+        <p:txBody>
+          <a:bodyPr spcFirstLastPara="1" wrap="square" lIns="91425" tIns="91425" rIns="91425" bIns="91425" anchor="ctr" anchorCtr="0">
+            <a:noAutofit/>
+          </a:bodyPr>
+          <a:lstStyle>
+            <a:defPPr marR="0" lvl="0" algn="l" rtl="0">
+              <a:lnSpc>
+                <a:spcPct val="100000"/>
+              </a:lnSpc>
+              <a:spcBef>
+                <a:spcPts val="0"/>
+              </a:spcBef>
+              <a:spcAft>
+                <a:spcPts val="0"/>
+              </a:spcAft>
+            </a:defPPr>
+            <a:lvl1pPr marR="0" lvl="0" algn="l" rtl="0">
+              <a:lnSpc>
+                <a:spcPct val="100000"/>
+              </a:lnSpc>
+              <a:spcBef>
+                <a:spcPts val="0"/>
+              </a:spcBef>
+              <a:spcAft>
+                <a:spcPts val="0"/>
+              </a:spcAft>
+              <a:buClr>
+                <a:srgbClr val="000000"/>
+              </a:buClr>
+              <a:buFont typeface="Arial"/>
+              <a:defRPr sz="1400" b="0" i="0" u="none" strike="noStrike" cap="none">
+                <a:solidFill>
+                  <a:srgbClr val="000000"/>
+                </a:solidFill>
+                <a:latin typeface="Arial"/>
+                <a:ea typeface="Arial"/>
+                <a:cs typeface="Arial"/>
+                <a:sym typeface="Arial"/>
+              </a:defRPr>
+            </a:lvl1pPr>
+            <a:lvl2pPr marR="0" lvl="1" algn="l" rtl="0">
+              <a:lnSpc>
+                <a:spcPct val="100000"/>
+              </a:lnSpc>
+              <a:spcBef>
+                <a:spcPts val="0"/>
+              </a:spcBef>
+              <a:spcAft>
+                <a:spcPts val="0"/>
+              </a:spcAft>
+              <a:buClr>
+                <a:srgbClr val="000000"/>
+              </a:buClr>
+              <a:buFont typeface="Arial"/>
+              <a:defRPr sz="1400" b="0" i="0" u="none" strike="noStrike" cap="none">
+                <a:solidFill>
+                  <a:srgbClr val="000000"/>
+                </a:solidFill>
+                <a:latin typeface="Arial"/>
+                <a:ea typeface="Arial"/>
+                <a:cs typeface="Arial"/>
+                <a:sym typeface="Arial"/>
+              </a:defRPr>
+            </a:lvl2pPr>
+            <a:lvl3pPr marR="0" lvl="2" algn="l" rtl="0">
+              <a:lnSpc>
+                <a:spcPct val="100000"/>
+              </a:lnSpc>
+              <a:spcBef>
+                <a:spcPts val="0"/>
+              </a:spcBef>
+              <a:spcAft>
+                <a:spcPts val="0"/>
+              </a:spcAft>
+              <a:buClr>
+                <a:srgbClr val="000000"/>
+              </a:buClr>
+              <a:buFont typeface="Arial"/>
+              <a:defRPr sz="1400" b="0" i="0" u="none" strike="noStrike" cap="none">
+                <a:solidFill>
+                  <a:srgbClr val="000000"/>
+                </a:solidFill>
+                <a:latin typeface="Arial"/>
+                <a:ea typeface="Arial"/>
+                <a:cs typeface="Arial"/>
+                <a:sym typeface="Arial"/>
+              </a:defRPr>
+            </a:lvl3pPr>
+            <a:lvl4pPr marR="0" lvl="3" algn="l" rtl="0">
+              <a:lnSpc>
+                <a:spcPct val="100000"/>
+              </a:lnSpc>
+              <a:spcBef>
+                <a:spcPts val="0"/>
+              </a:spcBef>
+              <a:spcAft>
+                <a:spcPts val="0"/>
+              </a:spcAft>
+              <a:buClr>
+                <a:srgbClr val="000000"/>
+              </a:buClr>
+              <a:buFont typeface="Arial"/>
+              <a:defRPr sz="1400" b="0" i="0" u="none" strike="noStrike" cap="none">
+                <a:solidFill>
+                  <a:srgbClr val="000000"/>
+                </a:solidFill>
+                <a:latin typeface="Arial"/>
+                <a:ea typeface="Arial"/>
+                <a:cs typeface="Arial"/>
+                <a:sym typeface="Arial"/>
+              </a:defRPr>
+            </a:lvl4pPr>
+            <a:lvl5pPr marR="0" lvl="4" algn="l" rtl="0">
+              <a:lnSpc>
+                <a:spcPct val="100000"/>
+              </a:lnSpc>
+              <a:spcBef>
+                <a:spcPts val="0"/>
+              </a:spcBef>
+              <a:spcAft>
+                <a:spcPts val="0"/>
+              </a:spcAft>
+              <a:buClr>
+                <a:srgbClr val="000000"/>
+              </a:buClr>
+              <a:buFont typeface="Arial"/>
+              <a:defRPr sz="1400" b="0" i="0" u="none" strike="noStrike" cap="none">
+                <a:solidFill>
+                  <a:srgbClr val="000000"/>
+                </a:solidFill>
+                <a:latin typeface="Arial"/>
+                <a:ea typeface="Arial"/>
+                <a:cs typeface="Arial"/>
+                <a:sym typeface="Arial"/>
+              </a:defRPr>
+            </a:lvl5pPr>
+            <a:lvl6pPr marR="0" lvl="5" algn="l" rtl="0">
+              <a:lnSpc>
+                <a:spcPct val="100000"/>
+              </a:lnSpc>
+              <a:spcBef>
+                <a:spcPts val="0"/>
+              </a:spcBef>
+              <a:spcAft>
+                <a:spcPts val="0"/>
+              </a:spcAft>
+              <a:buClr>
+                <a:srgbClr val="000000"/>
+              </a:buClr>
+              <a:buFont typeface="Arial"/>
+              <a:defRPr sz="1400" b="0" i="0" u="none" strike="noStrike" cap="none">
+                <a:solidFill>
+                  <a:srgbClr val="000000"/>
+                </a:solidFill>
+                <a:latin typeface="Arial"/>
+                <a:ea typeface="Arial"/>
+                <a:cs typeface="Arial"/>
+                <a:sym typeface="Arial"/>
+              </a:defRPr>
+            </a:lvl6pPr>
+            <a:lvl7pPr marR="0" lvl="6" algn="l" rtl="0">
+              <a:lnSpc>
+                <a:spcPct val="100000"/>
+              </a:lnSpc>
+              <a:spcBef>
+                <a:spcPts val="0"/>
+              </a:spcBef>
+              <a:spcAft>
+                <a:spcPts val="0"/>
+              </a:spcAft>
+              <a:buClr>
+                <a:srgbClr val="000000"/>
+              </a:buClr>
+              <a:buFont typeface="Arial"/>
+              <a:defRPr sz="1400" b="0" i="0" u="none" strike="noStrike" cap="none">
+                <a:solidFill>
+                  <a:srgbClr val="000000"/>
+                </a:solidFill>
+                <a:latin typeface="Arial"/>
+                <a:ea typeface="Arial"/>
+                <a:cs typeface="Arial"/>
+                <a:sym typeface="Arial"/>
+              </a:defRPr>
+            </a:lvl7pPr>
+            <a:lvl8pPr marR="0" lvl="7" algn="l" rtl="0">
+              <a:lnSpc>
+                <a:spcPct val="100000"/>
+              </a:lnSpc>
+              <a:spcBef>
+                <a:spcPts val="0"/>
+              </a:spcBef>
+              <a:spcAft>
+                <a:spcPts val="0"/>
+              </a:spcAft>
+              <a:buClr>
+                <a:srgbClr val="000000"/>
+              </a:buClr>
+              <a:buFont typeface="Arial"/>
+              <a:defRPr sz="1400" b="0" i="0" u="none" strike="noStrike" cap="none">
+                <a:solidFill>
+                  <a:srgbClr val="000000"/>
+                </a:solidFill>
+                <a:latin typeface="Arial"/>
+                <a:ea typeface="Arial"/>
+                <a:cs typeface="Arial"/>
+                <a:sym typeface="Arial"/>
+              </a:defRPr>
+            </a:lvl8pPr>
+            <a:lvl9pPr marR="0" lvl="8" algn="l" rtl="0">
+              <a:lnSpc>
+                <a:spcPct val="100000"/>
+              </a:lnSpc>
+              <a:spcBef>
+                <a:spcPts val="0"/>
+              </a:spcBef>
+              <a:spcAft>
+                <a:spcPts val="0"/>
+              </a:spcAft>
+              <a:buClr>
+                <a:srgbClr val="000000"/>
+              </a:buClr>
+              <a:buFont typeface="Arial"/>
+              <a:defRPr sz="1400" b="0" i="0" u="none" strike="noStrike" cap="none">
+                <a:solidFill>
+                  <a:srgbClr val="000000"/>
+                </a:solidFill>
+                <a:latin typeface="Arial"/>
+                <a:ea typeface="Arial"/>
+                <a:cs typeface="Arial"/>
+                <a:sym typeface="Arial"/>
+              </a:defRPr>
+            </a:lvl9pPr>
+          </a:lstStyle>
+          <a:p>
+            <a:pPr marL="0" lvl="0" indent="0" algn="ctr" rtl="0">
+              <a:spcBef>
+                <a:spcPts val="0"/>
+              </a:spcBef>
+              <a:spcAft>
+                <a:spcPts val="0"/>
+              </a:spcAft>
+              <a:buNone/>
+            </a:pPr>
+            <a:r>
+              <a:rPr lang="en-GB" sz="1800" b="1" dirty="0">
+                <a:solidFill>
+                  <a:schemeClr val="lt1"/>
+                </a:solidFill>
+                <a:latin typeface="Squada One"/>
+                <a:ea typeface="Squada One"/>
+                <a:cs typeface="Squada One"/>
+                <a:sym typeface="Squada One"/>
+              </a:rPr>
+              <a:t>ALPHA-BETA VS MIN-MAX</a:t>
+            </a:r>
+            <a:endParaRPr sz="1800" b="1" dirty="0">
+              <a:solidFill>
+                <a:schemeClr val="lt1"/>
+              </a:solidFill>
+              <a:latin typeface="Squada One"/>
+              <a:ea typeface="Squada One"/>
+              <a:cs typeface="Squada One"/>
+              <a:sym typeface="Squada One"/>
+            </a:endParaRPr>
+          </a:p>
+        </p:txBody>
+      </p:sp>
+      <p:sp>
+        <p:nvSpPr>
+          <p:cNvPr id="6" name="Google Shape;811;p33">
+            <a:extLst>
+              <a:ext uri="{FF2B5EF4-FFF2-40B4-BE49-F238E27FC236}">
+                <a16:creationId xmlns:a16="http://schemas.microsoft.com/office/drawing/2014/main" id="{5F8ABF38-7C1E-4FC3-BF42-FBA2972BA8F4}"/>
+              </a:ext>
+            </a:extLst>
+          </p:cNvPr>
+          <p:cNvSpPr txBox="1"/>
+          <p:nvPr/>
+        </p:nvSpPr>
+        <p:spPr>
+          <a:xfrm>
+            <a:off x="419403" y="568193"/>
+            <a:ext cx="836400" cy="348600"/>
+          </a:xfrm>
+          <a:prstGeom prst="rect">
+            <a:avLst/>
+          </a:prstGeom>
+          <a:noFill/>
+          <a:ln>
+            <a:noFill/>
+          </a:ln>
+        </p:spPr>
+        <p:txBody>
+          <a:bodyPr spcFirstLastPara="1" wrap="square" lIns="91425" tIns="91425" rIns="91425" bIns="91425" anchor="ctr" anchorCtr="0">
+            <a:noAutofit/>
+          </a:bodyPr>
+          <a:lstStyle>
+            <a:defPPr marR="0" lvl="0" algn="l" rtl="0">
+              <a:lnSpc>
+                <a:spcPct val="100000"/>
+              </a:lnSpc>
+              <a:spcBef>
+                <a:spcPts val="0"/>
+              </a:spcBef>
+              <a:spcAft>
+                <a:spcPts val="0"/>
+              </a:spcAft>
+            </a:defPPr>
+            <a:lvl1pPr marR="0" lvl="0" algn="l" rtl="0">
+              <a:lnSpc>
+                <a:spcPct val="100000"/>
+              </a:lnSpc>
+              <a:spcBef>
+                <a:spcPts val="0"/>
+              </a:spcBef>
+              <a:spcAft>
+                <a:spcPts val="0"/>
+              </a:spcAft>
+              <a:buClr>
+                <a:srgbClr val="000000"/>
+              </a:buClr>
+              <a:buFont typeface="Arial"/>
+              <a:defRPr sz="1400" b="0" i="0" u="none" strike="noStrike" cap="none">
+                <a:solidFill>
+                  <a:srgbClr val="000000"/>
+                </a:solidFill>
+                <a:latin typeface="Arial"/>
+                <a:ea typeface="Arial"/>
+                <a:cs typeface="Arial"/>
+                <a:sym typeface="Arial"/>
+              </a:defRPr>
+            </a:lvl1pPr>
+            <a:lvl2pPr marR="0" lvl="1" algn="l" rtl="0">
+              <a:lnSpc>
+                <a:spcPct val="100000"/>
+              </a:lnSpc>
+              <a:spcBef>
+                <a:spcPts val="0"/>
+              </a:spcBef>
+              <a:spcAft>
+                <a:spcPts val="0"/>
+              </a:spcAft>
+              <a:buClr>
+                <a:srgbClr val="000000"/>
+              </a:buClr>
+              <a:buFont typeface="Arial"/>
+              <a:defRPr sz="1400" b="0" i="0" u="none" strike="noStrike" cap="none">
+                <a:solidFill>
+                  <a:srgbClr val="000000"/>
+                </a:solidFill>
+                <a:latin typeface="Arial"/>
+                <a:ea typeface="Arial"/>
+                <a:cs typeface="Arial"/>
+                <a:sym typeface="Arial"/>
+              </a:defRPr>
+            </a:lvl2pPr>
+            <a:lvl3pPr marR="0" lvl="2" algn="l" rtl="0">
+              <a:lnSpc>
+                <a:spcPct val="100000"/>
+              </a:lnSpc>
+              <a:spcBef>
+                <a:spcPts val="0"/>
+              </a:spcBef>
+              <a:spcAft>
+                <a:spcPts val="0"/>
+              </a:spcAft>
+              <a:buClr>
+                <a:srgbClr val="000000"/>
+              </a:buClr>
+              <a:buFont typeface="Arial"/>
+              <a:defRPr sz="1400" b="0" i="0" u="none" strike="noStrike" cap="none">
+                <a:solidFill>
+                  <a:srgbClr val="000000"/>
+                </a:solidFill>
+                <a:latin typeface="Arial"/>
+                <a:ea typeface="Arial"/>
+                <a:cs typeface="Arial"/>
+                <a:sym typeface="Arial"/>
+              </a:defRPr>
+            </a:lvl3pPr>
+            <a:lvl4pPr marR="0" lvl="3" algn="l" rtl="0">
+              <a:lnSpc>
+                <a:spcPct val="100000"/>
+              </a:lnSpc>
+              <a:spcBef>
+                <a:spcPts val="0"/>
+              </a:spcBef>
+              <a:spcAft>
+                <a:spcPts val="0"/>
+              </a:spcAft>
+              <a:buClr>
+                <a:srgbClr val="000000"/>
+              </a:buClr>
+              <a:buFont typeface="Arial"/>
+              <a:defRPr sz="1400" b="0" i="0" u="none" strike="noStrike" cap="none">
+                <a:solidFill>
+                  <a:srgbClr val="000000"/>
+                </a:solidFill>
+                <a:latin typeface="Arial"/>
+                <a:ea typeface="Arial"/>
+                <a:cs typeface="Arial"/>
+                <a:sym typeface="Arial"/>
+              </a:defRPr>
+            </a:lvl4pPr>
+            <a:lvl5pPr marR="0" lvl="4" algn="l" rtl="0">
+              <a:lnSpc>
+                <a:spcPct val="100000"/>
+              </a:lnSpc>
+              <a:spcBef>
+                <a:spcPts val="0"/>
+              </a:spcBef>
+              <a:spcAft>
+                <a:spcPts val="0"/>
+              </a:spcAft>
+              <a:buClr>
+                <a:srgbClr val="000000"/>
+              </a:buClr>
+              <a:buFont typeface="Arial"/>
+              <a:defRPr sz="1400" b="0" i="0" u="none" strike="noStrike" cap="none">
+                <a:solidFill>
+                  <a:srgbClr val="000000"/>
+                </a:solidFill>
+                <a:latin typeface="Arial"/>
+                <a:ea typeface="Arial"/>
+                <a:cs typeface="Arial"/>
+                <a:sym typeface="Arial"/>
+              </a:defRPr>
+            </a:lvl5pPr>
+            <a:lvl6pPr marR="0" lvl="5" algn="l" rtl="0">
+              <a:lnSpc>
+                <a:spcPct val="100000"/>
+              </a:lnSpc>
+              <a:spcBef>
+                <a:spcPts val="0"/>
+              </a:spcBef>
+              <a:spcAft>
+                <a:spcPts val="0"/>
+              </a:spcAft>
+              <a:buClr>
+                <a:srgbClr val="000000"/>
+              </a:buClr>
+              <a:buFont typeface="Arial"/>
+              <a:defRPr sz="1400" b="0" i="0" u="none" strike="noStrike" cap="none">
+                <a:solidFill>
+                  <a:srgbClr val="000000"/>
+                </a:solidFill>
+                <a:latin typeface="Arial"/>
+                <a:ea typeface="Arial"/>
+                <a:cs typeface="Arial"/>
+                <a:sym typeface="Arial"/>
+              </a:defRPr>
+            </a:lvl6pPr>
+            <a:lvl7pPr marR="0" lvl="6" algn="l" rtl="0">
+              <a:lnSpc>
+                <a:spcPct val="100000"/>
+              </a:lnSpc>
+              <a:spcBef>
+                <a:spcPts val="0"/>
+              </a:spcBef>
+              <a:spcAft>
+                <a:spcPts val="0"/>
+              </a:spcAft>
+              <a:buClr>
+                <a:srgbClr val="000000"/>
+              </a:buClr>
+              <a:buFont typeface="Arial"/>
+              <a:defRPr sz="1400" b="0" i="0" u="none" strike="noStrike" cap="none">
+                <a:solidFill>
+                  <a:srgbClr val="000000"/>
+                </a:solidFill>
+                <a:latin typeface="Arial"/>
+                <a:ea typeface="Arial"/>
+                <a:cs typeface="Arial"/>
+                <a:sym typeface="Arial"/>
+              </a:defRPr>
+            </a:lvl7pPr>
+            <a:lvl8pPr marR="0" lvl="7" algn="l" rtl="0">
+              <a:lnSpc>
+                <a:spcPct val="100000"/>
+              </a:lnSpc>
+              <a:spcBef>
+                <a:spcPts val="0"/>
+              </a:spcBef>
+              <a:spcAft>
+                <a:spcPts val="0"/>
+              </a:spcAft>
+              <a:buClr>
+                <a:srgbClr val="000000"/>
+              </a:buClr>
+              <a:buFont typeface="Arial"/>
+              <a:defRPr sz="1400" b="0" i="0" u="none" strike="noStrike" cap="none">
+                <a:solidFill>
+                  <a:srgbClr val="000000"/>
+                </a:solidFill>
+                <a:latin typeface="Arial"/>
+                <a:ea typeface="Arial"/>
+                <a:cs typeface="Arial"/>
+                <a:sym typeface="Arial"/>
+              </a:defRPr>
+            </a:lvl8pPr>
+            <a:lvl9pPr marR="0" lvl="8" algn="l" rtl="0">
+              <a:lnSpc>
+                <a:spcPct val="100000"/>
+              </a:lnSpc>
+              <a:spcBef>
+                <a:spcPts val="0"/>
+              </a:spcBef>
+              <a:spcAft>
+                <a:spcPts val="0"/>
+              </a:spcAft>
+              <a:buClr>
+                <a:srgbClr val="000000"/>
+              </a:buClr>
+              <a:buFont typeface="Arial"/>
+              <a:defRPr sz="1400" b="0" i="0" u="none" strike="noStrike" cap="none">
+                <a:solidFill>
+                  <a:srgbClr val="000000"/>
+                </a:solidFill>
+                <a:latin typeface="Arial"/>
+                <a:ea typeface="Arial"/>
+                <a:cs typeface="Arial"/>
+                <a:sym typeface="Arial"/>
+              </a:defRPr>
+            </a:lvl9pPr>
+          </a:lstStyle>
+          <a:p>
+            <a:pPr marL="0" lvl="0" indent="0" algn="ctr" rtl="0">
+              <a:spcBef>
+                <a:spcPts val="0"/>
+              </a:spcBef>
+              <a:spcAft>
+                <a:spcPts val="0"/>
+              </a:spcAft>
+              <a:buNone/>
+            </a:pPr>
+            <a:r>
+              <a:rPr lang="en-GB" sz="2400" b="1" dirty="0">
+                <a:solidFill>
+                  <a:schemeClr val="lt1"/>
+                </a:solidFill>
+                <a:latin typeface="Squada One"/>
+                <a:ea typeface="Squada One"/>
+                <a:cs typeface="Squada One"/>
+                <a:sym typeface="Squada One"/>
+              </a:rPr>
+              <a:t>01</a:t>
+            </a:r>
+            <a:endParaRPr sz="2400" b="1" dirty="0">
+              <a:solidFill>
+                <a:schemeClr val="dk2"/>
+              </a:solidFill>
+              <a:latin typeface="Squada One"/>
+              <a:ea typeface="Squada One"/>
+              <a:cs typeface="Squada One"/>
+              <a:sym typeface="Squada One"/>
+            </a:endParaRPr>
+          </a:p>
+        </p:txBody>
+      </p:sp>
+      <p:sp>
+        <p:nvSpPr>
+          <p:cNvPr id="7" name="TextBox 6">
+            <a:extLst>
+              <a:ext uri="{FF2B5EF4-FFF2-40B4-BE49-F238E27FC236}">
+                <a16:creationId xmlns:a16="http://schemas.microsoft.com/office/drawing/2014/main" id="{922B6717-E610-4402-A725-3F95B3950607}"/>
+              </a:ext>
+            </a:extLst>
+          </p:cNvPr>
+          <p:cNvSpPr txBox="1"/>
+          <p:nvPr/>
+        </p:nvSpPr>
+        <p:spPr>
+          <a:xfrm>
+            <a:off x="0" y="0"/>
+            <a:ext cx="2873648" cy="446276"/>
+          </a:xfrm>
+          <a:prstGeom prst="rect">
+            <a:avLst/>
+          </a:prstGeom>
+          <a:noFill/>
+        </p:spPr>
+        <p:txBody>
+          <a:bodyPr wrap="square" rtlCol="0">
+            <a:spAutoFit/>
+          </a:bodyPr>
+          <a:lstStyle/>
+          <a:p>
+            <a:r>
+              <a:rPr lang="fr-FR" sz="900" dirty="0">
+                <a:solidFill>
+                  <a:schemeClr val="bg1"/>
+                </a:solidFill>
+                <a:latin typeface="Roboto" panose="02000000000000000000" pitchFamily="2" charset="0"/>
+                <a:ea typeface="Roboto" panose="02000000000000000000" pitchFamily="2" charset="0"/>
+              </a:rPr>
+              <a:t>ALIA- Approche Logique de l'Intelligence Artificielle</a:t>
+            </a:r>
+          </a:p>
+          <a:p>
+            <a:endParaRPr lang="en-FR" dirty="0"/>
+          </a:p>
+        </p:txBody>
+      </p:sp>
+      <p:graphicFrame>
+        <p:nvGraphicFramePr>
+          <p:cNvPr id="13" name="Tableau 13">
+            <a:extLst>
+              <a:ext uri="{FF2B5EF4-FFF2-40B4-BE49-F238E27FC236}">
+                <a16:creationId xmlns:a16="http://schemas.microsoft.com/office/drawing/2014/main" id="{A3CA580E-662F-4A8A-B5EE-D79F43C32182}"/>
+              </a:ext>
+            </a:extLst>
+          </p:cNvPr>
+          <p:cNvGraphicFramePr>
+            <a:graphicFrameLocks noGrp="1"/>
+          </p:cNvGraphicFramePr>
+          <p:nvPr>
+            <p:extLst>
+              <p:ext uri="{D42A27DB-BD31-4B8C-83A1-F6EECF244321}">
+                <p14:modId xmlns:p14="http://schemas.microsoft.com/office/powerpoint/2010/main" val="890858817"/>
+              </p:ext>
+            </p:extLst>
+          </p:nvPr>
+        </p:nvGraphicFramePr>
+        <p:xfrm>
+          <a:off x="1524000" y="2161381"/>
+          <a:ext cx="6096000" cy="1384618"/>
+        </p:xfrm>
+        <a:graphic>
+          <a:graphicData uri="http://schemas.openxmlformats.org/drawingml/2006/table">
+            <a:tbl>
+              <a:tblPr firstRow="1" bandRow="1">
+                <a:tableStyleId>{93296810-A885-4BE3-A3E7-6D5BEEA58F35}</a:tableStyleId>
+              </a:tblPr>
+              <a:tblGrid>
+                <a:gridCol w="2032000">
+                  <a:extLst>
+                    <a:ext uri="{9D8B030D-6E8A-4147-A177-3AD203B41FA5}">
+                      <a16:colId xmlns:a16="http://schemas.microsoft.com/office/drawing/2014/main" val="1904091438"/>
+                    </a:ext>
+                  </a:extLst>
+                </a:gridCol>
+                <a:gridCol w="2032000">
+                  <a:extLst>
+                    <a:ext uri="{9D8B030D-6E8A-4147-A177-3AD203B41FA5}">
+                      <a16:colId xmlns:a16="http://schemas.microsoft.com/office/drawing/2014/main" val="3403444520"/>
+                    </a:ext>
+                  </a:extLst>
+                </a:gridCol>
+                <a:gridCol w="2032000">
+                  <a:extLst>
+                    <a:ext uri="{9D8B030D-6E8A-4147-A177-3AD203B41FA5}">
+                      <a16:colId xmlns:a16="http://schemas.microsoft.com/office/drawing/2014/main" val="1628638202"/>
+                    </a:ext>
+                  </a:extLst>
+                </a:gridCol>
+              </a:tblGrid>
+              <a:tr h="370840">
+                <a:tc>
+                  <a:txBody>
+                    <a:bodyPr/>
+                    <a:lstStyle/>
+                    <a:p>
+                      <a:pPr algn="ctr"/>
+                      <a:r>
+                        <a:rPr lang="fr-FR" dirty="0"/>
+                        <a:t>Profondeur</a:t>
+                      </a:r>
+                    </a:p>
+                  </a:txBody>
+                  <a:tcPr anchor="ctr"/>
+                </a:tc>
+                <a:tc>
+                  <a:txBody>
+                    <a:bodyPr/>
+                    <a:lstStyle/>
+                    <a:p>
+                      <a:pPr algn="ctr"/>
+                      <a:r>
+                        <a:rPr lang="fr-FR" dirty="0"/>
+                        <a:t>MIN-MAX</a:t>
+                      </a:r>
+                    </a:p>
+                  </a:txBody>
+                  <a:tcPr anchor="ctr"/>
+                </a:tc>
+                <a:tc>
+                  <a:txBody>
+                    <a:bodyPr/>
+                    <a:lstStyle/>
+                    <a:p>
+                      <a:pPr algn="ctr"/>
+                      <a:r>
+                        <a:rPr lang="fr-FR" dirty="0"/>
+                        <a:t>ALPHA-BETA</a:t>
+                      </a:r>
+                    </a:p>
+                  </a:txBody>
+                  <a:tcPr anchor="ctr"/>
+                </a:tc>
+                <a:extLst>
+                  <a:ext uri="{0D108BD9-81ED-4DB2-BD59-A6C34878D82A}">
+                    <a16:rowId xmlns:a16="http://schemas.microsoft.com/office/drawing/2014/main" val="1069712553"/>
+                  </a:ext>
+                </a:extLst>
+              </a:tr>
+              <a:tr h="550704">
+                <a:tc>
+                  <a:txBody>
+                    <a:bodyPr/>
+                    <a:lstStyle/>
+                    <a:p>
+                      <a:pPr algn="ctr"/>
+                      <a:r>
+                        <a:rPr lang="en-HK" b="1" dirty="0">
+                          <a:solidFill>
+                            <a:schemeClr val="accent5">
+                              <a:lumMod val="25000"/>
+                            </a:schemeClr>
+                          </a:solidFill>
+                        </a:rPr>
+                        <a:t>3</a:t>
+                      </a:r>
+                      <a:endParaRPr lang="fr-FR" b="1" dirty="0">
+                        <a:solidFill>
+                          <a:schemeClr val="accent5">
+                            <a:lumMod val="25000"/>
+                          </a:schemeClr>
+                        </a:solidFill>
+                      </a:endParaRPr>
+                    </a:p>
+                  </a:txBody>
+                  <a:tcPr anchor="ctr"/>
+                </a:tc>
+                <a:tc>
+                  <a:txBody>
+                    <a:bodyPr/>
+                    <a:lstStyle/>
+                    <a:p>
+                      <a:pPr marL="0" marR="0" lvl="0" indent="0" algn="ctr" defTabSz="914400" rtl="0" eaLnBrk="1" fontAlgn="auto" latinLnBrk="0" hangingPunct="1">
+                        <a:lnSpc>
+                          <a:spcPct val="100000"/>
+                        </a:lnSpc>
+                        <a:spcBef>
+                          <a:spcPts val="0"/>
+                        </a:spcBef>
+                        <a:spcAft>
+                          <a:spcPts val="0"/>
+                        </a:spcAft>
+                        <a:buClr>
+                          <a:srgbClr val="000000"/>
+                        </a:buClr>
+                        <a:buSzTx/>
+                        <a:buFont typeface="Arial"/>
+                        <a:buNone/>
+                        <a:tabLst/>
+                        <a:defRPr/>
+                      </a:pPr>
+                      <a:r>
+                        <a:rPr lang="fr-FR" sz="1100" dirty="0"/>
+                        <a:t>83 Victoires, 15 Défaites et 2 Egalités en 7.6 sec</a:t>
+                      </a:r>
+                    </a:p>
+                  </a:txBody>
+                  <a:tcPr anchor="ctr"/>
+                </a:tc>
+                <a:tc>
+                  <a:txBody>
+                    <a:bodyPr/>
+                    <a:lstStyle/>
+                    <a:p>
+                      <a:pPr algn="ctr"/>
+                      <a:r>
+                        <a:rPr lang="fr-FR" sz="1100" dirty="0"/>
+                        <a:t>61 Victoires, 37 défaites et 2 Egalités en 1.5 sec</a:t>
+                      </a:r>
+                    </a:p>
+                  </a:txBody>
+                  <a:tcPr anchor="ctr"/>
+                </a:tc>
+                <a:extLst>
+                  <a:ext uri="{0D108BD9-81ED-4DB2-BD59-A6C34878D82A}">
+                    <a16:rowId xmlns:a16="http://schemas.microsoft.com/office/drawing/2014/main" val="1405622518"/>
+                  </a:ext>
+                </a:extLst>
+              </a:tr>
+              <a:tr h="463074">
+                <a:tc>
+                  <a:txBody>
+                    <a:bodyPr/>
+                    <a:lstStyle/>
+                    <a:p>
+                      <a:pPr algn="ctr"/>
+                      <a:r>
+                        <a:rPr lang="en-HK" b="1" dirty="0">
+                          <a:solidFill>
+                            <a:schemeClr val="accent5">
+                              <a:lumMod val="25000"/>
+                            </a:schemeClr>
+                          </a:solidFill>
+                        </a:rPr>
+                        <a:t>4</a:t>
+                      </a:r>
+                      <a:endParaRPr lang="fr-FR" b="1" dirty="0">
+                        <a:solidFill>
+                          <a:schemeClr val="accent5">
+                            <a:lumMod val="25000"/>
+                          </a:schemeClr>
+                        </a:solidFill>
+                      </a:endParaRPr>
+                    </a:p>
+                  </a:txBody>
+                  <a:tcPr anchor="ctr"/>
+                </a:tc>
+                <a:tc>
+                  <a:txBody>
+                    <a:bodyPr/>
+                    <a:lstStyle/>
+                    <a:p>
+                      <a:pPr algn="ctr"/>
+                      <a:r>
+                        <a:rPr lang="fr-FR" sz="1100" dirty="0"/>
+                        <a:t>Impossible (stack </a:t>
+                      </a:r>
+                      <a:r>
+                        <a:rPr lang="fr-FR" sz="1100" dirty="0" err="1"/>
+                        <a:t>overflow</a:t>
+                      </a:r>
+                      <a:r>
+                        <a:rPr lang="fr-FR" sz="1100" dirty="0"/>
+                        <a:t>)</a:t>
+                      </a:r>
+                    </a:p>
+                  </a:txBody>
+                  <a:tcPr anchor="ctr"/>
+                </a:tc>
+                <a:tc>
+                  <a:txBody>
+                    <a:bodyPr/>
+                    <a:lstStyle/>
+                    <a:p>
+                      <a:pPr algn="ctr"/>
+                      <a:r>
+                        <a:rPr lang="fr-FR" sz="1100" dirty="0"/>
+                        <a:t>7 Victoires, 2 Défaites et 2 Egalités en 6.6 sec</a:t>
+                      </a:r>
+                    </a:p>
+                  </a:txBody>
+                  <a:tcPr anchor="ctr"/>
+                </a:tc>
+                <a:extLst>
+                  <a:ext uri="{0D108BD9-81ED-4DB2-BD59-A6C34878D82A}">
+                    <a16:rowId xmlns:a16="http://schemas.microsoft.com/office/drawing/2014/main" val="1675778381"/>
+                  </a:ext>
+                </a:extLst>
+              </a:tr>
+            </a:tbl>
+          </a:graphicData>
+        </a:graphic>
+      </p:graphicFrame>
+      <p:sp>
+        <p:nvSpPr>
+          <p:cNvPr id="14" name="Title 1">
+            <a:extLst>
+              <a:ext uri="{FF2B5EF4-FFF2-40B4-BE49-F238E27FC236}">
+                <a16:creationId xmlns:a16="http://schemas.microsoft.com/office/drawing/2014/main" id="{B3B9C3A2-B31F-430C-9CE6-568046F9A7A0}"/>
+              </a:ext>
+            </a:extLst>
+          </p:cNvPr>
+          <p:cNvSpPr>
+            <a:spLocks noGrp="1"/>
+          </p:cNvSpPr>
+          <p:nvPr>
+            <p:ph type="title"/>
+          </p:nvPr>
+        </p:nvSpPr>
+        <p:spPr>
+          <a:xfrm>
+            <a:off x="62796" y="1390250"/>
+            <a:ext cx="2386013" cy="572700"/>
+          </a:xfrm>
+        </p:spPr>
+        <p:txBody>
+          <a:bodyPr/>
+          <a:lstStyle/>
+          <a:p>
+            <a:r>
+              <a:rPr lang="en-GB" dirty="0"/>
+              <a:t>Sur 100 parties: </a:t>
+            </a:r>
+          </a:p>
+        </p:txBody>
+      </p:sp>
+    </p:spTree>
+    <p:extLst>
+      <p:ext uri="{BB962C8B-B14F-4D97-AF65-F5344CB8AC3E}">
+        <p14:creationId xmlns:p14="http://schemas.microsoft.com/office/powerpoint/2010/main" val="1133669631"/>
+      </p:ext>
+    </p:extLst>
+  </p:cSld>
+  <p:clrMapOvr>
+    <a:masterClrMapping/>
+  </p:clrMapOvr>
+</p:sld>
+</file>
+
+<file path=ppt/slides/slide17.xml><?xml version="1.0" encoding="utf-8"?>
+<p:sld xmlns:a="http://schemas.openxmlformats.org/drawingml/2006/main" xmlns:r="http://schemas.openxmlformats.org/officeDocument/2006/relationships" xmlns:p="http://schemas.openxmlformats.org/presentationml/2006/main">
+  <p:cSld>
+    <p:spTree>
+      <p:nvGrpSpPr>
+        <p:cNvPr id="1" name=""/>
+        <p:cNvGrpSpPr/>
+        <p:nvPr/>
+      </p:nvGrpSpPr>
+      <p:grpSpPr>
+        <a:xfrm>
+          <a:off x="0" y="0"/>
+          <a:ext cx="0" cy="0"/>
+          <a:chOff x="0" y="0"/>
+          <a:chExt cx="0" cy="0"/>
+        </a:xfrm>
+      </p:grpSpPr>
       <p:grpSp>
         <p:nvGrpSpPr>
           <p:cNvPr id="3" name="Group 18">
@@ -21498,7 +22814,7 @@
 </p:sld>
 </file>
 
-<file path=ppt/slides/slide17.xml><?xml version="1.0" encoding="utf-8"?>
+<file path=ppt/slides/slide18.xml><?xml version="1.0" encoding="utf-8"?>
 <p:sld xmlns:a="http://schemas.openxmlformats.org/drawingml/2006/main" xmlns:r="http://schemas.openxmlformats.org/officeDocument/2006/relationships" xmlns:p="http://schemas.openxmlformats.org/presentationml/2006/main">
   <p:cSld>
     <p:spTree>
@@ -23744,7 +25060,7 @@
 </p:sld>
 </file>
 
-<file path=ppt/slides/slide18.xml><?xml version="1.0" encoding="utf-8"?>
+<file path=ppt/slides/slide19.xml><?xml version="1.0" encoding="utf-8"?>
 <p:sld xmlns:a="http://schemas.openxmlformats.org/drawingml/2006/main" xmlns:r="http://schemas.openxmlformats.org/officeDocument/2006/relationships" xmlns:p="http://schemas.openxmlformats.org/presentationml/2006/main">
   <p:cSld>
     <p:spTree>
